--- a/assets/slides/overview.pptx
+++ b/assets/slides/overview.pptx
@@ -23,8 +23,8 @@
     <p:sldId id="275" r:id="rId14"/>
     <p:sldId id="274" r:id="rId15"/>
     <p:sldId id="270" r:id="rId16"/>
-    <p:sldId id="272" r:id="rId17"/>
-    <p:sldId id="271" r:id="rId18"/>
+    <p:sldId id="271" r:id="rId17"/>
+    <p:sldId id="279" r:id="rId18"/>
   </p:sldIdLst>
   <p:sldSz cx="7920038" cy="2743200"/>
   <p:notesSz cx="6858000" cy="9144000"/>
@@ -4088,13 +4088,13 @@
   <p:clrMapOvr>
     <a:masterClrMapping/>
   </p:clrMapOvr>
-  <mc:AlternateContent xmlns:mc="http://schemas.openxmlformats.org/markup-compatibility/2006">
-    <mc:Choice xmlns:p159="http://schemas.microsoft.com/office/powerpoint/2015/09/main" Requires="p159">
+  <mc:AlternateContent xmlns:mc="http://schemas.openxmlformats.org/markup-compatibility/2006" xmlns:p159="http://schemas.microsoft.com/office/powerpoint/2015/09/main">
+    <mc:Choice Requires="p159">
       <p:transition spd="slow">
         <p159:morph option="byObject"/>
       </p:transition>
     </mc:Choice>
-    <mc:Fallback>
+    <mc:Fallback xmlns="">
       <p:transition spd="slow">
         <p:fade/>
       </p:transition>
@@ -4381,13 +4381,13 @@
   <p:clrMapOvr>
     <a:masterClrMapping/>
   </p:clrMapOvr>
-  <mc:AlternateContent xmlns:mc="http://schemas.openxmlformats.org/markup-compatibility/2006">
-    <mc:Choice xmlns:p159="http://schemas.microsoft.com/office/powerpoint/2015/09/main" Requires="p159">
+  <mc:AlternateContent xmlns:mc="http://schemas.openxmlformats.org/markup-compatibility/2006" xmlns:p159="http://schemas.microsoft.com/office/powerpoint/2015/09/main">
+    <mc:Choice Requires="p159">
       <p:transition spd="slow">
         <p159:morph option="byObject"/>
       </p:transition>
     </mc:Choice>
-    <mc:Fallback>
+    <mc:Fallback xmlns="">
       <p:transition spd="slow">
         <p:fade/>
       </p:transition>
@@ -5719,13 +5719,13 @@
   <p:clrMapOvr>
     <a:masterClrMapping/>
   </p:clrMapOvr>
-  <mc:AlternateContent xmlns:mc="http://schemas.openxmlformats.org/markup-compatibility/2006">
-    <mc:Choice xmlns:p159="http://schemas.microsoft.com/office/powerpoint/2015/09/main" Requires="p159">
+  <mc:AlternateContent xmlns:mc="http://schemas.openxmlformats.org/markup-compatibility/2006" xmlns:p159="http://schemas.microsoft.com/office/powerpoint/2015/09/main">
+    <mc:Choice Requires="p159">
       <p:transition spd="slow">
         <p159:morph option="byObject"/>
       </p:transition>
     </mc:Choice>
-    <mc:Fallback>
+    <mc:Fallback xmlns="">
       <p:transition spd="slow">
         <p:fade/>
       </p:transition>
@@ -7373,13 +7373,13 @@
   <p:clrMapOvr>
     <a:masterClrMapping/>
   </p:clrMapOvr>
-  <mc:AlternateContent xmlns:mc="http://schemas.openxmlformats.org/markup-compatibility/2006">
-    <mc:Choice xmlns:p159="http://schemas.microsoft.com/office/powerpoint/2015/09/main" Requires="p159">
+  <mc:AlternateContent xmlns:mc="http://schemas.openxmlformats.org/markup-compatibility/2006" xmlns:p159="http://schemas.microsoft.com/office/powerpoint/2015/09/main">
+    <mc:Choice Requires="p159">
       <p:transition spd="slow">
         <p159:morph option="byObject"/>
       </p:transition>
     </mc:Choice>
-    <mc:Fallback>
+    <mc:Fallback xmlns="">
       <p:transition spd="slow">
         <p:fade/>
       </p:transition>
@@ -9295,13 +9295,13 @@
   <p:clrMapOvr>
     <a:masterClrMapping/>
   </p:clrMapOvr>
-  <mc:AlternateContent xmlns:mc="http://schemas.openxmlformats.org/markup-compatibility/2006">
-    <mc:Choice xmlns:p159="http://schemas.microsoft.com/office/powerpoint/2015/09/main" Requires="p159">
+  <mc:AlternateContent xmlns:mc="http://schemas.openxmlformats.org/markup-compatibility/2006" xmlns:p159="http://schemas.microsoft.com/office/powerpoint/2015/09/main">
+    <mc:Choice Requires="p159">
       <p:transition spd="slow">
         <p159:morph option="byObject"/>
       </p:transition>
     </mc:Choice>
-    <mc:Fallback>
+    <mc:Fallback xmlns="">
       <p:transition spd="slow">
         <p:fade/>
       </p:transition>
@@ -11550,13 +11550,13 @@
   <p:clrMapOvr>
     <a:masterClrMapping/>
   </p:clrMapOvr>
-  <mc:AlternateContent xmlns:mc="http://schemas.openxmlformats.org/markup-compatibility/2006">
-    <mc:Choice xmlns:p159="http://schemas.microsoft.com/office/powerpoint/2015/09/main" Requires="p159">
+  <mc:AlternateContent xmlns:mc="http://schemas.openxmlformats.org/markup-compatibility/2006" xmlns:p159="http://schemas.microsoft.com/office/powerpoint/2015/09/main">
+    <mc:Choice Requires="p159">
       <p:transition spd="slow">
         <p159:morph option="byObject"/>
       </p:transition>
     </mc:Choice>
-    <mc:Fallback>
+    <mc:Fallback xmlns="">
       <p:transition spd="slow">
         <p:fade/>
       </p:transition>
@@ -14098,2780 +14098,6 @@
         <p:cNvPr id="1" name="">
           <a:extLst>
             <a:ext uri="{FF2B5EF4-FFF2-40B4-BE49-F238E27FC236}">
-              <a16:creationId xmlns:a16="http://schemas.microsoft.com/office/drawing/2014/main" id="{A842D75A-B817-16D1-DDE3-0246A9DC7AD8}"/>
-            </a:ext>
-          </a:extLst>
-        </p:cNvPr>
-        <p:cNvGrpSpPr/>
-        <p:nvPr/>
-      </p:nvGrpSpPr>
-      <p:grpSpPr>
-        <a:xfrm>
-          <a:off x="0" y="0"/>
-          <a:ext cx="0" cy="0"/>
-          <a:chOff x="0" y="0"/>
-          <a:chExt cx="0" cy="0"/>
-        </a:xfrm>
-      </p:grpSpPr>
-      <p:sp>
-        <p:nvSpPr>
-          <p:cNvPr id="4" name="Rectangle 3">
-            <a:extLst>
-              <a:ext uri="{FF2B5EF4-FFF2-40B4-BE49-F238E27FC236}">
-                <a16:creationId xmlns:a16="http://schemas.microsoft.com/office/drawing/2014/main" id="{7D3302A8-147A-924D-6163-A03C8169FCAE}"/>
-              </a:ext>
-            </a:extLst>
-          </p:cNvPr>
-          <p:cNvSpPr/>
-          <p:nvPr/>
-        </p:nvSpPr>
-        <p:spPr>
-          <a:xfrm>
-            <a:off x="2238123" y="1389863"/>
-            <a:ext cx="1394278" cy="877875"/>
-          </a:xfrm>
-          <a:prstGeom prst="rect">
-            <a:avLst/>
-          </a:prstGeom>
-          <a:solidFill>
-            <a:schemeClr val="bg2"/>
-          </a:solidFill>
-          <a:ln>
-            <a:solidFill>
-              <a:schemeClr val="bg1">
-                <a:lumMod val="50000"/>
-              </a:schemeClr>
-            </a:solidFill>
-          </a:ln>
-        </p:spPr>
-        <p:style>
-          <a:lnRef idx="2">
-            <a:schemeClr val="accent2"/>
-          </a:lnRef>
-          <a:fillRef idx="1">
-            <a:schemeClr val="lt1"/>
-          </a:fillRef>
-          <a:effectRef idx="0">
-            <a:schemeClr val="accent2"/>
-          </a:effectRef>
-          <a:fontRef idx="minor">
-            <a:schemeClr val="dk1"/>
-          </a:fontRef>
-        </p:style>
-        <p:txBody>
-          <a:bodyPr rtlCol="0" anchor="ctr"/>
-          <a:lstStyle/>
-          <a:p>
-            <a:pPr algn="ctr"/>
-            <a:r>
-              <a:rPr lang="en-US" sz="1300" b="1" dirty="0"/>
-              <a:t>EqTester</a:t>
-            </a:r>
-          </a:p>
-          <a:p>
-            <a:pPr algn="ctr"/>
-            <a:endParaRPr lang="en-US" sz="1200" b="1" dirty="0"/>
-          </a:p>
-          <a:p>
-            <a:pPr algn="ctr"/>
-            <a:endParaRPr lang="en-US" sz="1200" b="1" dirty="0"/>
-          </a:p>
-        </p:txBody>
-      </p:sp>
-      <p:cxnSp>
-        <p:nvCxnSpPr>
-          <p:cNvPr id="5" name="Straight Arrow Connector 132">
-            <a:extLst>
-              <a:ext uri="{FF2B5EF4-FFF2-40B4-BE49-F238E27FC236}">
-                <a16:creationId xmlns:a16="http://schemas.microsoft.com/office/drawing/2014/main" id="{2075DC54-7827-8786-636F-D7F7FE94D6CD}"/>
-              </a:ext>
-            </a:extLst>
-          </p:cNvPr>
-          <p:cNvCxnSpPr>
-            <a:cxnSpLocks/>
-            <a:stCxn id="13" idx="2"/>
-            <a:endCxn id="15" idx="3"/>
-          </p:cNvCxnSpPr>
-          <p:nvPr/>
-        </p:nvCxnSpPr>
-        <p:spPr>
-          <a:xfrm rot="5400000">
-            <a:off x="5730768" y="673606"/>
-            <a:ext cx="736151" cy="1553989"/>
-          </a:xfrm>
-          <a:prstGeom prst="bentConnector2">
-            <a:avLst/>
-          </a:prstGeom>
-          <a:ln>
-            <a:tailEnd type="triangle"/>
-          </a:ln>
-        </p:spPr>
-        <p:style>
-          <a:lnRef idx="2">
-            <a:schemeClr val="dk1"/>
-          </a:lnRef>
-          <a:fillRef idx="0">
-            <a:schemeClr val="dk1"/>
-          </a:fillRef>
-          <a:effectRef idx="1">
-            <a:schemeClr val="dk1"/>
-          </a:effectRef>
-          <a:fontRef idx="minor">
-            <a:schemeClr val="tx1"/>
-          </a:fontRef>
-        </p:style>
-      </p:cxnSp>
-      <p:sp>
-        <p:nvSpPr>
-          <p:cNvPr id="6" name="Rectangle 5">
-            <a:extLst>
-              <a:ext uri="{FF2B5EF4-FFF2-40B4-BE49-F238E27FC236}">
-                <a16:creationId xmlns:a16="http://schemas.microsoft.com/office/drawing/2014/main" id="{FC421E27-0411-9687-4002-E66191F1D4A3}"/>
-              </a:ext>
-            </a:extLst>
-          </p:cNvPr>
-          <p:cNvSpPr/>
-          <p:nvPr/>
-        </p:nvSpPr>
-        <p:spPr>
-          <a:xfrm>
-            <a:off x="214749" y="115561"/>
-            <a:ext cx="1231795" cy="392966"/>
-          </a:xfrm>
-          <a:prstGeom prst="rect">
-            <a:avLst/>
-          </a:prstGeom>
-          <a:solidFill>
-            <a:schemeClr val="accent2">
-              <a:lumMod val="20000"/>
-              <a:lumOff val="80000"/>
-            </a:schemeClr>
-          </a:solidFill>
-        </p:spPr>
-        <p:style>
-          <a:lnRef idx="2">
-            <a:schemeClr val="accent2"/>
-          </a:lnRef>
-          <a:fillRef idx="1">
-            <a:schemeClr val="lt1"/>
-          </a:fillRef>
-          <a:effectRef idx="0">
-            <a:schemeClr val="accent2"/>
-          </a:effectRef>
-          <a:fontRef idx="minor">
-            <a:schemeClr val="dk1"/>
-          </a:fontRef>
-        </p:style>
-        <p:txBody>
-          <a:bodyPr rtlCol="0" anchor="ctr"/>
-          <a:lstStyle/>
-          <a:p>
-            <a:pPr algn="ctr"/>
-            <a:r>
-              <a:rPr lang="en-US" sz="1400" dirty="0"/>
-              <a:t>C Codebase</a:t>
-            </a:r>
-          </a:p>
-        </p:txBody>
-      </p:sp>
-      <p:sp>
-        <p:nvSpPr>
-          <p:cNvPr id="7" name="Rectangle 6">
-            <a:extLst>
-              <a:ext uri="{FF2B5EF4-FFF2-40B4-BE49-F238E27FC236}">
-                <a16:creationId xmlns:a16="http://schemas.microsoft.com/office/drawing/2014/main" id="{0FDC7BDA-19E0-2ADB-B2DB-625F442798D3}"/>
-              </a:ext>
-            </a:extLst>
-          </p:cNvPr>
-          <p:cNvSpPr/>
-          <p:nvPr/>
-        </p:nvSpPr>
-        <p:spPr>
-          <a:xfrm>
-            <a:off x="3590833" y="460943"/>
-            <a:ext cx="1394278" cy="621582"/>
-          </a:xfrm>
-          <a:prstGeom prst="rect">
-            <a:avLst/>
-          </a:prstGeom>
-          <a:solidFill>
-            <a:schemeClr val="bg2"/>
-          </a:solidFill>
-          <a:ln>
-            <a:solidFill>
-              <a:schemeClr val="bg1">
-                <a:lumMod val="50000"/>
-              </a:schemeClr>
-            </a:solidFill>
-          </a:ln>
-        </p:spPr>
-        <p:style>
-          <a:lnRef idx="2">
-            <a:schemeClr val="accent2"/>
-          </a:lnRef>
-          <a:fillRef idx="1">
-            <a:schemeClr val="lt1"/>
-          </a:fillRef>
-          <a:effectRef idx="0">
-            <a:schemeClr val="accent2"/>
-          </a:effectRef>
-          <a:fontRef idx="minor">
-            <a:schemeClr val="dk1"/>
-          </a:fontRef>
-        </p:style>
-        <p:txBody>
-          <a:bodyPr rtlCol="0" anchor="ctr"/>
-          <a:lstStyle/>
-          <a:p>
-            <a:pPr algn="ctr"/>
-            <a:r>
-              <a:rPr lang="en-US" sz="1400" b="1" dirty="0"/>
-              <a:t>SpecMiner</a:t>
-            </a:r>
-          </a:p>
-          <a:p>
-            <a:pPr algn="ctr"/>
-            <a:endParaRPr lang="en-US" sz="1400" b="1" dirty="0"/>
-          </a:p>
-        </p:txBody>
-      </p:sp>
-      <p:sp>
-        <p:nvSpPr>
-          <p:cNvPr id="8" name="Rectangle 7">
-            <a:extLst>
-              <a:ext uri="{FF2B5EF4-FFF2-40B4-BE49-F238E27FC236}">
-                <a16:creationId xmlns:a16="http://schemas.microsoft.com/office/drawing/2014/main" id="{C1E955E4-D946-E071-4730-5958B9BA84B6}"/>
-              </a:ext>
-            </a:extLst>
-          </p:cNvPr>
-          <p:cNvSpPr/>
-          <p:nvPr/>
-        </p:nvSpPr>
-        <p:spPr>
-          <a:xfrm>
-            <a:off x="3669200" y="822824"/>
-            <a:ext cx="1233314" cy="202780"/>
-          </a:xfrm>
-          <a:prstGeom prst="rect">
-            <a:avLst/>
-          </a:prstGeom>
-          <a:solidFill>
-            <a:schemeClr val="tx1">
-              <a:lumMod val="65000"/>
-              <a:lumOff val="35000"/>
-            </a:schemeClr>
-          </a:solidFill>
-          <a:ln>
-            <a:solidFill>
-              <a:schemeClr val="tx1"/>
-            </a:solidFill>
-          </a:ln>
-        </p:spPr>
-        <p:style>
-          <a:lnRef idx="2">
-            <a:schemeClr val="accent2"/>
-          </a:lnRef>
-          <a:fillRef idx="1">
-            <a:schemeClr val="lt1"/>
-          </a:fillRef>
-          <a:effectRef idx="0">
-            <a:schemeClr val="accent2"/>
-          </a:effectRef>
-          <a:fontRef idx="minor">
-            <a:schemeClr val="dk1"/>
-          </a:fontRef>
-        </p:style>
-        <p:txBody>
-          <a:bodyPr rtlCol="0" anchor="ctr"/>
-          <a:lstStyle/>
-          <a:p>
-            <a:pPr algn="ctr"/>
-            <a:r>
-              <a:rPr lang="en-US" sz="1000" dirty="0">
-                <a:solidFill>
-                  <a:schemeClr val="bg1"/>
-                </a:solidFill>
-              </a:rPr>
-              <a:t>LLVM &amp; gcc</a:t>
-            </a:r>
-          </a:p>
-        </p:txBody>
-      </p:sp>
-      <p:sp>
-        <p:nvSpPr>
-          <p:cNvPr id="9" name="Rectangle 8">
-            <a:extLst>
-              <a:ext uri="{FF2B5EF4-FFF2-40B4-BE49-F238E27FC236}">
-                <a16:creationId xmlns:a16="http://schemas.microsoft.com/office/drawing/2014/main" id="{5EFCF341-003F-D3D5-DF2E-05BC919E24A6}"/>
-              </a:ext>
-            </a:extLst>
-          </p:cNvPr>
-          <p:cNvSpPr/>
-          <p:nvPr/>
-        </p:nvSpPr>
-        <p:spPr>
-          <a:xfrm>
-            <a:off x="214748" y="1630900"/>
-            <a:ext cx="1231795" cy="392966"/>
-          </a:xfrm>
-          <a:prstGeom prst="rect">
-            <a:avLst/>
-          </a:prstGeom>
-          <a:solidFill>
-            <a:schemeClr val="accent5">
-              <a:lumMod val="20000"/>
-              <a:lumOff val="80000"/>
-            </a:schemeClr>
-          </a:solidFill>
-          <a:ln>
-            <a:solidFill>
-              <a:schemeClr val="accent5"/>
-            </a:solidFill>
-          </a:ln>
-        </p:spPr>
-        <p:style>
-          <a:lnRef idx="2">
-            <a:schemeClr val="accent2"/>
-          </a:lnRef>
-          <a:fillRef idx="1">
-            <a:schemeClr val="lt1"/>
-          </a:fillRef>
-          <a:effectRef idx="0">
-            <a:schemeClr val="accent2"/>
-          </a:effectRef>
-          <a:fontRef idx="minor">
-            <a:schemeClr val="dk1"/>
-          </a:fontRef>
-        </p:style>
-        <p:txBody>
-          <a:bodyPr rtlCol="0" anchor="ctr"/>
-          <a:lstStyle/>
-          <a:p>
-            <a:pPr algn="ctr"/>
-            <a:r>
-              <a:rPr lang="en-US" sz="1400" dirty="0"/>
-              <a:t>Rust Program</a:t>
-            </a:r>
-          </a:p>
-        </p:txBody>
-      </p:sp>
-      <p:grpSp>
-        <p:nvGrpSpPr>
-          <p:cNvPr id="10" name="Group 9">
-            <a:extLst>
-              <a:ext uri="{FF2B5EF4-FFF2-40B4-BE49-F238E27FC236}">
-                <a16:creationId xmlns:a16="http://schemas.microsoft.com/office/drawing/2014/main" id="{A71786E3-D906-A9BD-A909-46B7A5726137}"/>
-              </a:ext>
-            </a:extLst>
-          </p:cNvPr>
-          <p:cNvGrpSpPr/>
-          <p:nvPr/>
-        </p:nvGrpSpPr>
-        <p:grpSpPr>
-          <a:xfrm>
-            <a:off x="214748" y="779142"/>
-            <a:ext cx="1231795" cy="618048"/>
-            <a:chOff x="1920744" y="204039"/>
-            <a:chExt cx="1231795" cy="618048"/>
-          </a:xfrm>
-        </p:grpSpPr>
-        <p:sp>
-          <p:nvSpPr>
-            <p:cNvPr id="11" name="Rectangle 10">
-              <a:extLst>
-                <a:ext uri="{FF2B5EF4-FFF2-40B4-BE49-F238E27FC236}">
-                  <a16:creationId xmlns:a16="http://schemas.microsoft.com/office/drawing/2014/main" id="{27AD2E65-F53C-B1DA-18E5-13AF9436E111}"/>
-                </a:ext>
-              </a:extLst>
-            </p:cNvPr>
-            <p:cNvSpPr/>
-            <p:nvPr/>
-          </p:nvSpPr>
-          <p:spPr>
-            <a:xfrm>
-              <a:off x="1920744" y="204039"/>
-              <a:ext cx="1231795" cy="618048"/>
-            </a:xfrm>
-            <a:prstGeom prst="rect">
-              <a:avLst/>
-            </a:prstGeom>
-            <a:solidFill>
-              <a:schemeClr val="bg2"/>
-            </a:solidFill>
-            <a:ln>
-              <a:solidFill>
-                <a:schemeClr val="bg1">
-                  <a:lumMod val="50000"/>
-                </a:schemeClr>
-              </a:solidFill>
-            </a:ln>
-          </p:spPr>
-          <p:style>
-            <a:lnRef idx="2">
-              <a:schemeClr val="accent2"/>
-            </a:lnRef>
-            <a:fillRef idx="1">
-              <a:schemeClr val="lt1"/>
-            </a:fillRef>
-            <a:effectRef idx="0">
-              <a:schemeClr val="accent2"/>
-            </a:effectRef>
-            <a:fontRef idx="minor">
-              <a:schemeClr val="dk1"/>
-            </a:fontRef>
-          </p:style>
-          <p:txBody>
-            <a:bodyPr rtlCol="0" anchor="ctr"/>
-            <a:lstStyle/>
-            <a:p>
-              <a:pPr algn="ctr"/>
-              <a:r>
-                <a:rPr lang="en-US" sz="1400" b="1" dirty="0"/>
-                <a:t>Slicer</a:t>
-              </a:r>
-            </a:p>
-            <a:p>
-              <a:pPr algn="ctr"/>
-              <a:endParaRPr lang="en-US" sz="1400" b="1" dirty="0"/>
-            </a:p>
-          </p:txBody>
-        </p:sp>
-        <p:sp>
-          <p:nvSpPr>
-            <p:cNvPr id="12" name="Rectangle 11">
-              <a:extLst>
-                <a:ext uri="{FF2B5EF4-FFF2-40B4-BE49-F238E27FC236}">
-                  <a16:creationId xmlns:a16="http://schemas.microsoft.com/office/drawing/2014/main" id="{8E36657A-D175-20C2-A444-5BE14C9469C3}"/>
-                </a:ext>
-              </a:extLst>
-            </p:cNvPr>
-            <p:cNvSpPr/>
-            <p:nvPr/>
-          </p:nvSpPr>
-          <p:spPr>
-            <a:xfrm>
-              <a:off x="1984979" y="569431"/>
-              <a:ext cx="1103326" cy="202780"/>
-            </a:xfrm>
-            <a:prstGeom prst="rect">
-              <a:avLst/>
-            </a:prstGeom>
-            <a:solidFill>
-              <a:schemeClr val="tx1">
-                <a:lumMod val="65000"/>
-                <a:lumOff val="35000"/>
-              </a:schemeClr>
-            </a:solidFill>
-            <a:ln>
-              <a:solidFill>
-                <a:schemeClr val="tx1"/>
-              </a:solidFill>
-            </a:ln>
-          </p:spPr>
-          <p:style>
-            <a:lnRef idx="2">
-              <a:schemeClr val="accent2"/>
-            </a:lnRef>
-            <a:fillRef idx="1">
-              <a:schemeClr val="lt1"/>
-            </a:fillRef>
-            <a:effectRef idx="0">
-              <a:schemeClr val="accent2"/>
-            </a:effectRef>
-            <a:fontRef idx="minor">
-              <a:schemeClr val="dk1"/>
-            </a:fontRef>
-          </p:style>
-          <p:txBody>
-            <a:bodyPr rtlCol="0" anchor="ctr"/>
-            <a:lstStyle/>
-            <a:p>
-              <a:pPr algn="ctr"/>
-              <a:r>
-                <a:rPr lang="en-US" sz="1000" dirty="0">
-                  <a:solidFill>
-                    <a:schemeClr val="bg1"/>
-                  </a:solidFill>
-                </a:rPr>
-                <a:t>Clang</a:t>
-              </a:r>
-              <a:endParaRPr lang="en-US" sz="1050" dirty="0">
-                <a:solidFill>
-                  <a:schemeClr val="bg1"/>
-                </a:solidFill>
-              </a:endParaRPr>
-            </a:p>
-          </p:txBody>
-        </p:sp>
-      </p:grpSp>
-      <p:sp>
-        <p:nvSpPr>
-          <p:cNvPr id="13" name="Rectangle 12">
-            <a:extLst>
-              <a:ext uri="{FF2B5EF4-FFF2-40B4-BE49-F238E27FC236}">
-                <a16:creationId xmlns:a16="http://schemas.microsoft.com/office/drawing/2014/main" id="{21E8BA57-F536-BCB9-DDF1-335575462AAB}"/>
-              </a:ext>
-            </a:extLst>
-          </p:cNvPr>
-          <p:cNvSpPr/>
-          <p:nvPr/>
-        </p:nvSpPr>
-        <p:spPr>
-          <a:xfrm>
-            <a:off x="6100763" y="460943"/>
-            <a:ext cx="1550148" cy="621582"/>
-          </a:xfrm>
-          <a:prstGeom prst="rect">
-            <a:avLst/>
-          </a:prstGeom>
-          <a:solidFill>
-            <a:schemeClr val="bg2"/>
-          </a:solidFill>
-          <a:ln>
-            <a:solidFill>
-              <a:schemeClr val="bg1">
-                <a:lumMod val="50000"/>
-              </a:schemeClr>
-            </a:solidFill>
-          </a:ln>
-        </p:spPr>
-        <p:style>
-          <a:lnRef idx="2">
-            <a:schemeClr val="accent2"/>
-          </a:lnRef>
-          <a:fillRef idx="1">
-            <a:schemeClr val="lt1"/>
-          </a:fillRef>
-          <a:effectRef idx="0">
-            <a:schemeClr val="accent2"/>
-          </a:effectRef>
-          <a:fontRef idx="minor">
-            <a:schemeClr val="dk1"/>
-          </a:fontRef>
-        </p:style>
-        <p:txBody>
-          <a:bodyPr rtlCol="0" anchor="ctr"/>
-          <a:lstStyle/>
-          <a:p>
-            <a:pPr algn="ctr"/>
-            <a:r>
-              <a:rPr lang="en-US" sz="1400" b="1" dirty="0"/>
-              <a:t>CodeGenerator</a:t>
-            </a:r>
-          </a:p>
-          <a:p>
-            <a:pPr algn="ctr"/>
-            <a:endParaRPr lang="en-US" sz="1400" b="1" dirty="0"/>
-          </a:p>
-        </p:txBody>
-      </p:sp>
-      <p:sp>
-        <p:nvSpPr>
-          <p:cNvPr id="14" name="Rectangle 13">
-            <a:extLst>
-              <a:ext uri="{FF2B5EF4-FFF2-40B4-BE49-F238E27FC236}">
-                <a16:creationId xmlns:a16="http://schemas.microsoft.com/office/drawing/2014/main" id="{BE4C052E-FD78-C34C-8436-672E7737F92F}"/>
-              </a:ext>
-            </a:extLst>
-          </p:cNvPr>
-          <p:cNvSpPr/>
-          <p:nvPr/>
-        </p:nvSpPr>
-        <p:spPr>
-          <a:xfrm>
-            <a:off x="6170220" y="828403"/>
-            <a:ext cx="1411234" cy="202780"/>
-          </a:xfrm>
-          <a:prstGeom prst="rect">
-            <a:avLst/>
-          </a:prstGeom>
-          <a:solidFill>
-            <a:schemeClr val="tx1">
-              <a:lumMod val="65000"/>
-              <a:lumOff val="35000"/>
-            </a:schemeClr>
-          </a:solidFill>
-          <a:ln>
-            <a:solidFill>
-              <a:schemeClr val="tx1"/>
-            </a:solidFill>
-          </a:ln>
-        </p:spPr>
-        <p:style>
-          <a:lnRef idx="2">
-            <a:schemeClr val="accent2"/>
-          </a:lnRef>
-          <a:fillRef idx="1">
-            <a:schemeClr val="lt1"/>
-          </a:fillRef>
-          <a:effectRef idx="0">
-            <a:schemeClr val="accent2"/>
-          </a:effectRef>
-          <a:fontRef idx="minor">
-            <a:schemeClr val="dk1"/>
-          </a:fontRef>
-        </p:style>
-        <p:txBody>
-          <a:bodyPr rtlCol="0" anchor="ctr"/>
-          <a:lstStyle/>
-          <a:p>
-            <a:pPr algn="ctr"/>
-            <a:r>
-              <a:rPr lang="en-US" sz="1000" dirty="0">
-                <a:solidFill>
-                  <a:schemeClr val="bg1"/>
-                </a:solidFill>
-              </a:rPr>
-              <a:t>LLM</a:t>
-            </a:r>
-          </a:p>
-        </p:txBody>
-      </p:sp>
-      <p:sp>
-        <p:nvSpPr>
-          <p:cNvPr id="15" name="Rectangle 14">
-            <a:extLst>
-              <a:ext uri="{FF2B5EF4-FFF2-40B4-BE49-F238E27FC236}">
-                <a16:creationId xmlns:a16="http://schemas.microsoft.com/office/drawing/2014/main" id="{03BE6DC2-0656-31F9-7A86-285646DF4D71}"/>
-              </a:ext>
-            </a:extLst>
-          </p:cNvPr>
-          <p:cNvSpPr/>
-          <p:nvPr/>
-        </p:nvSpPr>
-        <p:spPr>
-          <a:xfrm>
-            <a:off x="3927570" y="1379738"/>
-            <a:ext cx="1394278" cy="877875"/>
-          </a:xfrm>
-          <a:prstGeom prst="rect">
-            <a:avLst/>
-          </a:prstGeom>
-          <a:solidFill>
-            <a:schemeClr val="bg2"/>
-          </a:solidFill>
-          <a:ln>
-            <a:solidFill>
-              <a:schemeClr val="bg1">
-                <a:lumMod val="50000"/>
-              </a:schemeClr>
-            </a:solidFill>
-          </a:ln>
-        </p:spPr>
-        <p:style>
-          <a:lnRef idx="2">
-            <a:schemeClr val="accent2"/>
-          </a:lnRef>
-          <a:fillRef idx="1">
-            <a:schemeClr val="lt1"/>
-          </a:fillRef>
-          <a:effectRef idx="0">
-            <a:schemeClr val="accent2"/>
-          </a:effectRef>
-          <a:fontRef idx="minor">
-            <a:schemeClr val="dk1"/>
-          </a:fontRef>
-        </p:style>
-        <p:txBody>
-          <a:bodyPr rtlCol="0" anchor="ctr"/>
-          <a:lstStyle/>
-          <a:p>
-            <a:pPr algn="ctr"/>
-            <a:r>
-              <a:rPr lang="en-US" sz="1300" b="1" dirty="0" err="1"/>
-              <a:t>ArgTranslator</a:t>
-            </a:r>
-            <a:endParaRPr lang="en-US" sz="1300" b="1" dirty="0"/>
-          </a:p>
-          <a:p>
-            <a:pPr algn="ctr"/>
-            <a:endParaRPr lang="en-US" sz="1200" b="1" dirty="0"/>
-          </a:p>
-          <a:p>
-            <a:pPr algn="ctr"/>
-            <a:endParaRPr lang="en-US" sz="1200" b="1" dirty="0"/>
-          </a:p>
-        </p:txBody>
-      </p:sp>
-      <p:sp>
-        <p:nvSpPr>
-          <p:cNvPr id="16" name="Rectangle 15">
-            <a:extLst>
-              <a:ext uri="{FF2B5EF4-FFF2-40B4-BE49-F238E27FC236}">
-                <a16:creationId xmlns:a16="http://schemas.microsoft.com/office/drawing/2014/main" id="{D240C703-D95D-6591-F1EE-172EF5005F64}"/>
-              </a:ext>
-            </a:extLst>
-          </p:cNvPr>
-          <p:cNvSpPr/>
-          <p:nvPr/>
-        </p:nvSpPr>
-        <p:spPr>
-          <a:xfrm>
-            <a:off x="4005939" y="2043297"/>
-            <a:ext cx="1233313" cy="173573"/>
-          </a:xfrm>
-          <a:prstGeom prst="rect">
-            <a:avLst/>
-          </a:prstGeom>
-          <a:solidFill>
-            <a:schemeClr val="tx1">
-              <a:lumMod val="65000"/>
-              <a:lumOff val="35000"/>
-            </a:schemeClr>
-          </a:solidFill>
-          <a:ln>
-            <a:solidFill>
-              <a:schemeClr val="tx1"/>
-            </a:solidFill>
-          </a:ln>
-        </p:spPr>
-        <p:style>
-          <a:lnRef idx="2">
-            <a:schemeClr val="accent2"/>
-          </a:lnRef>
-          <a:fillRef idx="1">
-            <a:schemeClr val="lt1"/>
-          </a:fillRef>
-          <a:effectRef idx="0">
-            <a:schemeClr val="accent2"/>
-          </a:effectRef>
-          <a:fontRef idx="minor">
-            <a:schemeClr val="dk1"/>
-          </a:fontRef>
-        </p:style>
-        <p:txBody>
-          <a:bodyPr rtlCol="0" anchor="ctr"/>
-          <a:lstStyle/>
-          <a:p>
-            <a:pPr algn="ctr"/>
-            <a:r>
-              <a:rPr lang="en-US" sz="1000" dirty="0">
-                <a:solidFill>
-                  <a:schemeClr val="bg1"/>
-                </a:solidFill>
-              </a:rPr>
-              <a:t>Arg Constr. Tool</a:t>
-            </a:r>
-          </a:p>
-        </p:txBody>
-      </p:sp>
-      <p:sp>
-        <p:nvSpPr>
-          <p:cNvPr id="17" name="Rectangle 16">
-            <a:extLst>
-              <a:ext uri="{FF2B5EF4-FFF2-40B4-BE49-F238E27FC236}">
-                <a16:creationId xmlns:a16="http://schemas.microsoft.com/office/drawing/2014/main" id="{B73C5310-A43B-500B-BE0F-19BC23CF3C4A}"/>
-              </a:ext>
-            </a:extLst>
-          </p:cNvPr>
-          <p:cNvSpPr/>
-          <p:nvPr/>
-        </p:nvSpPr>
-        <p:spPr>
-          <a:xfrm>
-            <a:off x="6541072" y="1332541"/>
-            <a:ext cx="648644" cy="214744"/>
-          </a:xfrm>
-          <a:prstGeom prst="rect">
-            <a:avLst/>
-          </a:prstGeom>
-          <a:solidFill>
-            <a:schemeClr val="accent5">
-              <a:lumMod val="20000"/>
-              <a:lumOff val="80000"/>
-            </a:schemeClr>
-          </a:solidFill>
-          <a:ln>
-            <a:solidFill>
-              <a:schemeClr val="accent5"/>
-            </a:solidFill>
-          </a:ln>
-        </p:spPr>
-        <p:style>
-          <a:lnRef idx="2">
-            <a:schemeClr val="accent2"/>
-          </a:lnRef>
-          <a:fillRef idx="1">
-            <a:schemeClr val="lt1"/>
-          </a:fillRef>
-          <a:effectRef idx="0">
-            <a:schemeClr val="accent2"/>
-          </a:effectRef>
-          <a:fontRef idx="minor">
-            <a:schemeClr val="dk1"/>
-          </a:fontRef>
-        </p:style>
-        <p:txBody>
-          <a:bodyPr rtlCol="0" anchor="ctr"/>
-          <a:lstStyle/>
-          <a:p>
-            <a:pPr algn="ctr"/>
-            <a:r>
-              <a:rPr lang="en-US" sz="1200" dirty="0"/>
-              <a:t>Rust fn</a:t>
-            </a:r>
-          </a:p>
-        </p:txBody>
-      </p:sp>
-      <p:cxnSp>
-        <p:nvCxnSpPr>
-          <p:cNvPr id="18" name="Straight Arrow Connector 17">
-            <a:extLst>
-              <a:ext uri="{FF2B5EF4-FFF2-40B4-BE49-F238E27FC236}">
-                <a16:creationId xmlns:a16="http://schemas.microsoft.com/office/drawing/2014/main" id="{20BBE267-0923-63C3-A90A-AD0BB008E4C0}"/>
-              </a:ext>
-            </a:extLst>
-          </p:cNvPr>
-          <p:cNvCxnSpPr>
-            <a:cxnSpLocks/>
-            <a:stCxn id="6" idx="2"/>
-            <a:endCxn id="11" idx="0"/>
-          </p:cNvCxnSpPr>
-          <p:nvPr/>
-        </p:nvCxnSpPr>
-        <p:spPr>
-          <a:xfrm flipH="1">
-            <a:off x="830646" y="508528"/>
-            <a:ext cx="1" cy="270615"/>
-          </a:xfrm>
-          <a:prstGeom prst="straightConnector1">
-            <a:avLst/>
-          </a:prstGeom>
-          <a:ln>
-            <a:tailEnd type="triangle"/>
-          </a:ln>
-        </p:spPr>
-        <p:style>
-          <a:lnRef idx="2">
-            <a:schemeClr val="dk1"/>
-          </a:lnRef>
-          <a:fillRef idx="0">
-            <a:schemeClr val="dk1"/>
-          </a:fillRef>
-          <a:effectRef idx="1">
-            <a:schemeClr val="dk1"/>
-          </a:effectRef>
-          <a:fontRef idx="minor">
-            <a:schemeClr val="tx1"/>
-          </a:fontRef>
-        </p:style>
-      </p:cxnSp>
-      <p:grpSp>
-        <p:nvGrpSpPr>
-          <p:cNvPr id="19" name="Group 18">
-            <a:extLst>
-              <a:ext uri="{FF2B5EF4-FFF2-40B4-BE49-F238E27FC236}">
-                <a16:creationId xmlns:a16="http://schemas.microsoft.com/office/drawing/2014/main" id="{452DE811-CF17-89B6-0460-DD05A2CF7672}"/>
-              </a:ext>
-            </a:extLst>
-          </p:cNvPr>
-          <p:cNvGrpSpPr/>
-          <p:nvPr/>
-        </p:nvGrpSpPr>
-        <p:grpSpPr>
-          <a:xfrm>
-            <a:off x="1741655" y="456651"/>
-            <a:ext cx="655044" cy="590682"/>
-            <a:chOff x="2416885" y="1081915"/>
-            <a:chExt cx="655044" cy="590682"/>
-          </a:xfrm>
-        </p:grpSpPr>
-        <p:sp>
-          <p:nvSpPr>
-            <p:cNvPr id="20" name="Rectangle 19">
-              <a:extLst>
-                <a:ext uri="{FF2B5EF4-FFF2-40B4-BE49-F238E27FC236}">
-                  <a16:creationId xmlns:a16="http://schemas.microsoft.com/office/drawing/2014/main" id="{2114621E-5C09-4FC0-B701-AC68DC88B21F}"/>
-                </a:ext>
-              </a:extLst>
-            </p:cNvPr>
-            <p:cNvSpPr/>
-            <p:nvPr/>
-          </p:nvSpPr>
-          <p:spPr>
-            <a:xfrm>
-              <a:off x="2584451" y="1081915"/>
-              <a:ext cx="83783" cy="82942"/>
-            </a:xfrm>
-            <a:prstGeom prst="rect">
-              <a:avLst/>
-            </a:prstGeom>
-            <a:solidFill>
-              <a:schemeClr val="accent2">
-                <a:lumMod val="20000"/>
-                <a:lumOff val="80000"/>
-              </a:schemeClr>
-            </a:solidFill>
-            <a:ln>
-              <a:noFill/>
-            </a:ln>
-          </p:spPr>
-          <p:style>
-            <a:lnRef idx="2">
-              <a:schemeClr val="accent2"/>
-            </a:lnRef>
-            <a:fillRef idx="1">
-              <a:schemeClr val="lt1"/>
-            </a:fillRef>
-            <a:effectRef idx="0">
-              <a:schemeClr val="accent2"/>
-            </a:effectRef>
-            <a:fontRef idx="minor">
-              <a:schemeClr val="dk1"/>
-            </a:fontRef>
-          </p:style>
-          <p:txBody>
-            <a:bodyPr rtlCol="0" anchor="ctr"/>
-            <a:lstStyle/>
-            <a:p>
-              <a:pPr algn="ctr"/>
-              <a:endParaRPr lang="en-US" sz="700" dirty="0"/>
-            </a:p>
-          </p:txBody>
-        </p:sp>
-        <p:sp>
-          <p:nvSpPr>
-            <p:cNvPr id="21" name="Rectangle 20">
-              <a:extLst>
-                <a:ext uri="{FF2B5EF4-FFF2-40B4-BE49-F238E27FC236}">
-                  <a16:creationId xmlns:a16="http://schemas.microsoft.com/office/drawing/2014/main" id="{24410018-7CE1-5FA0-1565-65A56CBCCD89}"/>
-                </a:ext>
-              </a:extLst>
-            </p:cNvPr>
-            <p:cNvSpPr/>
-            <p:nvPr/>
-          </p:nvSpPr>
-          <p:spPr>
-            <a:xfrm>
-              <a:off x="2500668" y="1259715"/>
-              <a:ext cx="83783" cy="82942"/>
-            </a:xfrm>
-            <a:prstGeom prst="rect">
-              <a:avLst/>
-            </a:prstGeom>
-            <a:solidFill>
-              <a:schemeClr val="accent2">
-                <a:lumMod val="20000"/>
-                <a:lumOff val="80000"/>
-              </a:schemeClr>
-            </a:solidFill>
-            <a:ln>
-              <a:noFill/>
-            </a:ln>
-          </p:spPr>
-          <p:style>
-            <a:lnRef idx="2">
-              <a:schemeClr val="accent2"/>
-            </a:lnRef>
-            <a:fillRef idx="1">
-              <a:schemeClr val="lt1"/>
-            </a:fillRef>
-            <a:effectRef idx="0">
-              <a:schemeClr val="accent2"/>
-            </a:effectRef>
-            <a:fontRef idx="minor">
-              <a:schemeClr val="dk1"/>
-            </a:fontRef>
-          </p:style>
-          <p:txBody>
-            <a:bodyPr rtlCol="0" anchor="ctr"/>
-            <a:lstStyle/>
-            <a:p>
-              <a:pPr algn="ctr"/>
-              <a:endParaRPr lang="en-US" sz="700" dirty="0"/>
-            </a:p>
-          </p:txBody>
-        </p:sp>
-        <p:sp>
-          <p:nvSpPr>
-            <p:cNvPr id="22" name="Rectangle 21">
-              <a:extLst>
-                <a:ext uri="{FF2B5EF4-FFF2-40B4-BE49-F238E27FC236}">
-                  <a16:creationId xmlns:a16="http://schemas.microsoft.com/office/drawing/2014/main" id="{2C01EF7A-E2CB-4830-5927-A12C998805DD}"/>
-                </a:ext>
-              </a:extLst>
-            </p:cNvPr>
-            <p:cNvSpPr/>
-            <p:nvPr/>
-          </p:nvSpPr>
-          <p:spPr>
-            <a:xfrm>
-              <a:off x="2416885" y="1437515"/>
-              <a:ext cx="83783" cy="82942"/>
-            </a:xfrm>
-            <a:prstGeom prst="rect">
-              <a:avLst/>
-            </a:prstGeom>
-            <a:solidFill>
-              <a:schemeClr val="accent2">
-                <a:lumMod val="20000"/>
-                <a:lumOff val="80000"/>
-              </a:schemeClr>
-            </a:solidFill>
-            <a:ln>
-              <a:noFill/>
-            </a:ln>
-          </p:spPr>
-          <p:style>
-            <a:lnRef idx="2">
-              <a:schemeClr val="accent2"/>
-            </a:lnRef>
-            <a:fillRef idx="1">
-              <a:schemeClr val="lt1"/>
-            </a:fillRef>
-            <a:effectRef idx="0">
-              <a:schemeClr val="accent2"/>
-            </a:effectRef>
-            <a:fontRef idx="minor">
-              <a:schemeClr val="dk1"/>
-            </a:fontRef>
-          </p:style>
-          <p:txBody>
-            <a:bodyPr rtlCol="0" anchor="ctr"/>
-            <a:lstStyle/>
-            <a:p>
-              <a:pPr algn="ctr"/>
-              <a:endParaRPr lang="en-US" sz="700" dirty="0"/>
-            </a:p>
-          </p:txBody>
-        </p:sp>
-        <p:sp>
-          <p:nvSpPr>
-            <p:cNvPr id="23" name="Rectangle 22">
-              <a:extLst>
-                <a:ext uri="{FF2B5EF4-FFF2-40B4-BE49-F238E27FC236}">
-                  <a16:creationId xmlns:a16="http://schemas.microsoft.com/office/drawing/2014/main" id="{1219DE86-DD46-59C0-ED5D-DF8F8020CD13}"/>
-                </a:ext>
-              </a:extLst>
-            </p:cNvPr>
-            <p:cNvSpPr/>
-            <p:nvPr/>
-          </p:nvSpPr>
-          <p:spPr>
-            <a:xfrm>
-              <a:off x="2668234" y="1259715"/>
-              <a:ext cx="83783" cy="82942"/>
-            </a:xfrm>
-            <a:prstGeom prst="rect">
-              <a:avLst/>
-            </a:prstGeom>
-            <a:solidFill>
-              <a:schemeClr val="accent2">
-                <a:lumMod val="20000"/>
-                <a:lumOff val="80000"/>
-              </a:schemeClr>
-            </a:solidFill>
-            <a:ln>
-              <a:noFill/>
-            </a:ln>
-          </p:spPr>
-          <p:style>
-            <a:lnRef idx="2">
-              <a:schemeClr val="accent2"/>
-            </a:lnRef>
-            <a:fillRef idx="1">
-              <a:schemeClr val="lt1"/>
-            </a:fillRef>
-            <a:effectRef idx="0">
-              <a:schemeClr val="accent2"/>
-            </a:effectRef>
-            <a:fontRef idx="minor">
-              <a:schemeClr val="dk1"/>
-            </a:fontRef>
-          </p:style>
-          <p:txBody>
-            <a:bodyPr rtlCol="0" anchor="ctr"/>
-            <a:lstStyle/>
-            <a:p>
-              <a:pPr algn="ctr"/>
-              <a:endParaRPr lang="en-US" sz="700" dirty="0"/>
-            </a:p>
-          </p:txBody>
-        </p:sp>
-        <p:sp>
-          <p:nvSpPr>
-            <p:cNvPr id="24" name="Rectangle 23">
-              <a:extLst>
-                <a:ext uri="{FF2B5EF4-FFF2-40B4-BE49-F238E27FC236}">
-                  <a16:creationId xmlns:a16="http://schemas.microsoft.com/office/drawing/2014/main" id="{B07959E0-FD6B-2C72-3098-0A4A222758EE}"/>
-                </a:ext>
-              </a:extLst>
-            </p:cNvPr>
-            <p:cNvSpPr/>
-            <p:nvPr/>
-          </p:nvSpPr>
-          <p:spPr>
-            <a:xfrm>
-              <a:off x="2668234" y="1424685"/>
-              <a:ext cx="83783" cy="82942"/>
-            </a:xfrm>
-            <a:prstGeom prst="rect">
-              <a:avLst/>
-            </a:prstGeom>
-            <a:solidFill>
-              <a:schemeClr val="accent2">
-                <a:lumMod val="20000"/>
-                <a:lumOff val="80000"/>
-              </a:schemeClr>
-            </a:solidFill>
-            <a:ln>
-              <a:noFill/>
-            </a:ln>
-          </p:spPr>
-          <p:style>
-            <a:lnRef idx="2">
-              <a:schemeClr val="accent2"/>
-            </a:lnRef>
-            <a:fillRef idx="1">
-              <a:schemeClr val="lt1"/>
-            </a:fillRef>
-            <a:effectRef idx="0">
-              <a:schemeClr val="accent2"/>
-            </a:effectRef>
-            <a:fontRef idx="minor">
-              <a:schemeClr val="dk1"/>
-            </a:fontRef>
-          </p:style>
-          <p:txBody>
-            <a:bodyPr rtlCol="0" anchor="ctr"/>
-            <a:lstStyle/>
-            <a:p>
-              <a:pPr algn="ctr"/>
-              <a:endParaRPr lang="en-US" sz="700" dirty="0"/>
-            </a:p>
-          </p:txBody>
-        </p:sp>
-        <p:sp>
-          <p:nvSpPr>
-            <p:cNvPr id="25" name="Rectangle 24">
-              <a:extLst>
-                <a:ext uri="{FF2B5EF4-FFF2-40B4-BE49-F238E27FC236}">
-                  <a16:creationId xmlns:a16="http://schemas.microsoft.com/office/drawing/2014/main" id="{FC27A56F-CEA0-E65E-943F-F123D23EF669}"/>
-                </a:ext>
-              </a:extLst>
-            </p:cNvPr>
-            <p:cNvSpPr/>
-            <p:nvPr/>
-          </p:nvSpPr>
-          <p:spPr>
-            <a:xfrm>
-              <a:off x="2668234" y="1589655"/>
-              <a:ext cx="83783" cy="82942"/>
-            </a:xfrm>
-            <a:prstGeom prst="rect">
-              <a:avLst/>
-            </a:prstGeom>
-            <a:solidFill>
-              <a:schemeClr val="accent2">
-                <a:lumMod val="20000"/>
-                <a:lumOff val="80000"/>
-              </a:schemeClr>
-            </a:solidFill>
-            <a:ln>
-              <a:noFill/>
-            </a:ln>
-          </p:spPr>
-          <p:style>
-            <a:lnRef idx="2">
-              <a:schemeClr val="accent2"/>
-            </a:lnRef>
-            <a:fillRef idx="1">
-              <a:schemeClr val="lt1"/>
-            </a:fillRef>
-            <a:effectRef idx="0">
-              <a:schemeClr val="accent2"/>
-            </a:effectRef>
-            <a:fontRef idx="minor">
-              <a:schemeClr val="dk1"/>
-            </a:fontRef>
-          </p:style>
-          <p:txBody>
-            <a:bodyPr rtlCol="0" anchor="ctr"/>
-            <a:lstStyle/>
-            <a:p>
-              <a:pPr algn="ctr"/>
-              <a:endParaRPr lang="en-US" sz="700" dirty="0"/>
-            </a:p>
-          </p:txBody>
-        </p:sp>
-        <p:sp>
-          <p:nvSpPr>
-            <p:cNvPr id="26" name="Rectangle 25">
-              <a:extLst>
-                <a:ext uri="{FF2B5EF4-FFF2-40B4-BE49-F238E27FC236}">
-                  <a16:creationId xmlns:a16="http://schemas.microsoft.com/office/drawing/2014/main" id="{4EC3BD80-B5D9-CADE-A1B3-10FE1EEEC064}"/>
-                </a:ext>
-              </a:extLst>
-            </p:cNvPr>
-            <p:cNvSpPr/>
-            <p:nvPr/>
-          </p:nvSpPr>
-          <p:spPr>
-            <a:xfrm>
-              <a:off x="2831300" y="1259715"/>
-              <a:ext cx="83783" cy="82942"/>
-            </a:xfrm>
-            <a:prstGeom prst="rect">
-              <a:avLst/>
-            </a:prstGeom>
-            <a:solidFill>
-              <a:schemeClr val="accent2">
-                <a:lumMod val="20000"/>
-                <a:lumOff val="80000"/>
-              </a:schemeClr>
-            </a:solidFill>
-            <a:ln>
-              <a:noFill/>
-            </a:ln>
-          </p:spPr>
-          <p:style>
-            <a:lnRef idx="2">
-              <a:schemeClr val="accent2"/>
-            </a:lnRef>
-            <a:fillRef idx="1">
-              <a:schemeClr val="lt1"/>
-            </a:fillRef>
-            <a:effectRef idx="0">
-              <a:schemeClr val="accent2"/>
-            </a:effectRef>
-            <a:fontRef idx="minor">
-              <a:schemeClr val="dk1"/>
-            </a:fontRef>
-          </p:style>
-          <p:txBody>
-            <a:bodyPr rtlCol="0" anchor="ctr"/>
-            <a:lstStyle/>
-            <a:p>
-              <a:pPr algn="ctr"/>
-              <a:endParaRPr lang="en-US" sz="700" dirty="0"/>
-            </a:p>
-          </p:txBody>
-        </p:sp>
-        <p:sp>
-          <p:nvSpPr>
-            <p:cNvPr id="27" name="Rectangle 26">
-              <a:extLst>
-                <a:ext uri="{FF2B5EF4-FFF2-40B4-BE49-F238E27FC236}">
-                  <a16:creationId xmlns:a16="http://schemas.microsoft.com/office/drawing/2014/main" id="{1DC09E8F-59A9-1966-3336-8538C9BD821C}"/>
-                </a:ext>
-              </a:extLst>
-            </p:cNvPr>
-            <p:cNvSpPr/>
-            <p:nvPr/>
-          </p:nvSpPr>
-          <p:spPr>
-            <a:xfrm>
-              <a:off x="2831299" y="1081915"/>
-              <a:ext cx="83783" cy="82942"/>
-            </a:xfrm>
-            <a:prstGeom prst="rect">
-              <a:avLst/>
-            </a:prstGeom>
-            <a:solidFill>
-              <a:schemeClr val="accent2">
-                <a:lumMod val="20000"/>
-                <a:lumOff val="80000"/>
-              </a:schemeClr>
-            </a:solidFill>
-            <a:ln>
-              <a:noFill/>
-            </a:ln>
-          </p:spPr>
-          <p:style>
-            <a:lnRef idx="2">
-              <a:schemeClr val="accent2"/>
-            </a:lnRef>
-            <a:fillRef idx="1">
-              <a:schemeClr val="lt1"/>
-            </a:fillRef>
-            <a:effectRef idx="0">
-              <a:schemeClr val="accent2"/>
-            </a:effectRef>
-            <a:fontRef idx="minor">
-              <a:schemeClr val="dk1"/>
-            </a:fontRef>
-          </p:style>
-          <p:txBody>
-            <a:bodyPr rtlCol="0" anchor="ctr"/>
-            <a:lstStyle/>
-            <a:p>
-              <a:pPr algn="ctr"/>
-              <a:endParaRPr lang="en-US" sz="700" dirty="0"/>
-            </a:p>
-          </p:txBody>
-        </p:sp>
-        <p:sp>
-          <p:nvSpPr>
-            <p:cNvPr id="28" name="Rectangle 27">
-              <a:extLst>
-                <a:ext uri="{FF2B5EF4-FFF2-40B4-BE49-F238E27FC236}">
-                  <a16:creationId xmlns:a16="http://schemas.microsoft.com/office/drawing/2014/main" id="{D59E2F38-3BD5-6E9E-2DB7-6EAE813563D3}"/>
-                </a:ext>
-              </a:extLst>
-            </p:cNvPr>
-            <p:cNvSpPr/>
-            <p:nvPr/>
-          </p:nvSpPr>
-          <p:spPr>
-            <a:xfrm>
-              <a:off x="2988146" y="1259715"/>
-              <a:ext cx="83783" cy="82942"/>
-            </a:xfrm>
-            <a:prstGeom prst="rect">
-              <a:avLst/>
-            </a:prstGeom>
-            <a:solidFill>
-              <a:schemeClr val="accent2">
-                <a:lumMod val="20000"/>
-                <a:lumOff val="80000"/>
-              </a:schemeClr>
-            </a:solidFill>
-            <a:ln>
-              <a:noFill/>
-            </a:ln>
-          </p:spPr>
-          <p:style>
-            <a:lnRef idx="2">
-              <a:schemeClr val="accent2"/>
-            </a:lnRef>
-            <a:fillRef idx="1">
-              <a:schemeClr val="lt1"/>
-            </a:fillRef>
-            <a:effectRef idx="0">
-              <a:schemeClr val="accent2"/>
-            </a:effectRef>
-            <a:fontRef idx="minor">
-              <a:schemeClr val="dk1"/>
-            </a:fontRef>
-          </p:style>
-          <p:txBody>
-            <a:bodyPr rtlCol="0" anchor="ctr"/>
-            <a:lstStyle/>
-            <a:p>
-              <a:pPr algn="ctr"/>
-              <a:endParaRPr lang="en-US" sz="700" dirty="0"/>
-            </a:p>
-          </p:txBody>
-        </p:sp>
-        <p:cxnSp>
-          <p:nvCxnSpPr>
-            <p:cNvPr id="29" name="Straight Arrow Connector 28">
-              <a:extLst>
-                <a:ext uri="{FF2B5EF4-FFF2-40B4-BE49-F238E27FC236}">
-                  <a16:creationId xmlns:a16="http://schemas.microsoft.com/office/drawing/2014/main" id="{5918F6A5-F8D0-B5B6-ED5F-21AB05604EF3}"/>
-                </a:ext>
-              </a:extLst>
-            </p:cNvPr>
-            <p:cNvCxnSpPr>
-              <a:cxnSpLocks/>
-              <a:stCxn id="20" idx="2"/>
-              <a:endCxn id="21" idx="0"/>
-            </p:cNvCxnSpPr>
-            <p:nvPr/>
-          </p:nvCxnSpPr>
-          <p:spPr>
-            <a:xfrm flipH="1">
-              <a:off x="2542560" y="1164857"/>
-              <a:ext cx="83783" cy="94858"/>
-            </a:xfrm>
-            <a:prstGeom prst="straightConnector1">
-              <a:avLst/>
-            </a:prstGeom>
-            <a:ln w="3175">
-              <a:solidFill>
-                <a:schemeClr val="bg2"/>
-              </a:solidFill>
-              <a:tailEnd type="triangle" w="sm" len="sm"/>
-            </a:ln>
-          </p:spPr>
-          <p:style>
-            <a:lnRef idx="2">
-              <a:schemeClr val="accent1"/>
-            </a:lnRef>
-            <a:fillRef idx="0">
-              <a:schemeClr val="accent1"/>
-            </a:fillRef>
-            <a:effectRef idx="1">
-              <a:schemeClr val="accent1"/>
-            </a:effectRef>
-            <a:fontRef idx="minor">
-              <a:schemeClr val="tx1"/>
-            </a:fontRef>
-          </p:style>
-        </p:cxnSp>
-        <p:cxnSp>
-          <p:nvCxnSpPr>
-            <p:cNvPr id="30" name="Straight Arrow Connector 29">
-              <a:extLst>
-                <a:ext uri="{FF2B5EF4-FFF2-40B4-BE49-F238E27FC236}">
-                  <a16:creationId xmlns:a16="http://schemas.microsoft.com/office/drawing/2014/main" id="{5561C1C9-7B30-5C1E-A7DD-007DC2E93AF8}"/>
-                </a:ext>
-              </a:extLst>
-            </p:cNvPr>
-            <p:cNvCxnSpPr>
-              <a:cxnSpLocks/>
-              <a:stCxn id="21" idx="2"/>
-              <a:endCxn id="22" idx="0"/>
-            </p:cNvCxnSpPr>
-            <p:nvPr/>
-          </p:nvCxnSpPr>
-          <p:spPr>
-            <a:xfrm flipH="1">
-              <a:off x="2458777" y="1342657"/>
-              <a:ext cx="83783" cy="94858"/>
-            </a:xfrm>
-            <a:prstGeom prst="straightConnector1">
-              <a:avLst/>
-            </a:prstGeom>
-            <a:ln w="3175">
-              <a:solidFill>
-                <a:schemeClr val="bg2"/>
-              </a:solidFill>
-              <a:tailEnd type="triangle" w="sm" len="sm"/>
-            </a:ln>
-          </p:spPr>
-          <p:style>
-            <a:lnRef idx="2">
-              <a:schemeClr val="accent1"/>
-            </a:lnRef>
-            <a:fillRef idx="0">
-              <a:schemeClr val="accent1"/>
-            </a:fillRef>
-            <a:effectRef idx="1">
-              <a:schemeClr val="accent1"/>
-            </a:effectRef>
-            <a:fontRef idx="minor">
-              <a:schemeClr val="tx1"/>
-            </a:fontRef>
-          </p:style>
-        </p:cxnSp>
-        <p:cxnSp>
-          <p:nvCxnSpPr>
-            <p:cNvPr id="31" name="Straight Arrow Connector 30">
-              <a:extLst>
-                <a:ext uri="{FF2B5EF4-FFF2-40B4-BE49-F238E27FC236}">
-                  <a16:creationId xmlns:a16="http://schemas.microsoft.com/office/drawing/2014/main" id="{43217279-8311-862A-812A-E683F538268F}"/>
-                </a:ext>
-              </a:extLst>
-            </p:cNvPr>
-            <p:cNvCxnSpPr>
-              <a:cxnSpLocks/>
-              <a:stCxn id="20" idx="2"/>
-              <a:endCxn id="23" idx="0"/>
-            </p:cNvCxnSpPr>
-            <p:nvPr/>
-          </p:nvCxnSpPr>
-          <p:spPr>
-            <a:xfrm>
-              <a:off x="2626343" y="1164857"/>
-              <a:ext cx="83783" cy="94858"/>
-            </a:xfrm>
-            <a:prstGeom prst="straightConnector1">
-              <a:avLst/>
-            </a:prstGeom>
-            <a:ln w="3175">
-              <a:solidFill>
-                <a:schemeClr val="bg2"/>
-              </a:solidFill>
-              <a:tailEnd type="triangle" w="sm" len="sm"/>
-            </a:ln>
-          </p:spPr>
-          <p:style>
-            <a:lnRef idx="2">
-              <a:schemeClr val="accent1"/>
-            </a:lnRef>
-            <a:fillRef idx="0">
-              <a:schemeClr val="accent1"/>
-            </a:fillRef>
-            <a:effectRef idx="1">
-              <a:schemeClr val="accent1"/>
-            </a:effectRef>
-            <a:fontRef idx="minor">
-              <a:schemeClr val="tx1"/>
-            </a:fontRef>
-          </p:style>
-        </p:cxnSp>
-        <p:cxnSp>
-          <p:nvCxnSpPr>
-            <p:cNvPr id="32" name="Straight Arrow Connector 31">
-              <a:extLst>
-                <a:ext uri="{FF2B5EF4-FFF2-40B4-BE49-F238E27FC236}">
-                  <a16:creationId xmlns:a16="http://schemas.microsoft.com/office/drawing/2014/main" id="{9A0B79B5-B3A8-B488-541D-A70B25B5EC41}"/>
-                </a:ext>
-              </a:extLst>
-            </p:cNvPr>
-            <p:cNvCxnSpPr>
-              <a:cxnSpLocks/>
-              <a:stCxn id="23" idx="2"/>
-              <a:endCxn id="24" idx="0"/>
-            </p:cNvCxnSpPr>
-            <p:nvPr/>
-          </p:nvCxnSpPr>
-          <p:spPr>
-            <a:xfrm>
-              <a:off x="2710126" y="1342657"/>
-              <a:ext cx="0" cy="82028"/>
-            </a:xfrm>
-            <a:prstGeom prst="straightConnector1">
-              <a:avLst/>
-            </a:prstGeom>
-            <a:ln w="3175">
-              <a:solidFill>
-                <a:schemeClr val="bg2"/>
-              </a:solidFill>
-              <a:tailEnd type="triangle" w="sm" len="sm"/>
-            </a:ln>
-          </p:spPr>
-          <p:style>
-            <a:lnRef idx="2">
-              <a:schemeClr val="accent1"/>
-            </a:lnRef>
-            <a:fillRef idx="0">
-              <a:schemeClr val="accent1"/>
-            </a:fillRef>
-            <a:effectRef idx="1">
-              <a:schemeClr val="accent1"/>
-            </a:effectRef>
-            <a:fontRef idx="minor">
-              <a:schemeClr val="tx1"/>
-            </a:fontRef>
-          </p:style>
-        </p:cxnSp>
-        <p:cxnSp>
-          <p:nvCxnSpPr>
-            <p:cNvPr id="33" name="Straight Arrow Connector 32">
-              <a:extLst>
-                <a:ext uri="{FF2B5EF4-FFF2-40B4-BE49-F238E27FC236}">
-                  <a16:creationId xmlns:a16="http://schemas.microsoft.com/office/drawing/2014/main" id="{D621CD41-9982-9B23-0AD7-D5A45FB5BBEE}"/>
-                </a:ext>
-              </a:extLst>
-            </p:cNvPr>
-            <p:cNvCxnSpPr>
-              <a:cxnSpLocks/>
-              <a:stCxn id="24" idx="2"/>
-              <a:endCxn id="25" idx="0"/>
-            </p:cNvCxnSpPr>
-            <p:nvPr/>
-          </p:nvCxnSpPr>
-          <p:spPr>
-            <a:xfrm>
-              <a:off x="2710126" y="1507627"/>
-              <a:ext cx="0" cy="82028"/>
-            </a:xfrm>
-            <a:prstGeom prst="straightConnector1">
-              <a:avLst/>
-            </a:prstGeom>
-            <a:ln w="3175">
-              <a:solidFill>
-                <a:schemeClr val="bg2"/>
-              </a:solidFill>
-              <a:tailEnd type="triangle" w="sm" len="sm"/>
-            </a:ln>
-          </p:spPr>
-          <p:style>
-            <a:lnRef idx="2">
-              <a:schemeClr val="accent1"/>
-            </a:lnRef>
-            <a:fillRef idx="0">
-              <a:schemeClr val="accent1"/>
-            </a:fillRef>
-            <a:effectRef idx="1">
-              <a:schemeClr val="accent1"/>
-            </a:effectRef>
-            <a:fontRef idx="minor">
-              <a:schemeClr val="tx1"/>
-            </a:fontRef>
-          </p:style>
-        </p:cxnSp>
-        <p:cxnSp>
-          <p:nvCxnSpPr>
-            <p:cNvPr id="34" name="Straight Arrow Connector 33">
-              <a:extLst>
-                <a:ext uri="{FF2B5EF4-FFF2-40B4-BE49-F238E27FC236}">
-                  <a16:creationId xmlns:a16="http://schemas.microsoft.com/office/drawing/2014/main" id="{EA8DC422-6B5E-D9B8-893A-247D8F926AF4}"/>
-                </a:ext>
-              </a:extLst>
-            </p:cNvPr>
-            <p:cNvCxnSpPr>
-              <a:cxnSpLocks/>
-              <a:stCxn id="27" idx="2"/>
-              <a:endCxn id="28" idx="0"/>
-            </p:cNvCxnSpPr>
-            <p:nvPr/>
-          </p:nvCxnSpPr>
-          <p:spPr>
-            <a:xfrm>
-              <a:off x="2873191" y="1164857"/>
-              <a:ext cx="156847" cy="94858"/>
-            </a:xfrm>
-            <a:prstGeom prst="straightConnector1">
-              <a:avLst/>
-            </a:prstGeom>
-            <a:ln w="3175">
-              <a:solidFill>
-                <a:schemeClr val="bg2"/>
-              </a:solidFill>
-              <a:tailEnd type="triangle" w="sm" len="sm"/>
-            </a:ln>
-          </p:spPr>
-          <p:style>
-            <a:lnRef idx="2">
-              <a:schemeClr val="accent1"/>
-            </a:lnRef>
-            <a:fillRef idx="0">
-              <a:schemeClr val="accent1"/>
-            </a:fillRef>
-            <a:effectRef idx="1">
-              <a:schemeClr val="accent1"/>
-            </a:effectRef>
-            <a:fontRef idx="minor">
-              <a:schemeClr val="tx1"/>
-            </a:fontRef>
-          </p:style>
-        </p:cxnSp>
-        <p:cxnSp>
-          <p:nvCxnSpPr>
-            <p:cNvPr id="35" name="Straight Arrow Connector 34">
-              <a:extLst>
-                <a:ext uri="{FF2B5EF4-FFF2-40B4-BE49-F238E27FC236}">
-                  <a16:creationId xmlns:a16="http://schemas.microsoft.com/office/drawing/2014/main" id="{7D116DBE-6AB3-2C69-81EC-616EDAE841CF}"/>
-                </a:ext>
-              </a:extLst>
-            </p:cNvPr>
-            <p:cNvCxnSpPr>
-              <a:cxnSpLocks/>
-              <a:stCxn id="20" idx="2"/>
-              <a:endCxn id="26" idx="0"/>
-            </p:cNvCxnSpPr>
-            <p:nvPr/>
-          </p:nvCxnSpPr>
-          <p:spPr>
-            <a:xfrm>
-              <a:off x="2626343" y="1164857"/>
-              <a:ext cx="246849" cy="94858"/>
-            </a:xfrm>
-            <a:prstGeom prst="straightConnector1">
-              <a:avLst/>
-            </a:prstGeom>
-            <a:ln w="3175">
-              <a:solidFill>
-                <a:schemeClr val="bg2"/>
-              </a:solidFill>
-              <a:tailEnd type="triangle" w="sm" len="sm"/>
-            </a:ln>
-          </p:spPr>
-          <p:style>
-            <a:lnRef idx="2">
-              <a:schemeClr val="accent1"/>
-            </a:lnRef>
-            <a:fillRef idx="0">
-              <a:schemeClr val="accent1"/>
-            </a:fillRef>
-            <a:effectRef idx="1">
-              <a:schemeClr val="accent1"/>
-            </a:effectRef>
-            <a:fontRef idx="minor">
-              <a:schemeClr val="tx1"/>
-            </a:fontRef>
-          </p:style>
-        </p:cxnSp>
-        <p:cxnSp>
-          <p:nvCxnSpPr>
-            <p:cNvPr id="36" name="Straight Arrow Connector 35">
-              <a:extLst>
-                <a:ext uri="{FF2B5EF4-FFF2-40B4-BE49-F238E27FC236}">
-                  <a16:creationId xmlns:a16="http://schemas.microsoft.com/office/drawing/2014/main" id="{E16097CA-1DF2-2B1B-2898-592C673B86C0}"/>
-                </a:ext>
-              </a:extLst>
-            </p:cNvPr>
-            <p:cNvCxnSpPr>
-              <a:cxnSpLocks/>
-              <a:stCxn id="26" idx="2"/>
-              <a:endCxn id="24" idx="3"/>
-            </p:cNvCxnSpPr>
-            <p:nvPr/>
-          </p:nvCxnSpPr>
-          <p:spPr>
-            <a:xfrm flipH="1">
-              <a:off x="2752017" y="1342657"/>
-              <a:ext cx="121175" cy="123499"/>
-            </a:xfrm>
-            <a:prstGeom prst="straightConnector1">
-              <a:avLst/>
-            </a:prstGeom>
-            <a:ln w="3175">
-              <a:solidFill>
-                <a:schemeClr val="bg2"/>
-              </a:solidFill>
-              <a:tailEnd type="triangle" w="sm" len="sm"/>
-            </a:ln>
-          </p:spPr>
-          <p:style>
-            <a:lnRef idx="2">
-              <a:schemeClr val="accent1"/>
-            </a:lnRef>
-            <a:fillRef idx="0">
-              <a:schemeClr val="accent1"/>
-            </a:fillRef>
-            <a:effectRef idx="1">
-              <a:schemeClr val="accent1"/>
-            </a:effectRef>
-            <a:fontRef idx="minor">
-              <a:schemeClr val="tx1"/>
-            </a:fontRef>
-          </p:style>
-        </p:cxnSp>
-      </p:grpSp>
-      <p:sp>
-        <p:nvSpPr>
-          <p:cNvPr id="37" name="TextBox 36">
-            <a:extLst>
-              <a:ext uri="{FF2B5EF4-FFF2-40B4-BE49-F238E27FC236}">
-                <a16:creationId xmlns:a16="http://schemas.microsoft.com/office/drawing/2014/main" id="{4B504222-205A-C716-72F0-BE27B497A1C7}"/>
-              </a:ext>
-            </a:extLst>
-          </p:cNvPr>
-          <p:cNvSpPr txBox="1"/>
-          <p:nvPr/>
-        </p:nvSpPr>
-        <p:spPr>
-          <a:xfrm>
-            <a:off x="1587729" y="671086"/>
-            <a:ext cx="970137" cy="200055"/>
-          </a:xfrm>
-          <a:prstGeom prst="rect">
-            <a:avLst/>
-          </a:prstGeom>
-          <a:noFill/>
-        </p:spPr>
-        <p:txBody>
-          <a:bodyPr wrap="none" rtlCol="0">
-            <a:spAutoFit/>
-          </a:bodyPr>
-          <a:lstStyle/>
-          <a:p>
-            <a:r>
-              <a:rPr lang="en-US" sz="700" b="1" dirty="0"/>
-              <a:t>Dependency Graph</a:t>
-            </a:r>
-          </a:p>
-        </p:txBody>
-      </p:sp>
-      <p:sp>
-        <p:nvSpPr>
-          <p:cNvPr id="38" name="Rectangle 37">
-            <a:extLst>
-              <a:ext uri="{FF2B5EF4-FFF2-40B4-BE49-F238E27FC236}">
-                <a16:creationId xmlns:a16="http://schemas.microsoft.com/office/drawing/2014/main" id="{8D2067B9-CE2F-0609-84BE-579933F12892}"/>
-              </a:ext>
-            </a:extLst>
-          </p:cNvPr>
-          <p:cNvSpPr/>
-          <p:nvPr/>
-        </p:nvSpPr>
-        <p:spPr>
-          <a:xfrm>
-            <a:off x="2506931" y="122338"/>
-            <a:ext cx="648644" cy="214744"/>
-          </a:xfrm>
-          <a:prstGeom prst="rect">
-            <a:avLst/>
-          </a:prstGeom>
-          <a:solidFill>
-            <a:schemeClr val="accent2">
-              <a:lumMod val="20000"/>
-              <a:lumOff val="80000"/>
-            </a:schemeClr>
-          </a:solidFill>
-          <a:ln>
-            <a:solidFill>
-              <a:schemeClr val="accent2"/>
-            </a:solidFill>
-          </a:ln>
-        </p:spPr>
-        <p:style>
-          <a:lnRef idx="2">
-            <a:schemeClr val="accent2"/>
-          </a:lnRef>
-          <a:fillRef idx="1">
-            <a:schemeClr val="lt1"/>
-          </a:fillRef>
-          <a:effectRef idx="0">
-            <a:schemeClr val="accent2"/>
-          </a:effectRef>
-          <a:fontRef idx="minor">
-            <a:schemeClr val="dk1"/>
-          </a:fontRef>
-        </p:style>
-        <p:txBody>
-          <a:bodyPr rtlCol="0" anchor="ctr"/>
-          <a:lstStyle/>
-          <a:p>
-            <a:pPr algn="ctr"/>
-            <a:r>
-              <a:rPr lang="en-US" sz="1200" dirty="0"/>
-              <a:t>C fn</a:t>
-            </a:r>
-          </a:p>
-        </p:txBody>
-      </p:sp>
-      <p:cxnSp>
-        <p:nvCxnSpPr>
-          <p:cNvPr id="39" name="Straight Arrow Connector 71">
-            <a:extLst>
-              <a:ext uri="{FF2B5EF4-FFF2-40B4-BE49-F238E27FC236}">
-                <a16:creationId xmlns:a16="http://schemas.microsoft.com/office/drawing/2014/main" id="{0750576D-5B08-146F-D0CB-60874D1F563E}"/>
-              </a:ext>
-            </a:extLst>
-          </p:cNvPr>
-          <p:cNvCxnSpPr>
-            <a:cxnSpLocks/>
-            <a:stCxn id="11" idx="3"/>
-            <a:endCxn id="37" idx="2"/>
-          </p:cNvCxnSpPr>
-          <p:nvPr/>
-        </p:nvCxnSpPr>
-        <p:spPr>
-          <a:xfrm flipV="1">
-            <a:off x="1446543" y="871140"/>
-            <a:ext cx="626255" cy="217026"/>
-          </a:xfrm>
-          <a:prstGeom prst="bentConnector2">
-            <a:avLst/>
-          </a:prstGeom>
-          <a:ln>
-            <a:tailEnd type="triangle"/>
-          </a:ln>
-        </p:spPr>
-        <p:style>
-          <a:lnRef idx="2">
-            <a:schemeClr val="dk1"/>
-          </a:lnRef>
-          <a:fillRef idx="0">
-            <a:schemeClr val="dk1"/>
-          </a:fillRef>
-          <a:effectRef idx="1">
-            <a:schemeClr val="dk1"/>
-          </a:effectRef>
-          <a:fontRef idx="minor">
-            <a:schemeClr val="tx1"/>
-          </a:fontRef>
-        </p:style>
-      </p:cxnSp>
-      <p:cxnSp>
-        <p:nvCxnSpPr>
-          <p:cNvPr id="40" name="Straight Arrow Connector 74">
-            <a:extLst>
-              <a:ext uri="{FF2B5EF4-FFF2-40B4-BE49-F238E27FC236}">
-                <a16:creationId xmlns:a16="http://schemas.microsoft.com/office/drawing/2014/main" id="{295229A0-4793-1F68-548C-A3223724DD0D}"/>
-              </a:ext>
-            </a:extLst>
-          </p:cNvPr>
-          <p:cNvCxnSpPr>
-            <a:cxnSpLocks/>
-            <a:stCxn id="37" idx="0"/>
-            <a:endCxn id="38" idx="1"/>
-          </p:cNvCxnSpPr>
-          <p:nvPr/>
-        </p:nvCxnSpPr>
-        <p:spPr>
-          <a:xfrm rot="5400000" flipH="1" flipV="1">
-            <a:off x="2069176" y="233332"/>
-            <a:ext cx="441376" cy="434133"/>
-          </a:xfrm>
-          <a:prstGeom prst="bentConnector2">
-            <a:avLst/>
-          </a:prstGeom>
-          <a:ln>
-            <a:tailEnd type="triangle"/>
-          </a:ln>
-        </p:spPr>
-        <p:style>
-          <a:lnRef idx="2">
-            <a:schemeClr val="dk1"/>
-          </a:lnRef>
-          <a:fillRef idx="0">
-            <a:schemeClr val="dk1"/>
-          </a:fillRef>
-          <a:effectRef idx="1">
-            <a:schemeClr val="dk1"/>
-          </a:effectRef>
-          <a:fontRef idx="minor">
-            <a:schemeClr val="tx1"/>
-          </a:fontRef>
-        </p:style>
-      </p:cxnSp>
-      <p:cxnSp>
-        <p:nvCxnSpPr>
-          <p:cNvPr id="41" name="Straight Arrow Connector 88">
-            <a:extLst>
-              <a:ext uri="{FF2B5EF4-FFF2-40B4-BE49-F238E27FC236}">
-                <a16:creationId xmlns:a16="http://schemas.microsoft.com/office/drawing/2014/main" id="{EA8FF556-EEFE-9005-5852-8DD3C700E62A}"/>
-              </a:ext>
-            </a:extLst>
-          </p:cNvPr>
-          <p:cNvCxnSpPr>
-            <a:cxnSpLocks/>
-            <a:stCxn id="38" idx="3"/>
-            <a:endCxn id="7" idx="1"/>
-          </p:cNvCxnSpPr>
-          <p:nvPr/>
-        </p:nvCxnSpPr>
-        <p:spPr>
-          <a:xfrm>
-            <a:off x="3155575" y="229710"/>
-            <a:ext cx="435258" cy="542024"/>
-          </a:xfrm>
-          <a:prstGeom prst="bentConnector3">
-            <a:avLst>
-              <a:gd name="adj1" fmla="val 50000"/>
-            </a:avLst>
-          </a:prstGeom>
-          <a:ln w="19050">
-            <a:tailEnd type="triangle"/>
-          </a:ln>
-        </p:spPr>
-        <p:style>
-          <a:lnRef idx="2">
-            <a:schemeClr val="dk1"/>
-          </a:lnRef>
-          <a:fillRef idx="0">
-            <a:schemeClr val="dk1"/>
-          </a:fillRef>
-          <a:effectRef idx="1">
-            <a:schemeClr val="dk1"/>
-          </a:effectRef>
-          <a:fontRef idx="minor">
-            <a:schemeClr val="tx1"/>
-          </a:fontRef>
-        </p:style>
-      </p:cxnSp>
-      <p:sp>
-        <p:nvSpPr>
-          <p:cNvPr id="42" name="Double Brace 41">
-            <a:extLst>
-              <a:ext uri="{FF2B5EF4-FFF2-40B4-BE49-F238E27FC236}">
-                <a16:creationId xmlns:a16="http://schemas.microsoft.com/office/drawing/2014/main" id="{F09BF367-48B4-687B-DC84-2510E3EF0195}"/>
-              </a:ext>
-            </a:extLst>
-          </p:cNvPr>
-          <p:cNvSpPr/>
-          <p:nvPr/>
-        </p:nvSpPr>
-        <p:spPr>
-          <a:xfrm>
-            <a:off x="5213550" y="812625"/>
-            <a:ext cx="700927" cy="259828"/>
-          </a:xfrm>
-          <a:prstGeom prst="bracePair">
-            <a:avLst/>
-          </a:prstGeom>
-          <a:solidFill>
-            <a:schemeClr val="accent2">
-              <a:lumMod val="20000"/>
-              <a:lumOff val="80000"/>
-            </a:schemeClr>
-          </a:solidFill>
-        </p:spPr>
-        <p:style>
-          <a:lnRef idx="2">
-            <a:schemeClr val="accent2"/>
-          </a:lnRef>
-          <a:fillRef idx="0">
-            <a:schemeClr val="accent2"/>
-          </a:fillRef>
-          <a:effectRef idx="1">
-            <a:schemeClr val="accent2"/>
-          </a:effectRef>
-          <a:fontRef idx="minor">
-            <a:schemeClr val="tx1"/>
-          </a:fontRef>
-        </p:style>
-        <p:txBody>
-          <a:bodyPr rtlCol="0" anchor="ctr"/>
-          <a:lstStyle/>
-          <a:p>
-            <a:pPr algn="ctr"/>
-            <a:r>
-              <a:rPr lang="en-US" sz="900" dirty="0"/>
-              <a:t>C I/O</a:t>
-            </a:r>
-          </a:p>
-        </p:txBody>
-      </p:sp>
-      <p:sp>
-        <p:nvSpPr>
-          <p:cNvPr id="43" name="Rectangle 42">
-            <a:extLst>
-              <a:ext uri="{FF2B5EF4-FFF2-40B4-BE49-F238E27FC236}">
-                <a16:creationId xmlns:a16="http://schemas.microsoft.com/office/drawing/2014/main" id="{962C34B3-3ABB-BD94-1BAA-7206DA430E0D}"/>
-              </a:ext>
-            </a:extLst>
-          </p:cNvPr>
-          <p:cNvSpPr/>
-          <p:nvPr/>
-        </p:nvSpPr>
-        <p:spPr>
-          <a:xfrm>
-            <a:off x="5730147" y="1871077"/>
-            <a:ext cx="880932" cy="181145"/>
-          </a:xfrm>
-          <a:prstGeom prst="rect">
-            <a:avLst/>
-          </a:prstGeom>
-          <a:solidFill>
-            <a:schemeClr val="accent5">
-              <a:lumMod val="20000"/>
-              <a:lumOff val="80000"/>
-            </a:schemeClr>
-          </a:solidFill>
-          <a:ln>
-            <a:noFill/>
-          </a:ln>
-        </p:spPr>
-        <p:style>
-          <a:lnRef idx="2">
-            <a:schemeClr val="accent2"/>
-          </a:lnRef>
-          <a:fillRef idx="1">
-            <a:schemeClr val="lt1"/>
-          </a:fillRef>
-          <a:effectRef idx="0">
-            <a:schemeClr val="accent2"/>
-          </a:effectRef>
-          <a:fontRef idx="minor">
-            <a:schemeClr val="dk1"/>
-          </a:fontRef>
-        </p:style>
-        <p:txBody>
-          <a:bodyPr rtlCol="0" anchor="ctr"/>
-          <a:lstStyle/>
-          <a:p>
-            <a:pPr algn="ctr"/>
-            <a:r>
-              <a:rPr lang="en-US" sz="900" dirty="0"/>
-              <a:t>type signature</a:t>
-            </a:r>
-          </a:p>
-        </p:txBody>
-      </p:sp>
-      <p:sp>
-        <p:nvSpPr>
-          <p:cNvPr id="44" name="Rectangle 43">
-            <a:extLst>
-              <a:ext uri="{FF2B5EF4-FFF2-40B4-BE49-F238E27FC236}">
-                <a16:creationId xmlns:a16="http://schemas.microsoft.com/office/drawing/2014/main" id="{715DD326-D12B-1050-4630-CF09F56B5E0D}"/>
-              </a:ext>
-            </a:extLst>
-          </p:cNvPr>
-          <p:cNvSpPr/>
-          <p:nvPr/>
-        </p:nvSpPr>
-        <p:spPr>
-          <a:xfrm>
-            <a:off x="4005939" y="1822634"/>
-            <a:ext cx="1233313" cy="173572"/>
-          </a:xfrm>
-          <a:prstGeom prst="rect">
-            <a:avLst/>
-          </a:prstGeom>
-          <a:solidFill>
-            <a:schemeClr val="tx1">
-              <a:lumMod val="65000"/>
-              <a:lumOff val="35000"/>
-            </a:schemeClr>
-          </a:solidFill>
-          <a:ln>
-            <a:solidFill>
-              <a:schemeClr val="tx1"/>
-            </a:solidFill>
-          </a:ln>
-        </p:spPr>
-        <p:style>
-          <a:lnRef idx="2">
-            <a:schemeClr val="accent2"/>
-          </a:lnRef>
-          <a:fillRef idx="1">
-            <a:schemeClr val="lt1"/>
-          </a:fillRef>
-          <a:effectRef idx="0">
-            <a:schemeClr val="accent2"/>
-          </a:effectRef>
-          <a:fontRef idx="minor">
-            <a:schemeClr val="dk1"/>
-          </a:fontRef>
-        </p:style>
-        <p:txBody>
-          <a:bodyPr rtlCol="0" anchor="ctr"/>
-          <a:lstStyle/>
-          <a:p>
-            <a:pPr algn="ctr"/>
-            <a:r>
-              <a:rPr lang="en-US" sz="1000" dirty="0">
-                <a:solidFill>
-                  <a:schemeClr val="bg1"/>
-                </a:solidFill>
-              </a:rPr>
-              <a:t>LLM</a:t>
-            </a:r>
-          </a:p>
-        </p:txBody>
-      </p:sp>
-      <p:sp>
-        <p:nvSpPr>
-          <p:cNvPr id="45" name="Double Brace 44">
-            <a:extLst>
-              <a:ext uri="{FF2B5EF4-FFF2-40B4-BE49-F238E27FC236}">
-                <a16:creationId xmlns:a16="http://schemas.microsoft.com/office/drawing/2014/main" id="{13CBF7D9-4FBD-B4E0-29F4-6C1C57E1DD90}"/>
-              </a:ext>
-            </a:extLst>
-          </p:cNvPr>
-          <p:cNvSpPr/>
-          <p:nvPr/>
-        </p:nvSpPr>
-        <p:spPr>
-          <a:xfrm>
-            <a:off x="2863625" y="1894820"/>
-            <a:ext cx="727897" cy="315107"/>
-          </a:xfrm>
-          <a:prstGeom prst="bracePair">
-            <a:avLst/>
-          </a:prstGeom>
-          <a:solidFill>
-            <a:schemeClr val="accent5">
-              <a:lumMod val="20000"/>
-              <a:lumOff val="80000"/>
-            </a:schemeClr>
-          </a:solidFill>
-          <a:ln>
-            <a:solidFill>
-              <a:schemeClr val="accent5"/>
-            </a:solidFill>
-          </a:ln>
-        </p:spPr>
-        <p:style>
-          <a:lnRef idx="2">
-            <a:schemeClr val="accent2"/>
-          </a:lnRef>
-          <a:fillRef idx="0">
-            <a:schemeClr val="accent2"/>
-          </a:fillRef>
-          <a:effectRef idx="1">
-            <a:schemeClr val="accent2"/>
-          </a:effectRef>
-          <a:fontRef idx="minor">
-            <a:schemeClr val="tx1"/>
-          </a:fontRef>
-        </p:style>
-        <p:txBody>
-          <a:bodyPr rtlCol="0" anchor="ctr"/>
-          <a:lstStyle/>
-          <a:p>
-            <a:pPr algn="ctr"/>
-            <a:r>
-              <a:rPr lang="en-US" sz="900" dirty="0"/>
-              <a:t>Expected Rust I/O</a:t>
-            </a:r>
-          </a:p>
-        </p:txBody>
-      </p:sp>
-      <p:cxnSp>
-        <p:nvCxnSpPr>
-          <p:cNvPr id="46" name="Straight Arrow Connector 88">
-            <a:extLst>
-              <a:ext uri="{FF2B5EF4-FFF2-40B4-BE49-F238E27FC236}">
-                <a16:creationId xmlns:a16="http://schemas.microsoft.com/office/drawing/2014/main" id="{A933DFE7-D219-462D-9CAB-0C6108A40FB7}"/>
-              </a:ext>
-            </a:extLst>
-          </p:cNvPr>
-          <p:cNvCxnSpPr>
-            <a:cxnSpLocks/>
-            <a:stCxn id="38" idx="3"/>
-            <a:endCxn id="13" idx="0"/>
-          </p:cNvCxnSpPr>
-          <p:nvPr/>
-        </p:nvCxnSpPr>
-        <p:spPr>
-          <a:xfrm>
-            <a:off x="3155575" y="229710"/>
-            <a:ext cx="3720262" cy="231233"/>
-          </a:xfrm>
-          <a:prstGeom prst="bentConnector2">
-            <a:avLst/>
-          </a:prstGeom>
-          <a:ln>
-            <a:tailEnd type="triangle"/>
-          </a:ln>
-        </p:spPr>
-        <p:style>
-          <a:lnRef idx="2">
-            <a:schemeClr val="dk1"/>
-          </a:lnRef>
-          <a:fillRef idx="0">
-            <a:schemeClr val="dk1"/>
-          </a:fillRef>
-          <a:effectRef idx="1">
-            <a:schemeClr val="dk1"/>
-          </a:effectRef>
-          <a:fontRef idx="minor">
-            <a:schemeClr val="tx1"/>
-          </a:fontRef>
-        </p:style>
-      </p:cxnSp>
-      <p:cxnSp>
-        <p:nvCxnSpPr>
-          <p:cNvPr id="47" name="Straight Arrow Connector 259">
-            <a:extLst>
-              <a:ext uri="{FF2B5EF4-FFF2-40B4-BE49-F238E27FC236}">
-                <a16:creationId xmlns:a16="http://schemas.microsoft.com/office/drawing/2014/main" id="{94147CBB-825A-1590-E33E-F9E694917572}"/>
-              </a:ext>
-            </a:extLst>
-          </p:cNvPr>
-          <p:cNvCxnSpPr>
-            <a:cxnSpLocks/>
-            <a:stCxn id="15" idx="1"/>
-            <a:endCxn id="45" idx="3"/>
-          </p:cNvCxnSpPr>
-          <p:nvPr/>
-        </p:nvCxnSpPr>
-        <p:spPr>
-          <a:xfrm rot="10800000" flipV="1">
-            <a:off x="3591520" y="1818676"/>
-            <a:ext cx="336050" cy="233697"/>
-          </a:xfrm>
-          <a:prstGeom prst="bentConnector3">
-            <a:avLst>
-              <a:gd name="adj1" fmla="val 50000"/>
-            </a:avLst>
-          </a:prstGeom>
-          <a:ln>
-            <a:tailEnd type="triangle"/>
-          </a:ln>
-        </p:spPr>
-        <p:style>
-          <a:lnRef idx="2">
-            <a:schemeClr val="dk1"/>
-          </a:lnRef>
-          <a:fillRef idx="0">
-            <a:schemeClr val="dk1"/>
-          </a:fillRef>
-          <a:effectRef idx="1">
-            <a:schemeClr val="dk1"/>
-          </a:effectRef>
-          <a:fontRef idx="minor">
-            <a:schemeClr val="tx1"/>
-          </a:fontRef>
-        </p:style>
-      </p:cxnSp>
-      <p:cxnSp>
-        <p:nvCxnSpPr>
-          <p:cNvPr id="48" name="Straight Arrow Connector 132">
-            <a:extLst>
-              <a:ext uri="{FF2B5EF4-FFF2-40B4-BE49-F238E27FC236}">
-                <a16:creationId xmlns:a16="http://schemas.microsoft.com/office/drawing/2014/main" id="{979ECA53-E3A0-2F8C-9793-AF434A56E5C6}"/>
-              </a:ext>
-            </a:extLst>
-          </p:cNvPr>
-          <p:cNvCxnSpPr>
-            <a:cxnSpLocks/>
-            <a:stCxn id="17" idx="3"/>
-            <a:endCxn id="4" idx="2"/>
-          </p:cNvCxnSpPr>
-          <p:nvPr/>
-        </p:nvCxnSpPr>
-        <p:spPr>
-          <a:xfrm flipH="1">
-            <a:off x="2935262" y="1439913"/>
-            <a:ext cx="4254454" cy="827825"/>
-          </a:xfrm>
-          <a:prstGeom prst="bentConnector4">
-            <a:avLst>
-              <a:gd name="adj1" fmla="val -3940"/>
-              <a:gd name="adj2" fmla="val 121478"/>
-            </a:avLst>
-          </a:prstGeom>
-          <a:ln>
-            <a:tailEnd type="triangle"/>
-          </a:ln>
-        </p:spPr>
-        <p:style>
-          <a:lnRef idx="2">
-            <a:schemeClr val="dk1"/>
-          </a:lnRef>
-          <a:fillRef idx="0">
-            <a:schemeClr val="dk1"/>
-          </a:fillRef>
-          <a:effectRef idx="1">
-            <a:schemeClr val="dk1"/>
-          </a:effectRef>
-          <a:fontRef idx="minor">
-            <a:schemeClr val="tx1"/>
-          </a:fontRef>
-        </p:style>
-      </p:cxnSp>
-      <p:sp>
-        <p:nvSpPr>
-          <p:cNvPr id="49" name="Double Brace 48">
-            <a:extLst>
-              <a:ext uri="{FF2B5EF4-FFF2-40B4-BE49-F238E27FC236}">
-                <a16:creationId xmlns:a16="http://schemas.microsoft.com/office/drawing/2014/main" id="{EA78075D-75E1-D99E-05AD-0A8BF898C7DB}"/>
-              </a:ext>
-            </a:extLst>
-          </p:cNvPr>
-          <p:cNvSpPr/>
-          <p:nvPr/>
-        </p:nvSpPr>
-        <p:spPr>
-          <a:xfrm>
-            <a:off x="5207244" y="479243"/>
-            <a:ext cx="700927" cy="259828"/>
-          </a:xfrm>
-          <a:prstGeom prst="bracePair">
-            <a:avLst/>
-          </a:prstGeom>
-          <a:solidFill>
-            <a:schemeClr val="accent2">
-              <a:lumMod val="20000"/>
-              <a:lumOff val="80000"/>
-            </a:schemeClr>
-          </a:solidFill>
-        </p:spPr>
-        <p:style>
-          <a:lnRef idx="2">
-            <a:schemeClr val="accent2"/>
-          </a:lnRef>
-          <a:fillRef idx="0">
-            <a:schemeClr val="accent2"/>
-          </a:fillRef>
-          <a:effectRef idx="1">
-            <a:schemeClr val="accent2"/>
-          </a:effectRef>
-          <a:fontRef idx="minor">
-            <a:schemeClr val="tx1"/>
-          </a:fontRef>
-        </p:style>
-        <p:txBody>
-          <a:bodyPr rtlCol="0" anchor="ctr"/>
-          <a:lstStyle/>
-          <a:p>
-            <a:pPr algn="ctr"/>
-            <a:r>
-              <a:rPr lang="en-US" sz="900" dirty="0"/>
-              <a:t>C props</a:t>
-            </a:r>
-          </a:p>
-        </p:txBody>
-      </p:sp>
-      <p:cxnSp>
-        <p:nvCxnSpPr>
-          <p:cNvPr id="50" name="Straight Arrow Connector 132">
-            <a:extLst>
-              <a:ext uri="{FF2B5EF4-FFF2-40B4-BE49-F238E27FC236}">
-                <a16:creationId xmlns:a16="http://schemas.microsoft.com/office/drawing/2014/main" id="{5FB2CB73-56A7-29F5-242B-74F450F5F6BD}"/>
-              </a:ext>
-            </a:extLst>
-          </p:cNvPr>
-          <p:cNvCxnSpPr>
-            <a:cxnSpLocks/>
-            <a:stCxn id="4" idx="1"/>
-            <a:endCxn id="9" idx="3"/>
-          </p:cNvCxnSpPr>
-          <p:nvPr/>
-        </p:nvCxnSpPr>
-        <p:spPr>
-          <a:xfrm flipH="1" flipV="1">
-            <a:off x="1446543" y="1827383"/>
-            <a:ext cx="791580" cy="1418"/>
-          </a:xfrm>
-          <a:prstGeom prst="straightConnector1">
-            <a:avLst/>
-          </a:prstGeom>
-          <a:ln w="12700">
-            <a:tailEnd type="triangle"/>
-          </a:ln>
-        </p:spPr>
-        <p:style>
-          <a:lnRef idx="2">
-            <a:schemeClr val="dk1"/>
-          </a:lnRef>
-          <a:fillRef idx="0">
-            <a:schemeClr val="dk1"/>
-          </a:fillRef>
-          <a:effectRef idx="1">
-            <a:schemeClr val="dk1"/>
-          </a:effectRef>
-          <a:fontRef idx="minor">
-            <a:schemeClr val="tx1"/>
-          </a:fontRef>
-        </p:style>
-      </p:cxnSp>
-      <p:sp>
-        <p:nvSpPr>
-          <p:cNvPr id="51" name="Rectangle 50">
-            <a:extLst>
-              <a:ext uri="{FF2B5EF4-FFF2-40B4-BE49-F238E27FC236}">
-                <a16:creationId xmlns:a16="http://schemas.microsoft.com/office/drawing/2014/main" id="{D572BF3C-F61D-C983-70EC-A1F7B746A568}"/>
-              </a:ext>
-            </a:extLst>
-          </p:cNvPr>
-          <p:cNvSpPr/>
-          <p:nvPr/>
-        </p:nvSpPr>
-        <p:spPr>
-          <a:xfrm>
-            <a:off x="2316493" y="1890254"/>
-            <a:ext cx="506251" cy="315107"/>
-          </a:xfrm>
-          <a:prstGeom prst="rect">
-            <a:avLst/>
-          </a:prstGeom>
-          <a:solidFill>
-            <a:schemeClr val="tx1">
-              <a:lumMod val="65000"/>
-              <a:lumOff val="35000"/>
-            </a:schemeClr>
-          </a:solidFill>
-          <a:ln>
-            <a:solidFill>
-              <a:schemeClr val="tx1"/>
-            </a:solidFill>
-          </a:ln>
-        </p:spPr>
-        <p:style>
-          <a:lnRef idx="2">
-            <a:schemeClr val="accent2"/>
-          </a:lnRef>
-          <a:fillRef idx="1">
-            <a:schemeClr val="lt1"/>
-          </a:fillRef>
-          <a:effectRef idx="0">
-            <a:schemeClr val="accent2"/>
-          </a:effectRef>
-          <a:fontRef idx="minor">
-            <a:schemeClr val="dk1"/>
-          </a:fontRef>
-        </p:style>
-        <p:txBody>
-          <a:bodyPr rtlCol="0" anchor="ctr"/>
-          <a:lstStyle/>
-          <a:p>
-            <a:pPr algn="ctr"/>
-            <a:r>
-              <a:rPr lang="en-US" sz="1000" dirty="0">
-                <a:solidFill>
-                  <a:schemeClr val="bg1"/>
-                </a:solidFill>
-              </a:rPr>
-              <a:t>LLM</a:t>
-            </a:r>
-          </a:p>
-        </p:txBody>
-      </p:sp>
-      <p:sp>
-        <p:nvSpPr>
-          <p:cNvPr id="52" name="Rectangle 51">
-            <a:extLst>
-              <a:ext uri="{FF2B5EF4-FFF2-40B4-BE49-F238E27FC236}">
-                <a16:creationId xmlns:a16="http://schemas.microsoft.com/office/drawing/2014/main" id="{EBAF1C30-679F-1D3D-F1D3-982875ED7220}"/>
-              </a:ext>
-            </a:extLst>
-          </p:cNvPr>
-          <p:cNvSpPr/>
-          <p:nvPr/>
-        </p:nvSpPr>
-        <p:spPr>
-          <a:xfrm>
-            <a:off x="1669271" y="1508151"/>
-            <a:ext cx="341728" cy="214744"/>
-          </a:xfrm>
-          <a:prstGeom prst="rect">
-            <a:avLst/>
-          </a:prstGeom>
-          <a:solidFill>
-            <a:schemeClr val="accent5">
-              <a:lumMod val="20000"/>
-              <a:lumOff val="80000"/>
-            </a:schemeClr>
-          </a:solidFill>
-          <a:ln>
-            <a:solidFill>
-              <a:schemeClr val="accent5"/>
-            </a:solidFill>
-          </a:ln>
-        </p:spPr>
-        <p:style>
-          <a:lnRef idx="2">
-            <a:schemeClr val="accent2"/>
-          </a:lnRef>
-          <a:fillRef idx="1">
-            <a:schemeClr val="lt1"/>
-          </a:fillRef>
-          <a:effectRef idx="0">
-            <a:schemeClr val="accent2"/>
-          </a:effectRef>
-          <a:fontRef idx="minor">
-            <a:schemeClr val="dk1"/>
-          </a:fontRef>
-        </p:style>
-        <p:txBody>
-          <a:bodyPr rtlCol="0" anchor="ctr"/>
-          <a:lstStyle/>
-          <a:p>
-            <a:pPr algn="ctr"/>
-            <a:r>
-              <a:rPr lang="en-US" sz="1200" dirty="0"/>
-              <a:t>fn</a:t>
-            </a:r>
-          </a:p>
-        </p:txBody>
-      </p:sp>
-      <p:sp>
-        <p:nvSpPr>
-          <p:cNvPr id="53" name="TextBox 52">
-            <a:extLst>
-              <a:ext uri="{FF2B5EF4-FFF2-40B4-BE49-F238E27FC236}">
-                <a16:creationId xmlns:a16="http://schemas.microsoft.com/office/drawing/2014/main" id="{F1DF91A3-17BE-22A7-B9E4-CD814DC5B91F}"/>
-              </a:ext>
-            </a:extLst>
-          </p:cNvPr>
-          <p:cNvSpPr txBox="1"/>
-          <p:nvPr/>
-        </p:nvSpPr>
-        <p:spPr>
-          <a:xfrm>
-            <a:off x="1830339" y="1408985"/>
-            <a:ext cx="325730" cy="261610"/>
-          </a:xfrm>
-          <a:prstGeom prst="rect">
-            <a:avLst/>
-          </a:prstGeom>
-          <a:noFill/>
-        </p:spPr>
-        <p:txBody>
-          <a:bodyPr wrap="none" rtlCol="0">
-            <a:spAutoFit/>
-          </a:bodyPr>
-          <a:lstStyle/>
-          <a:p>
-            <a:r>
-              <a:rPr lang="en-US" sz="1100" dirty="0"/>
-              <a:t>✅</a:t>
-            </a:r>
-          </a:p>
-        </p:txBody>
-      </p:sp>
-      <p:cxnSp>
-        <p:nvCxnSpPr>
-          <p:cNvPr id="54" name="Straight Arrow Connector 88">
-            <a:extLst>
-              <a:ext uri="{FF2B5EF4-FFF2-40B4-BE49-F238E27FC236}">
-                <a16:creationId xmlns:a16="http://schemas.microsoft.com/office/drawing/2014/main" id="{5D3F39AC-F953-71BC-BAAE-D66AB971F299}"/>
-              </a:ext>
-            </a:extLst>
-          </p:cNvPr>
-          <p:cNvCxnSpPr>
-            <a:cxnSpLocks/>
-            <a:stCxn id="7" idx="3"/>
-          </p:cNvCxnSpPr>
-          <p:nvPr/>
-        </p:nvCxnSpPr>
-        <p:spPr>
-          <a:xfrm>
-            <a:off x="4985111" y="771734"/>
-            <a:ext cx="211202" cy="0"/>
-          </a:xfrm>
-          <a:prstGeom prst="straightConnector1">
-            <a:avLst/>
-          </a:prstGeom>
-          <a:ln w="19050">
-            <a:tailEnd type="triangle"/>
-          </a:ln>
-        </p:spPr>
-        <p:style>
-          <a:lnRef idx="2">
-            <a:schemeClr val="dk1"/>
-          </a:lnRef>
-          <a:fillRef idx="0">
-            <a:schemeClr val="dk1"/>
-          </a:fillRef>
-          <a:effectRef idx="1">
-            <a:schemeClr val="dk1"/>
-          </a:effectRef>
-          <a:fontRef idx="minor">
-            <a:schemeClr val="tx1"/>
-          </a:fontRef>
-        </p:style>
-      </p:cxnSp>
-      <p:cxnSp>
-        <p:nvCxnSpPr>
-          <p:cNvPr id="55" name="Straight Arrow Connector 259">
-            <a:extLst>
-              <a:ext uri="{FF2B5EF4-FFF2-40B4-BE49-F238E27FC236}">
-                <a16:creationId xmlns:a16="http://schemas.microsoft.com/office/drawing/2014/main" id="{9A4E9477-4AEF-0EFF-0D6D-504316E9BD84}"/>
-              </a:ext>
-            </a:extLst>
-          </p:cNvPr>
-          <p:cNvCxnSpPr>
-            <a:cxnSpLocks/>
-            <a:stCxn id="49" idx="0"/>
-          </p:cNvCxnSpPr>
-          <p:nvPr/>
-        </p:nvCxnSpPr>
-        <p:spPr>
-          <a:xfrm rot="5400000" flipH="1" flipV="1">
-            <a:off x="5432942" y="354477"/>
-            <a:ext cx="249533" cy="1"/>
-          </a:xfrm>
-          <a:prstGeom prst="bentConnector3">
-            <a:avLst>
-              <a:gd name="adj1" fmla="val 50000"/>
-            </a:avLst>
-          </a:prstGeom>
-          <a:ln>
-            <a:tailEnd type="triangle"/>
-          </a:ln>
-        </p:spPr>
-        <p:style>
-          <a:lnRef idx="2">
-            <a:schemeClr val="dk1"/>
-          </a:lnRef>
-          <a:fillRef idx="0">
-            <a:schemeClr val="dk1"/>
-          </a:fillRef>
-          <a:effectRef idx="1">
-            <a:schemeClr val="dk1"/>
-          </a:effectRef>
-          <a:fontRef idx="minor">
-            <a:schemeClr val="tx1"/>
-          </a:fontRef>
-        </p:style>
-      </p:cxnSp>
-      <p:cxnSp>
-        <p:nvCxnSpPr>
-          <p:cNvPr id="56" name="Straight Arrow Connector 259">
-            <a:extLst>
-              <a:ext uri="{FF2B5EF4-FFF2-40B4-BE49-F238E27FC236}">
-                <a16:creationId xmlns:a16="http://schemas.microsoft.com/office/drawing/2014/main" id="{E3F67D4A-9B1F-0F1E-56FA-0A17BDE7670A}"/>
-              </a:ext>
-            </a:extLst>
-          </p:cNvPr>
-          <p:cNvCxnSpPr>
-            <a:cxnSpLocks/>
-            <a:stCxn id="42" idx="2"/>
-          </p:cNvCxnSpPr>
-          <p:nvPr/>
-        </p:nvCxnSpPr>
-        <p:spPr>
-          <a:xfrm rot="5400000">
-            <a:off x="5163707" y="1230594"/>
-            <a:ext cx="558449" cy="242166"/>
-          </a:xfrm>
-          <a:prstGeom prst="bentConnector3">
-            <a:avLst>
-              <a:gd name="adj1" fmla="val 98894"/>
-            </a:avLst>
-          </a:prstGeom>
-          <a:ln>
-            <a:tailEnd type="triangle"/>
-          </a:ln>
-        </p:spPr>
-        <p:style>
-          <a:lnRef idx="2">
-            <a:schemeClr val="dk1"/>
-          </a:lnRef>
-          <a:fillRef idx="0">
-            <a:schemeClr val="dk1"/>
-          </a:fillRef>
-          <a:effectRef idx="1">
-            <a:schemeClr val="dk1"/>
-          </a:effectRef>
-          <a:fontRef idx="minor">
-            <a:schemeClr val="tx1"/>
-          </a:fontRef>
-        </p:style>
-      </p:cxnSp>
-      <p:sp>
-        <p:nvSpPr>
-          <p:cNvPr id="59" name="Plus 58">
-            <a:extLst>
-              <a:ext uri="{FF2B5EF4-FFF2-40B4-BE49-F238E27FC236}">
-                <a16:creationId xmlns:a16="http://schemas.microsoft.com/office/drawing/2014/main" id="{F747D0B5-0ABC-79D1-B049-79C3E74AF649}"/>
-              </a:ext>
-            </a:extLst>
-          </p:cNvPr>
-          <p:cNvSpPr/>
-          <p:nvPr/>
-        </p:nvSpPr>
-        <p:spPr>
-          <a:xfrm>
-            <a:off x="1748354" y="1737311"/>
-            <a:ext cx="171450" cy="180143"/>
-          </a:xfrm>
-          <a:prstGeom prst="mathPlus">
-            <a:avLst>
-              <a:gd name="adj1" fmla="val 16113"/>
-            </a:avLst>
-          </a:prstGeom>
-          <a:ln w="12700"/>
-        </p:spPr>
-        <p:style>
-          <a:lnRef idx="2">
-            <a:schemeClr val="accent3">
-              <a:shade val="15000"/>
-            </a:schemeClr>
-          </a:lnRef>
-          <a:fillRef idx="1">
-            <a:schemeClr val="accent3"/>
-          </a:fillRef>
-          <a:effectRef idx="0">
-            <a:schemeClr val="accent3"/>
-          </a:effectRef>
-          <a:fontRef idx="minor">
-            <a:schemeClr val="lt1"/>
-          </a:fontRef>
-        </p:style>
-        <p:txBody>
-          <a:bodyPr rtlCol="0" anchor="ctr"/>
-          <a:lstStyle/>
-          <a:p>
-            <a:pPr algn="ctr"/>
-            <a:endParaRPr lang="en-US" dirty="0"/>
-          </a:p>
-        </p:txBody>
-      </p:sp>
-    </p:spTree>
-    <p:extLst>
-      <p:ext uri="{BB962C8B-B14F-4D97-AF65-F5344CB8AC3E}">
-        <p14:creationId xmlns:p14="http://schemas.microsoft.com/office/powerpoint/2010/main" val="3994389311"/>
-      </p:ext>
-    </p:extLst>
-  </p:cSld>
-  <p:clrMapOvr>
-    <a:masterClrMapping/>
-  </p:clrMapOvr>
-  <mc:AlternateContent xmlns:mc="http://schemas.openxmlformats.org/markup-compatibility/2006">
-    <mc:Choice xmlns:p159="http://schemas.microsoft.com/office/powerpoint/2015/09/main" Requires="p159">
-      <p:transition spd="slow">
-        <p159:morph option="byObject"/>
-      </p:transition>
-    </mc:Choice>
-    <mc:Fallback>
-      <p:transition spd="slow">
-        <p:fade/>
-      </p:transition>
-    </mc:Fallback>
-  </mc:AlternateContent>
-</p:sld>
-</file>
-
-<file path=ppt/slides/slide17.xml><?xml version="1.0" encoding="utf-8"?>
-<p:sld xmlns:a="http://schemas.openxmlformats.org/drawingml/2006/main" xmlns:r="http://schemas.openxmlformats.org/officeDocument/2006/relationships" xmlns:p="http://schemas.openxmlformats.org/presentationml/2006/main">
-  <p:cSld>
-    <p:spTree>
-      <p:nvGrpSpPr>
-        <p:cNvPr id="1" name="">
-          <a:extLst>
-            <a:ext uri="{FF2B5EF4-FFF2-40B4-BE49-F238E27FC236}">
               <a16:creationId xmlns:a16="http://schemas.microsoft.com/office/drawing/2014/main" id="{820C7B8E-EF05-E8F2-EA48-DD51964F3151}"/>
             </a:ext>
           </a:extLst>
@@ -17167,64 +14393,6 @@
                 </a:solidFill>
               </a:rPr>
               <a:t>LLVM &amp; gcc</a:t>
-            </a:r>
-          </a:p>
-        </p:txBody>
-      </p:sp>
-      <p:sp>
-        <p:nvSpPr>
-          <p:cNvPr id="9" name="Rectangle 8">
-            <a:extLst>
-              <a:ext uri="{FF2B5EF4-FFF2-40B4-BE49-F238E27FC236}">
-                <a16:creationId xmlns:a16="http://schemas.microsoft.com/office/drawing/2014/main" id="{87A6DD45-CFA6-65A9-304C-B87F9A3C5445}"/>
-              </a:ext>
-            </a:extLst>
-          </p:cNvPr>
-          <p:cNvSpPr/>
-          <p:nvPr/>
-        </p:nvSpPr>
-        <p:spPr>
-          <a:xfrm>
-            <a:off x="214748" y="1630900"/>
-            <a:ext cx="1231795" cy="392966"/>
-          </a:xfrm>
-          <a:prstGeom prst="rect">
-            <a:avLst/>
-          </a:prstGeom>
-          <a:solidFill>
-            <a:schemeClr val="accent5">
-              <a:lumMod val="20000"/>
-              <a:lumOff val="80000"/>
-            </a:schemeClr>
-          </a:solidFill>
-          <a:ln>
-            <a:solidFill>
-              <a:schemeClr val="accent5"/>
-            </a:solidFill>
-          </a:ln>
-        </p:spPr>
-        <p:style>
-          <a:lnRef idx="2">
-            <a:schemeClr val="accent2"/>
-          </a:lnRef>
-          <a:fillRef idx="1">
-            <a:schemeClr val="lt1"/>
-          </a:fillRef>
-          <a:effectRef idx="0">
-            <a:schemeClr val="accent2"/>
-          </a:effectRef>
-          <a:fontRef idx="minor">
-            <a:schemeClr val="dk1"/>
-          </a:fontRef>
-        </p:style>
-        <p:txBody>
-          <a:bodyPr rtlCol="0" anchor="ctr"/>
-          <a:lstStyle/>
-          <a:p>
-            <a:pPr algn="ctr"/>
-            <a:r>
-              <a:rPr lang="en-US" sz="1400" dirty="0"/>
-              <a:t>Rust Program</a:t>
             </a:r>
           </a:p>
         </p:txBody>
@@ -19236,49 +16404,6 @@
           </a:p>
         </p:txBody>
       </p:sp>
-      <p:cxnSp>
-        <p:nvCxnSpPr>
-          <p:cNvPr id="50" name="Straight Arrow Connector 132">
-            <a:extLst>
-              <a:ext uri="{FF2B5EF4-FFF2-40B4-BE49-F238E27FC236}">
-                <a16:creationId xmlns:a16="http://schemas.microsoft.com/office/drawing/2014/main" id="{FC85C92B-5DC1-ACB3-5C5E-83A9B79A6B58}"/>
-              </a:ext>
-            </a:extLst>
-          </p:cNvPr>
-          <p:cNvCxnSpPr>
-            <a:cxnSpLocks/>
-            <a:stCxn id="4" idx="1"/>
-            <a:endCxn id="9" idx="3"/>
-          </p:cNvCxnSpPr>
-          <p:nvPr/>
-        </p:nvCxnSpPr>
-        <p:spPr>
-          <a:xfrm flipH="1" flipV="1">
-            <a:off x="1446543" y="1827383"/>
-            <a:ext cx="791580" cy="1418"/>
-          </a:xfrm>
-          <a:prstGeom prst="straightConnector1">
-            <a:avLst/>
-          </a:prstGeom>
-          <a:ln w="12700">
-            <a:tailEnd type="triangle"/>
-          </a:ln>
-        </p:spPr>
-        <p:style>
-          <a:lnRef idx="2">
-            <a:schemeClr val="dk1"/>
-          </a:lnRef>
-          <a:fillRef idx="0">
-            <a:schemeClr val="dk1"/>
-          </a:fillRef>
-          <a:effectRef idx="1">
-            <a:schemeClr val="dk1"/>
-          </a:effectRef>
-          <a:fontRef idx="minor">
-            <a:schemeClr val="tx1"/>
-          </a:fontRef>
-        </p:style>
-      </p:cxnSp>
       <p:sp>
         <p:nvSpPr>
           <p:cNvPr id="51" name="Rectangle 50">
@@ -19341,12 +16466,273 @@
           </a:p>
         </p:txBody>
       </p:sp>
+      <p:cxnSp>
+        <p:nvCxnSpPr>
+          <p:cNvPr id="54" name="Straight Arrow Connector 88">
+            <a:extLst>
+              <a:ext uri="{FF2B5EF4-FFF2-40B4-BE49-F238E27FC236}">
+                <a16:creationId xmlns:a16="http://schemas.microsoft.com/office/drawing/2014/main" id="{0FC49634-0B24-F74D-490C-61DFB11168DD}"/>
+              </a:ext>
+            </a:extLst>
+          </p:cNvPr>
+          <p:cNvCxnSpPr>
+            <a:cxnSpLocks/>
+            <a:stCxn id="7" idx="3"/>
+          </p:cNvCxnSpPr>
+          <p:nvPr/>
+        </p:nvCxnSpPr>
+        <p:spPr>
+          <a:xfrm>
+            <a:off x="4985111" y="771734"/>
+            <a:ext cx="211202" cy="0"/>
+          </a:xfrm>
+          <a:prstGeom prst="straightConnector1">
+            <a:avLst/>
+          </a:prstGeom>
+          <a:ln w="19050">
+            <a:tailEnd type="triangle"/>
+          </a:ln>
+        </p:spPr>
+        <p:style>
+          <a:lnRef idx="2">
+            <a:schemeClr val="dk1"/>
+          </a:lnRef>
+          <a:fillRef idx="0">
+            <a:schemeClr val="dk1"/>
+          </a:fillRef>
+          <a:effectRef idx="1">
+            <a:schemeClr val="dk1"/>
+          </a:effectRef>
+          <a:fontRef idx="minor">
+            <a:schemeClr val="tx1"/>
+          </a:fontRef>
+        </p:style>
+      </p:cxnSp>
+      <p:cxnSp>
+        <p:nvCxnSpPr>
+          <p:cNvPr id="55" name="Straight Arrow Connector 259">
+            <a:extLst>
+              <a:ext uri="{FF2B5EF4-FFF2-40B4-BE49-F238E27FC236}">
+                <a16:creationId xmlns:a16="http://schemas.microsoft.com/office/drawing/2014/main" id="{BAA1E293-D2E5-9685-6059-B94661B307A3}"/>
+              </a:ext>
+            </a:extLst>
+          </p:cNvPr>
+          <p:cNvCxnSpPr>
+            <a:cxnSpLocks/>
+            <a:stCxn id="49" idx="0"/>
+          </p:cNvCxnSpPr>
+          <p:nvPr/>
+        </p:nvCxnSpPr>
+        <p:spPr>
+          <a:xfrm rot="5400000" flipH="1" flipV="1">
+            <a:off x="5432942" y="354477"/>
+            <a:ext cx="249533" cy="1"/>
+          </a:xfrm>
+          <a:prstGeom prst="bentConnector3">
+            <a:avLst>
+              <a:gd name="adj1" fmla="val 50000"/>
+            </a:avLst>
+          </a:prstGeom>
+          <a:ln>
+            <a:tailEnd type="triangle"/>
+          </a:ln>
+        </p:spPr>
+        <p:style>
+          <a:lnRef idx="2">
+            <a:schemeClr val="dk1"/>
+          </a:lnRef>
+          <a:fillRef idx="0">
+            <a:schemeClr val="dk1"/>
+          </a:fillRef>
+          <a:effectRef idx="1">
+            <a:schemeClr val="dk1"/>
+          </a:effectRef>
+          <a:fontRef idx="minor">
+            <a:schemeClr val="tx1"/>
+          </a:fontRef>
+        </p:style>
+      </p:cxnSp>
+      <p:cxnSp>
+        <p:nvCxnSpPr>
+          <p:cNvPr id="56" name="Straight Arrow Connector 259">
+            <a:extLst>
+              <a:ext uri="{FF2B5EF4-FFF2-40B4-BE49-F238E27FC236}">
+                <a16:creationId xmlns:a16="http://schemas.microsoft.com/office/drawing/2014/main" id="{5BB412C7-0D2E-81BC-7768-FCA09E8BA579}"/>
+              </a:ext>
+            </a:extLst>
+          </p:cNvPr>
+          <p:cNvCxnSpPr>
+            <a:cxnSpLocks/>
+            <a:stCxn id="42" idx="2"/>
+          </p:cNvCxnSpPr>
+          <p:nvPr/>
+        </p:nvCxnSpPr>
+        <p:spPr>
+          <a:xfrm rot="5400000">
+            <a:off x="5163707" y="1230594"/>
+            <a:ext cx="558449" cy="242166"/>
+          </a:xfrm>
+          <a:prstGeom prst="bentConnector3">
+            <a:avLst>
+              <a:gd name="adj1" fmla="val 98894"/>
+            </a:avLst>
+          </a:prstGeom>
+          <a:ln>
+            <a:tailEnd type="triangle"/>
+          </a:ln>
+        </p:spPr>
+        <p:style>
+          <a:lnRef idx="2">
+            <a:schemeClr val="dk1"/>
+          </a:lnRef>
+          <a:fillRef idx="0">
+            <a:schemeClr val="dk1"/>
+          </a:fillRef>
+          <a:effectRef idx="1">
+            <a:schemeClr val="dk1"/>
+          </a:effectRef>
+          <a:fontRef idx="minor">
+            <a:schemeClr val="tx1"/>
+          </a:fontRef>
+        </p:style>
+      </p:cxnSp>
+      <p:cxnSp>
+        <p:nvCxnSpPr>
+          <p:cNvPr id="57" name="Straight Arrow Connector 132">
+            <a:extLst>
+              <a:ext uri="{FF2B5EF4-FFF2-40B4-BE49-F238E27FC236}">
+                <a16:creationId xmlns:a16="http://schemas.microsoft.com/office/drawing/2014/main" id="{0B830741-C643-92B1-2BE9-2821EE7A01D5}"/>
+              </a:ext>
+            </a:extLst>
+          </p:cNvPr>
+          <p:cNvCxnSpPr>
+            <a:cxnSpLocks/>
+          </p:cNvCxnSpPr>
+          <p:nvPr/>
+        </p:nvCxnSpPr>
+        <p:spPr>
+          <a:xfrm rot="10800000" flipH="1">
+            <a:off x="2238123" y="753112"/>
+            <a:ext cx="5412788" cy="1234440"/>
+          </a:xfrm>
+          <a:prstGeom prst="bentConnector5">
+            <a:avLst>
+              <a:gd name="adj1" fmla="val -3178"/>
+              <a:gd name="adj2" fmla="val -49676"/>
+              <a:gd name="adj3" fmla="val 102936"/>
+            </a:avLst>
+          </a:prstGeom>
+          <a:ln>
+            <a:solidFill>
+              <a:srgbClr val="A50021"/>
+            </a:solidFill>
+            <a:tailEnd type="triangle"/>
+          </a:ln>
+        </p:spPr>
+        <p:style>
+          <a:lnRef idx="2">
+            <a:schemeClr val="dk1"/>
+          </a:lnRef>
+          <a:fillRef idx="0">
+            <a:schemeClr val="dk1"/>
+          </a:fillRef>
+          <a:effectRef idx="1">
+            <a:schemeClr val="dk1"/>
+          </a:effectRef>
+          <a:fontRef idx="minor">
+            <a:schemeClr val="tx1"/>
+          </a:fontRef>
+        </p:style>
+      </p:cxnSp>
       <p:sp>
         <p:nvSpPr>
-          <p:cNvPr id="52" name="Rectangle 51">
+          <p:cNvPr id="58" name="TextBox 57">
             <a:extLst>
               <a:ext uri="{FF2B5EF4-FFF2-40B4-BE49-F238E27FC236}">
-                <a16:creationId xmlns:a16="http://schemas.microsoft.com/office/drawing/2014/main" id="{01B17FEF-00BF-F88A-FEDE-270AF5F27F66}"/>
+                <a16:creationId xmlns:a16="http://schemas.microsoft.com/office/drawing/2014/main" id="{021069C6-66F4-554D-E1C1-105A5192AC9A}"/>
+              </a:ext>
+            </a:extLst>
+          </p:cNvPr>
+          <p:cNvSpPr txBox="1"/>
+          <p:nvPr/>
+        </p:nvSpPr>
+        <p:spPr>
+          <a:xfrm>
+            <a:off x="1541411" y="2204156"/>
+            <a:ext cx="806702" cy="307777"/>
+          </a:xfrm>
+          <a:prstGeom prst="rect">
+            <a:avLst/>
+          </a:prstGeom>
+          <a:noFill/>
+        </p:spPr>
+        <p:txBody>
+          <a:bodyPr wrap="square" rtlCol="0">
+            <a:spAutoFit/>
+          </a:bodyPr>
+          <a:lstStyle/>
+          <a:p>
+            <a:r>
+              <a:rPr lang="en-US" sz="700" b="1" dirty="0"/>
+              <a:t>❌ Error Feedback</a:t>
+            </a:r>
+          </a:p>
+        </p:txBody>
+      </p:sp>
+    </p:spTree>
+    <p:extLst>
+      <p:ext uri="{BB962C8B-B14F-4D97-AF65-F5344CB8AC3E}">
+        <p14:creationId xmlns:p14="http://schemas.microsoft.com/office/powerpoint/2010/main" val="602814161"/>
+      </p:ext>
+    </p:extLst>
+  </p:cSld>
+  <p:clrMapOvr>
+    <a:masterClrMapping/>
+  </p:clrMapOvr>
+  <mc:AlternateContent xmlns:mc="http://schemas.openxmlformats.org/markup-compatibility/2006" xmlns:p159="http://schemas.microsoft.com/office/powerpoint/2015/09/main">
+    <mc:Choice Requires="p159">
+      <p:transition spd="slow">
+        <p159:morph option="byObject"/>
+      </p:transition>
+    </mc:Choice>
+    <mc:Fallback xmlns="">
+      <p:transition spd="slow">
+        <p:fade/>
+      </p:transition>
+    </mc:Fallback>
+  </mc:AlternateContent>
+</p:sld>
+</file>
+
+<file path=ppt/slides/slide17.xml><?xml version="1.0" encoding="utf-8"?>
+<p:sld xmlns:a="http://schemas.openxmlformats.org/drawingml/2006/main" xmlns:r="http://schemas.openxmlformats.org/officeDocument/2006/relationships" xmlns:p="http://schemas.openxmlformats.org/presentationml/2006/main">
+  <p:cSld>
+    <p:spTree>
+      <p:nvGrpSpPr>
+        <p:cNvPr id="1" name="">
+          <a:extLst>
+            <a:ext uri="{FF2B5EF4-FFF2-40B4-BE49-F238E27FC236}">
+              <a16:creationId xmlns:a16="http://schemas.microsoft.com/office/drawing/2014/main" id="{8A3947FB-47FF-6462-6B97-85171C970456}"/>
+            </a:ext>
+          </a:extLst>
+        </p:cNvPr>
+        <p:cNvGrpSpPr/>
+        <p:nvPr/>
+      </p:nvGrpSpPr>
+      <p:grpSpPr>
+        <a:xfrm>
+          <a:off x="0" y="0"/>
+          <a:ext cx="0" cy="0"/>
+          <a:chOff x="0" y="0"/>
+          <a:chExt cx="0" cy="0"/>
+        </a:xfrm>
+      </p:grpSpPr>
+      <p:sp>
+        <p:nvSpPr>
+          <p:cNvPr id="4" name="Rectangle 3">
+            <a:extLst>
+              <a:ext uri="{FF2B5EF4-FFF2-40B4-BE49-F238E27FC236}">
+                <a16:creationId xmlns:a16="http://schemas.microsoft.com/office/drawing/2014/main" id="{1D2F5B47-6A0F-5588-4247-8E05B6D6622E}"/>
               </a:ext>
             </a:extLst>
           </p:cNvPr>
@@ -19355,8 +16741,292 @@
         </p:nvSpPr>
         <p:spPr>
           <a:xfrm>
-            <a:off x="1669271" y="1508151"/>
-            <a:ext cx="341728" cy="214744"/>
+            <a:off x="2238123" y="1389863"/>
+            <a:ext cx="1394278" cy="877875"/>
+          </a:xfrm>
+          <a:prstGeom prst="rect">
+            <a:avLst/>
+          </a:prstGeom>
+          <a:solidFill>
+            <a:schemeClr val="bg2"/>
+          </a:solidFill>
+          <a:ln>
+            <a:solidFill>
+              <a:schemeClr val="bg1">
+                <a:lumMod val="50000"/>
+              </a:schemeClr>
+            </a:solidFill>
+          </a:ln>
+        </p:spPr>
+        <p:style>
+          <a:lnRef idx="2">
+            <a:schemeClr val="accent2"/>
+          </a:lnRef>
+          <a:fillRef idx="1">
+            <a:schemeClr val="lt1"/>
+          </a:fillRef>
+          <a:effectRef idx="0">
+            <a:schemeClr val="accent2"/>
+          </a:effectRef>
+          <a:fontRef idx="minor">
+            <a:schemeClr val="dk1"/>
+          </a:fontRef>
+        </p:style>
+        <p:txBody>
+          <a:bodyPr rtlCol="0" anchor="ctr"/>
+          <a:lstStyle/>
+          <a:p>
+            <a:pPr algn="ctr"/>
+            <a:r>
+              <a:rPr lang="en-US" sz="1300" b="1" dirty="0"/>
+              <a:t>EqTester</a:t>
+            </a:r>
+          </a:p>
+          <a:p>
+            <a:pPr algn="ctr"/>
+            <a:endParaRPr lang="en-US" sz="1200" b="1" dirty="0"/>
+          </a:p>
+          <a:p>
+            <a:pPr algn="ctr"/>
+            <a:endParaRPr lang="en-US" sz="1200" b="1" dirty="0"/>
+          </a:p>
+        </p:txBody>
+      </p:sp>
+      <p:cxnSp>
+        <p:nvCxnSpPr>
+          <p:cNvPr id="5" name="Straight Arrow Connector 132">
+            <a:extLst>
+              <a:ext uri="{FF2B5EF4-FFF2-40B4-BE49-F238E27FC236}">
+                <a16:creationId xmlns:a16="http://schemas.microsoft.com/office/drawing/2014/main" id="{C2B14F79-ECD1-3F60-EBAD-BE04B352E717}"/>
+              </a:ext>
+            </a:extLst>
+          </p:cNvPr>
+          <p:cNvCxnSpPr>
+            <a:cxnSpLocks/>
+            <a:stCxn id="13" idx="2"/>
+            <a:endCxn id="15" idx="3"/>
+          </p:cNvCxnSpPr>
+          <p:nvPr/>
+        </p:nvCxnSpPr>
+        <p:spPr>
+          <a:xfrm rot="5400000">
+            <a:off x="5730768" y="673606"/>
+            <a:ext cx="736151" cy="1553989"/>
+          </a:xfrm>
+          <a:prstGeom prst="bentConnector2">
+            <a:avLst/>
+          </a:prstGeom>
+          <a:ln>
+            <a:tailEnd type="triangle"/>
+          </a:ln>
+        </p:spPr>
+        <p:style>
+          <a:lnRef idx="2">
+            <a:schemeClr val="dk1"/>
+          </a:lnRef>
+          <a:fillRef idx="0">
+            <a:schemeClr val="dk1"/>
+          </a:fillRef>
+          <a:effectRef idx="1">
+            <a:schemeClr val="dk1"/>
+          </a:effectRef>
+          <a:fontRef idx="minor">
+            <a:schemeClr val="tx1"/>
+          </a:fontRef>
+        </p:style>
+      </p:cxnSp>
+      <p:sp>
+        <p:nvSpPr>
+          <p:cNvPr id="6" name="Rectangle 5">
+            <a:extLst>
+              <a:ext uri="{FF2B5EF4-FFF2-40B4-BE49-F238E27FC236}">
+                <a16:creationId xmlns:a16="http://schemas.microsoft.com/office/drawing/2014/main" id="{E3587C36-47BB-FC31-E254-BF0E713FA0F4}"/>
+              </a:ext>
+            </a:extLst>
+          </p:cNvPr>
+          <p:cNvSpPr/>
+          <p:nvPr/>
+        </p:nvSpPr>
+        <p:spPr>
+          <a:xfrm>
+            <a:off x="214749" y="115561"/>
+            <a:ext cx="1231795" cy="392966"/>
+          </a:xfrm>
+          <a:prstGeom prst="rect">
+            <a:avLst/>
+          </a:prstGeom>
+          <a:solidFill>
+            <a:schemeClr val="accent2">
+              <a:lumMod val="20000"/>
+              <a:lumOff val="80000"/>
+            </a:schemeClr>
+          </a:solidFill>
+        </p:spPr>
+        <p:style>
+          <a:lnRef idx="2">
+            <a:schemeClr val="accent2"/>
+          </a:lnRef>
+          <a:fillRef idx="1">
+            <a:schemeClr val="lt1"/>
+          </a:fillRef>
+          <a:effectRef idx="0">
+            <a:schemeClr val="accent2"/>
+          </a:effectRef>
+          <a:fontRef idx="minor">
+            <a:schemeClr val="dk1"/>
+          </a:fontRef>
+        </p:style>
+        <p:txBody>
+          <a:bodyPr rtlCol="0" anchor="ctr"/>
+          <a:lstStyle/>
+          <a:p>
+            <a:pPr algn="ctr"/>
+            <a:r>
+              <a:rPr lang="en-US" sz="1400" dirty="0"/>
+              <a:t>C Codebase</a:t>
+            </a:r>
+          </a:p>
+        </p:txBody>
+      </p:sp>
+      <p:sp>
+        <p:nvSpPr>
+          <p:cNvPr id="7" name="Rectangle 6">
+            <a:extLst>
+              <a:ext uri="{FF2B5EF4-FFF2-40B4-BE49-F238E27FC236}">
+                <a16:creationId xmlns:a16="http://schemas.microsoft.com/office/drawing/2014/main" id="{62E7F43A-CE4D-F8AF-88F4-48E78760A934}"/>
+              </a:ext>
+            </a:extLst>
+          </p:cNvPr>
+          <p:cNvSpPr/>
+          <p:nvPr/>
+        </p:nvSpPr>
+        <p:spPr>
+          <a:xfrm>
+            <a:off x="3590833" y="460943"/>
+            <a:ext cx="1394278" cy="621582"/>
+          </a:xfrm>
+          <a:prstGeom prst="rect">
+            <a:avLst/>
+          </a:prstGeom>
+          <a:solidFill>
+            <a:schemeClr val="bg2"/>
+          </a:solidFill>
+          <a:ln>
+            <a:solidFill>
+              <a:schemeClr val="bg1">
+                <a:lumMod val="50000"/>
+              </a:schemeClr>
+            </a:solidFill>
+          </a:ln>
+        </p:spPr>
+        <p:style>
+          <a:lnRef idx="2">
+            <a:schemeClr val="accent2"/>
+          </a:lnRef>
+          <a:fillRef idx="1">
+            <a:schemeClr val="lt1"/>
+          </a:fillRef>
+          <a:effectRef idx="0">
+            <a:schemeClr val="accent2"/>
+          </a:effectRef>
+          <a:fontRef idx="minor">
+            <a:schemeClr val="dk1"/>
+          </a:fontRef>
+        </p:style>
+        <p:txBody>
+          <a:bodyPr rtlCol="0" anchor="ctr"/>
+          <a:lstStyle/>
+          <a:p>
+            <a:pPr algn="ctr"/>
+            <a:r>
+              <a:rPr lang="en-US" sz="1400" b="1" dirty="0"/>
+              <a:t>SpecMiner</a:t>
+            </a:r>
+          </a:p>
+          <a:p>
+            <a:pPr algn="ctr"/>
+            <a:endParaRPr lang="en-US" sz="1400" b="1" dirty="0"/>
+          </a:p>
+        </p:txBody>
+      </p:sp>
+      <p:sp>
+        <p:nvSpPr>
+          <p:cNvPr id="8" name="Rectangle 7">
+            <a:extLst>
+              <a:ext uri="{FF2B5EF4-FFF2-40B4-BE49-F238E27FC236}">
+                <a16:creationId xmlns:a16="http://schemas.microsoft.com/office/drawing/2014/main" id="{1C5E99F8-BA66-033F-1D18-8D97AC3ADEEF}"/>
+              </a:ext>
+            </a:extLst>
+          </p:cNvPr>
+          <p:cNvSpPr/>
+          <p:nvPr/>
+        </p:nvSpPr>
+        <p:spPr>
+          <a:xfrm>
+            <a:off x="3669200" y="822824"/>
+            <a:ext cx="1233314" cy="202780"/>
+          </a:xfrm>
+          <a:prstGeom prst="rect">
+            <a:avLst/>
+          </a:prstGeom>
+          <a:solidFill>
+            <a:schemeClr val="tx1">
+              <a:lumMod val="65000"/>
+              <a:lumOff val="35000"/>
+            </a:schemeClr>
+          </a:solidFill>
+          <a:ln>
+            <a:solidFill>
+              <a:schemeClr val="tx1"/>
+            </a:solidFill>
+          </a:ln>
+        </p:spPr>
+        <p:style>
+          <a:lnRef idx="2">
+            <a:schemeClr val="accent2"/>
+          </a:lnRef>
+          <a:fillRef idx="1">
+            <a:schemeClr val="lt1"/>
+          </a:fillRef>
+          <a:effectRef idx="0">
+            <a:schemeClr val="accent2"/>
+          </a:effectRef>
+          <a:fontRef idx="minor">
+            <a:schemeClr val="dk1"/>
+          </a:fontRef>
+        </p:style>
+        <p:txBody>
+          <a:bodyPr rtlCol="0" anchor="ctr"/>
+          <a:lstStyle/>
+          <a:p>
+            <a:pPr algn="ctr"/>
+            <a:r>
+              <a:rPr lang="en-US" sz="1000" dirty="0">
+                <a:solidFill>
+                  <a:schemeClr val="bg1"/>
+                </a:solidFill>
+              </a:rPr>
+              <a:t>LLVM &amp; gcc</a:t>
+            </a:r>
+          </a:p>
+        </p:txBody>
+      </p:sp>
+      <p:sp>
+        <p:nvSpPr>
+          <p:cNvPr id="9" name="Rectangle 8">
+            <a:extLst>
+              <a:ext uri="{FF2B5EF4-FFF2-40B4-BE49-F238E27FC236}">
+                <a16:creationId xmlns:a16="http://schemas.microsoft.com/office/drawing/2014/main" id="{F2A79D15-BF20-3DCD-5B27-3D660C5B30E7}"/>
+              </a:ext>
+            </a:extLst>
+          </p:cNvPr>
+          <p:cNvSpPr/>
+          <p:nvPr/>
+        </p:nvSpPr>
+        <p:spPr>
+          <a:xfrm>
+            <a:off x="214748" y="1630900"/>
+            <a:ext cx="1231795" cy="392966"/>
           </a:xfrm>
           <a:prstGeom prst="rect">
             <a:avLst/>
@@ -19393,6 +17063,2176 @@
           <a:p>
             <a:pPr algn="ctr"/>
             <a:r>
+              <a:rPr lang="en-US" sz="1400" dirty="0"/>
+              <a:t>Rust Program</a:t>
+            </a:r>
+          </a:p>
+        </p:txBody>
+      </p:sp>
+      <p:grpSp>
+        <p:nvGrpSpPr>
+          <p:cNvPr id="10" name="Group 9">
+            <a:extLst>
+              <a:ext uri="{FF2B5EF4-FFF2-40B4-BE49-F238E27FC236}">
+                <a16:creationId xmlns:a16="http://schemas.microsoft.com/office/drawing/2014/main" id="{DDAD3C1A-E197-755E-F91D-95F50FA2E6E5}"/>
+              </a:ext>
+            </a:extLst>
+          </p:cNvPr>
+          <p:cNvGrpSpPr/>
+          <p:nvPr/>
+        </p:nvGrpSpPr>
+        <p:grpSpPr>
+          <a:xfrm>
+            <a:off x="214748" y="779142"/>
+            <a:ext cx="1231795" cy="618048"/>
+            <a:chOff x="1920744" y="204039"/>
+            <a:chExt cx="1231795" cy="618048"/>
+          </a:xfrm>
+        </p:grpSpPr>
+        <p:sp>
+          <p:nvSpPr>
+            <p:cNvPr id="11" name="Rectangle 10">
+              <a:extLst>
+                <a:ext uri="{FF2B5EF4-FFF2-40B4-BE49-F238E27FC236}">
+                  <a16:creationId xmlns:a16="http://schemas.microsoft.com/office/drawing/2014/main" id="{068DBFE7-5D8F-2D3B-C359-F2EDFC2DC269}"/>
+                </a:ext>
+              </a:extLst>
+            </p:cNvPr>
+            <p:cNvSpPr/>
+            <p:nvPr/>
+          </p:nvSpPr>
+          <p:spPr>
+            <a:xfrm>
+              <a:off x="1920744" y="204039"/>
+              <a:ext cx="1231795" cy="618048"/>
+            </a:xfrm>
+            <a:prstGeom prst="rect">
+              <a:avLst/>
+            </a:prstGeom>
+            <a:solidFill>
+              <a:schemeClr val="bg2"/>
+            </a:solidFill>
+            <a:ln>
+              <a:solidFill>
+                <a:schemeClr val="bg1">
+                  <a:lumMod val="50000"/>
+                </a:schemeClr>
+              </a:solidFill>
+            </a:ln>
+          </p:spPr>
+          <p:style>
+            <a:lnRef idx="2">
+              <a:schemeClr val="accent2"/>
+            </a:lnRef>
+            <a:fillRef idx="1">
+              <a:schemeClr val="lt1"/>
+            </a:fillRef>
+            <a:effectRef idx="0">
+              <a:schemeClr val="accent2"/>
+            </a:effectRef>
+            <a:fontRef idx="minor">
+              <a:schemeClr val="dk1"/>
+            </a:fontRef>
+          </p:style>
+          <p:txBody>
+            <a:bodyPr rtlCol="0" anchor="ctr"/>
+            <a:lstStyle/>
+            <a:p>
+              <a:pPr algn="ctr"/>
+              <a:r>
+                <a:rPr lang="en-US" sz="1400" b="1" dirty="0"/>
+                <a:t>Slicer</a:t>
+              </a:r>
+            </a:p>
+            <a:p>
+              <a:pPr algn="ctr"/>
+              <a:endParaRPr lang="en-US" sz="1400" b="1" dirty="0"/>
+            </a:p>
+          </p:txBody>
+        </p:sp>
+        <p:sp>
+          <p:nvSpPr>
+            <p:cNvPr id="12" name="Rectangle 11">
+              <a:extLst>
+                <a:ext uri="{FF2B5EF4-FFF2-40B4-BE49-F238E27FC236}">
+                  <a16:creationId xmlns:a16="http://schemas.microsoft.com/office/drawing/2014/main" id="{BD84FCE7-AD74-22D0-A80F-9C3D19FA59BE}"/>
+                </a:ext>
+              </a:extLst>
+            </p:cNvPr>
+            <p:cNvSpPr/>
+            <p:nvPr/>
+          </p:nvSpPr>
+          <p:spPr>
+            <a:xfrm>
+              <a:off x="1984979" y="569431"/>
+              <a:ext cx="1103326" cy="202780"/>
+            </a:xfrm>
+            <a:prstGeom prst="rect">
+              <a:avLst/>
+            </a:prstGeom>
+            <a:solidFill>
+              <a:schemeClr val="tx1">
+                <a:lumMod val="65000"/>
+                <a:lumOff val="35000"/>
+              </a:schemeClr>
+            </a:solidFill>
+            <a:ln>
+              <a:solidFill>
+                <a:schemeClr val="tx1"/>
+              </a:solidFill>
+            </a:ln>
+          </p:spPr>
+          <p:style>
+            <a:lnRef idx="2">
+              <a:schemeClr val="accent2"/>
+            </a:lnRef>
+            <a:fillRef idx="1">
+              <a:schemeClr val="lt1"/>
+            </a:fillRef>
+            <a:effectRef idx="0">
+              <a:schemeClr val="accent2"/>
+            </a:effectRef>
+            <a:fontRef idx="minor">
+              <a:schemeClr val="dk1"/>
+            </a:fontRef>
+          </p:style>
+          <p:txBody>
+            <a:bodyPr rtlCol="0" anchor="ctr"/>
+            <a:lstStyle/>
+            <a:p>
+              <a:pPr algn="ctr"/>
+              <a:r>
+                <a:rPr lang="en-US" sz="1000" dirty="0">
+                  <a:solidFill>
+                    <a:schemeClr val="bg1"/>
+                  </a:solidFill>
+                </a:rPr>
+                <a:t>Clang</a:t>
+              </a:r>
+              <a:endParaRPr lang="en-US" sz="1050" dirty="0">
+                <a:solidFill>
+                  <a:schemeClr val="bg1"/>
+                </a:solidFill>
+              </a:endParaRPr>
+            </a:p>
+          </p:txBody>
+        </p:sp>
+      </p:grpSp>
+      <p:sp>
+        <p:nvSpPr>
+          <p:cNvPr id="13" name="Rectangle 12">
+            <a:extLst>
+              <a:ext uri="{FF2B5EF4-FFF2-40B4-BE49-F238E27FC236}">
+                <a16:creationId xmlns:a16="http://schemas.microsoft.com/office/drawing/2014/main" id="{C7B807C0-6B50-4151-F70A-96F2A1C97AC8}"/>
+              </a:ext>
+            </a:extLst>
+          </p:cNvPr>
+          <p:cNvSpPr/>
+          <p:nvPr/>
+        </p:nvSpPr>
+        <p:spPr>
+          <a:xfrm>
+            <a:off x="6100763" y="460943"/>
+            <a:ext cx="1550148" cy="621582"/>
+          </a:xfrm>
+          <a:prstGeom prst="rect">
+            <a:avLst/>
+          </a:prstGeom>
+          <a:solidFill>
+            <a:schemeClr val="bg2"/>
+          </a:solidFill>
+          <a:ln>
+            <a:solidFill>
+              <a:schemeClr val="bg1">
+                <a:lumMod val="50000"/>
+              </a:schemeClr>
+            </a:solidFill>
+          </a:ln>
+        </p:spPr>
+        <p:style>
+          <a:lnRef idx="2">
+            <a:schemeClr val="accent2"/>
+          </a:lnRef>
+          <a:fillRef idx="1">
+            <a:schemeClr val="lt1"/>
+          </a:fillRef>
+          <a:effectRef idx="0">
+            <a:schemeClr val="accent2"/>
+          </a:effectRef>
+          <a:fontRef idx="minor">
+            <a:schemeClr val="dk1"/>
+          </a:fontRef>
+        </p:style>
+        <p:txBody>
+          <a:bodyPr rtlCol="0" anchor="ctr"/>
+          <a:lstStyle/>
+          <a:p>
+            <a:pPr algn="ctr"/>
+            <a:r>
+              <a:rPr lang="en-US" sz="1400" b="1" dirty="0"/>
+              <a:t>CodeGenerator</a:t>
+            </a:r>
+          </a:p>
+          <a:p>
+            <a:pPr algn="ctr"/>
+            <a:endParaRPr lang="en-US" sz="1400" b="1" dirty="0"/>
+          </a:p>
+        </p:txBody>
+      </p:sp>
+      <p:sp>
+        <p:nvSpPr>
+          <p:cNvPr id="14" name="Rectangle 13">
+            <a:extLst>
+              <a:ext uri="{FF2B5EF4-FFF2-40B4-BE49-F238E27FC236}">
+                <a16:creationId xmlns:a16="http://schemas.microsoft.com/office/drawing/2014/main" id="{97BFE8AA-9599-6732-47D6-C114D695D491}"/>
+              </a:ext>
+            </a:extLst>
+          </p:cNvPr>
+          <p:cNvSpPr/>
+          <p:nvPr/>
+        </p:nvSpPr>
+        <p:spPr>
+          <a:xfrm>
+            <a:off x="6170220" y="828403"/>
+            <a:ext cx="1411234" cy="202780"/>
+          </a:xfrm>
+          <a:prstGeom prst="rect">
+            <a:avLst/>
+          </a:prstGeom>
+          <a:solidFill>
+            <a:schemeClr val="tx1">
+              <a:lumMod val="65000"/>
+              <a:lumOff val="35000"/>
+            </a:schemeClr>
+          </a:solidFill>
+          <a:ln>
+            <a:solidFill>
+              <a:schemeClr val="tx1"/>
+            </a:solidFill>
+          </a:ln>
+        </p:spPr>
+        <p:style>
+          <a:lnRef idx="2">
+            <a:schemeClr val="accent2"/>
+          </a:lnRef>
+          <a:fillRef idx="1">
+            <a:schemeClr val="lt1"/>
+          </a:fillRef>
+          <a:effectRef idx="0">
+            <a:schemeClr val="accent2"/>
+          </a:effectRef>
+          <a:fontRef idx="minor">
+            <a:schemeClr val="dk1"/>
+          </a:fontRef>
+        </p:style>
+        <p:txBody>
+          <a:bodyPr rtlCol="0" anchor="ctr"/>
+          <a:lstStyle/>
+          <a:p>
+            <a:pPr algn="ctr"/>
+            <a:r>
+              <a:rPr lang="en-US" sz="1000" dirty="0">
+                <a:solidFill>
+                  <a:schemeClr val="bg1"/>
+                </a:solidFill>
+              </a:rPr>
+              <a:t>LLM</a:t>
+            </a:r>
+          </a:p>
+        </p:txBody>
+      </p:sp>
+      <p:sp>
+        <p:nvSpPr>
+          <p:cNvPr id="15" name="Rectangle 14">
+            <a:extLst>
+              <a:ext uri="{FF2B5EF4-FFF2-40B4-BE49-F238E27FC236}">
+                <a16:creationId xmlns:a16="http://schemas.microsoft.com/office/drawing/2014/main" id="{C5F9F319-66D7-1A28-3C22-D84861FD8ABA}"/>
+              </a:ext>
+            </a:extLst>
+          </p:cNvPr>
+          <p:cNvSpPr/>
+          <p:nvPr/>
+        </p:nvSpPr>
+        <p:spPr>
+          <a:xfrm>
+            <a:off x="3927570" y="1379738"/>
+            <a:ext cx="1394278" cy="877875"/>
+          </a:xfrm>
+          <a:prstGeom prst="rect">
+            <a:avLst/>
+          </a:prstGeom>
+          <a:solidFill>
+            <a:schemeClr val="bg2"/>
+          </a:solidFill>
+          <a:ln>
+            <a:solidFill>
+              <a:schemeClr val="bg1">
+                <a:lumMod val="50000"/>
+              </a:schemeClr>
+            </a:solidFill>
+          </a:ln>
+        </p:spPr>
+        <p:style>
+          <a:lnRef idx="2">
+            <a:schemeClr val="accent2"/>
+          </a:lnRef>
+          <a:fillRef idx="1">
+            <a:schemeClr val="lt1"/>
+          </a:fillRef>
+          <a:effectRef idx="0">
+            <a:schemeClr val="accent2"/>
+          </a:effectRef>
+          <a:fontRef idx="minor">
+            <a:schemeClr val="dk1"/>
+          </a:fontRef>
+        </p:style>
+        <p:txBody>
+          <a:bodyPr rtlCol="0" anchor="ctr"/>
+          <a:lstStyle/>
+          <a:p>
+            <a:pPr algn="ctr"/>
+            <a:r>
+              <a:rPr lang="en-US" sz="1300" b="1" dirty="0" err="1"/>
+              <a:t>ArgTranslator</a:t>
+            </a:r>
+            <a:endParaRPr lang="en-US" sz="1300" b="1" dirty="0"/>
+          </a:p>
+          <a:p>
+            <a:pPr algn="ctr"/>
+            <a:endParaRPr lang="en-US" sz="1200" b="1" dirty="0"/>
+          </a:p>
+          <a:p>
+            <a:pPr algn="ctr"/>
+            <a:endParaRPr lang="en-US" sz="1200" b="1" dirty="0"/>
+          </a:p>
+        </p:txBody>
+      </p:sp>
+      <p:sp>
+        <p:nvSpPr>
+          <p:cNvPr id="16" name="Rectangle 15">
+            <a:extLst>
+              <a:ext uri="{FF2B5EF4-FFF2-40B4-BE49-F238E27FC236}">
+                <a16:creationId xmlns:a16="http://schemas.microsoft.com/office/drawing/2014/main" id="{7981AA27-1BCE-3C41-3C39-FDCE719CDA81}"/>
+              </a:ext>
+            </a:extLst>
+          </p:cNvPr>
+          <p:cNvSpPr/>
+          <p:nvPr/>
+        </p:nvSpPr>
+        <p:spPr>
+          <a:xfrm>
+            <a:off x="4005939" y="2043297"/>
+            <a:ext cx="1233313" cy="173573"/>
+          </a:xfrm>
+          <a:prstGeom prst="rect">
+            <a:avLst/>
+          </a:prstGeom>
+          <a:solidFill>
+            <a:schemeClr val="tx1">
+              <a:lumMod val="65000"/>
+              <a:lumOff val="35000"/>
+            </a:schemeClr>
+          </a:solidFill>
+          <a:ln>
+            <a:solidFill>
+              <a:schemeClr val="tx1"/>
+            </a:solidFill>
+          </a:ln>
+        </p:spPr>
+        <p:style>
+          <a:lnRef idx="2">
+            <a:schemeClr val="accent2"/>
+          </a:lnRef>
+          <a:fillRef idx="1">
+            <a:schemeClr val="lt1"/>
+          </a:fillRef>
+          <a:effectRef idx="0">
+            <a:schemeClr val="accent2"/>
+          </a:effectRef>
+          <a:fontRef idx="minor">
+            <a:schemeClr val="dk1"/>
+          </a:fontRef>
+        </p:style>
+        <p:txBody>
+          <a:bodyPr rtlCol="0" anchor="ctr"/>
+          <a:lstStyle/>
+          <a:p>
+            <a:pPr algn="ctr"/>
+            <a:r>
+              <a:rPr lang="en-US" sz="1000" dirty="0">
+                <a:solidFill>
+                  <a:schemeClr val="bg1"/>
+                </a:solidFill>
+              </a:rPr>
+              <a:t>Arg Constr. Tool</a:t>
+            </a:r>
+          </a:p>
+        </p:txBody>
+      </p:sp>
+      <p:sp>
+        <p:nvSpPr>
+          <p:cNvPr id="17" name="Rectangle 16">
+            <a:extLst>
+              <a:ext uri="{FF2B5EF4-FFF2-40B4-BE49-F238E27FC236}">
+                <a16:creationId xmlns:a16="http://schemas.microsoft.com/office/drawing/2014/main" id="{0ACBCAC4-9684-2EA1-52DA-F8FA70917FA8}"/>
+              </a:ext>
+            </a:extLst>
+          </p:cNvPr>
+          <p:cNvSpPr/>
+          <p:nvPr/>
+        </p:nvSpPr>
+        <p:spPr>
+          <a:xfrm>
+            <a:off x="6541072" y="1332541"/>
+            <a:ext cx="648644" cy="214744"/>
+          </a:xfrm>
+          <a:prstGeom prst="rect">
+            <a:avLst/>
+          </a:prstGeom>
+          <a:solidFill>
+            <a:schemeClr val="accent5">
+              <a:lumMod val="20000"/>
+              <a:lumOff val="80000"/>
+            </a:schemeClr>
+          </a:solidFill>
+          <a:ln>
+            <a:solidFill>
+              <a:schemeClr val="accent5"/>
+            </a:solidFill>
+          </a:ln>
+        </p:spPr>
+        <p:style>
+          <a:lnRef idx="2">
+            <a:schemeClr val="accent2"/>
+          </a:lnRef>
+          <a:fillRef idx="1">
+            <a:schemeClr val="lt1"/>
+          </a:fillRef>
+          <a:effectRef idx="0">
+            <a:schemeClr val="accent2"/>
+          </a:effectRef>
+          <a:fontRef idx="minor">
+            <a:schemeClr val="dk1"/>
+          </a:fontRef>
+        </p:style>
+        <p:txBody>
+          <a:bodyPr rtlCol="0" anchor="ctr"/>
+          <a:lstStyle/>
+          <a:p>
+            <a:pPr algn="ctr"/>
+            <a:r>
+              <a:rPr lang="en-US" sz="1200" dirty="0"/>
+              <a:t>Rust fn</a:t>
+            </a:r>
+          </a:p>
+        </p:txBody>
+      </p:sp>
+      <p:cxnSp>
+        <p:nvCxnSpPr>
+          <p:cNvPr id="18" name="Straight Arrow Connector 17">
+            <a:extLst>
+              <a:ext uri="{FF2B5EF4-FFF2-40B4-BE49-F238E27FC236}">
+                <a16:creationId xmlns:a16="http://schemas.microsoft.com/office/drawing/2014/main" id="{05797E2B-E318-B57A-F8DF-1D31BE01ACC3}"/>
+              </a:ext>
+            </a:extLst>
+          </p:cNvPr>
+          <p:cNvCxnSpPr>
+            <a:cxnSpLocks/>
+            <a:stCxn id="6" idx="2"/>
+            <a:endCxn id="11" idx="0"/>
+          </p:cNvCxnSpPr>
+          <p:nvPr/>
+        </p:nvCxnSpPr>
+        <p:spPr>
+          <a:xfrm flipH="1">
+            <a:off x="830646" y="508528"/>
+            <a:ext cx="1" cy="270615"/>
+          </a:xfrm>
+          <a:prstGeom prst="straightConnector1">
+            <a:avLst/>
+          </a:prstGeom>
+          <a:ln>
+            <a:tailEnd type="triangle"/>
+          </a:ln>
+        </p:spPr>
+        <p:style>
+          <a:lnRef idx="2">
+            <a:schemeClr val="dk1"/>
+          </a:lnRef>
+          <a:fillRef idx="0">
+            <a:schemeClr val="dk1"/>
+          </a:fillRef>
+          <a:effectRef idx="1">
+            <a:schemeClr val="dk1"/>
+          </a:effectRef>
+          <a:fontRef idx="minor">
+            <a:schemeClr val="tx1"/>
+          </a:fontRef>
+        </p:style>
+      </p:cxnSp>
+      <p:grpSp>
+        <p:nvGrpSpPr>
+          <p:cNvPr id="19" name="Group 18">
+            <a:extLst>
+              <a:ext uri="{FF2B5EF4-FFF2-40B4-BE49-F238E27FC236}">
+                <a16:creationId xmlns:a16="http://schemas.microsoft.com/office/drawing/2014/main" id="{6EF2815D-E4F6-643D-6DAA-843AB1EA1FF8}"/>
+              </a:ext>
+            </a:extLst>
+          </p:cNvPr>
+          <p:cNvGrpSpPr/>
+          <p:nvPr/>
+        </p:nvGrpSpPr>
+        <p:grpSpPr>
+          <a:xfrm>
+            <a:off x="1741655" y="456651"/>
+            <a:ext cx="655044" cy="590682"/>
+            <a:chOff x="2416885" y="1081915"/>
+            <a:chExt cx="655044" cy="590682"/>
+          </a:xfrm>
+        </p:grpSpPr>
+        <p:sp>
+          <p:nvSpPr>
+            <p:cNvPr id="20" name="Rectangle 19">
+              <a:extLst>
+                <a:ext uri="{FF2B5EF4-FFF2-40B4-BE49-F238E27FC236}">
+                  <a16:creationId xmlns:a16="http://schemas.microsoft.com/office/drawing/2014/main" id="{4782FD3C-BFE2-6E9B-07DB-CF3489A10FE3}"/>
+                </a:ext>
+              </a:extLst>
+            </p:cNvPr>
+            <p:cNvSpPr/>
+            <p:nvPr/>
+          </p:nvSpPr>
+          <p:spPr>
+            <a:xfrm>
+              <a:off x="2584451" y="1081915"/>
+              <a:ext cx="83783" cy="82942"/>
+            </a:xfrm>
+            <a:prstGeom prst="rect">
+              <a:avLst/>
+            </a:prstGeom>
+            <a:solidFill>
+              <a:schemeClr val="accent2">
+                <a:lumMod val="20000"/>
+                <a:lumOff val="80000"/>
+              </a:schemeClr>
+            </a:solidFill>
+            <a:ln>
+              <a:noFill/>
+            </a:ln>
+          </p:spPr>
+          <p:style>
+            <a:lnRef idx="2">
+              <a:schemeClr val="accent2"/>
+            </a:lnRef>
+            <a:fillRef idx="1">
+              <a:schemeClr val="lt1"/>
+            </a:fillRef>
+            <a:effectRef idx="0">
+              <a:schemeClr val="accent2"/>
+            </a:effectRef>
+            <a:fontRef idx="minor">
+              <a:schemeClr val="dk1"/>
+            </a:fontRef>
+          </p:style>
+          <p:txBody>
+            <a:bodyPr rtlCol="0" anchor="ctr"/>
+            <a:lstStyle/>
+            <a:p>
+              <a:pPr algn="ctr"/>
+              <a:endParaRPr lang="en-US" sz="700" dirty="0"/>
+            </a:p>
+          </p:txBody>
+        </p:sp>
+        <p:sp>
+          <p:nvSpPr>
+            <p:cNvPr id="21" name="Rectangle 20">
+              <a:extLst>
+                <a:ext uri="{FF2B5EF4-FFF2-40B4-BE49-F238E27FC236}">
+                  <a16:creationId xmlns:a16="http://schemas.microsoft.com/office/drawing/2014/main" id="{3A080AE9-2E63-E800-3B3A-A9F8376310D8}"/>
+                </a:ext>
+              </a:extLst>
+            </p:cNvPr>
+            <p:cNvSpPr/>
+            <p:nvPr/>
+          </p:nvSpPr>
+          <p:spPr>
+            <a:xfrm>
+              <a:off x="2500668" y="1259715"/>
+              <a:ext cx="83783" cy="82942"/>
+            </a:xfrm>
+            <a:prstGeom prst="rect">
+              <a:avLst/>
+            </a:prstGeom>
+            <a:solidFill>
+              <a:schemeClr val="accent2">
+                <a:lumMod val="20000"/>
+                <a:lumOff val="80000"/>
+              </a:schemeClr>
+            </a:solidFill>
+            <a:ln>
+              <a:noFill/>
+            </a:ln>
+          </p:spPr>
+          <p:style>
+            <a:lnRef idx="2">
+              <a:schemeClr val="accent2"/>
+            </a:lnRef>
+            <a:fillRef idx="1">
+              <a:schemeClr val="lt1"/>
+            </a:fillRef>
+            <a:effectRef idx="0">
+              <a:schemeClr val="accent2"/>
+            </a:effectRef>
+            <a:fontRef idx="minor">
+              <a:schemeClr val="dk1"/>
+            </a:fontRef>
+          </p:style>
+          <p:txBody>
+            <a:bodyPr rtlCol="0" anchor="ctr"/>
+            <a:lstStyle/>
+            <a:p>
+              <a:pPr algn="ctr"/>
+              <a:endParaRPr lang="en-US" sz="700" dirty="0"/>
+            </a:p>
+          </p:txBody>
+        </p:sp>
+        <p:sp>
+          <p:nvSpPr>
+            <p:cNvPr id="22" name="Rectangle 21">
+              <a:extLst>
+                <a:ext uri="{FF2B5EF4-FFF2-40B4-BE49-F238E27FC236}">
+                  <a16:creationId xmlns:a16="http://schemas.microsoft.com/office/drawing/2014/main" id="{446F8C8A-C464-160A-9B1C-494C9AD2852E}"/>
+                </a:ext>
+              </a:extLst>
+            </p:cNvPr>
+            <p:cNvSpPr/>
+            <p:nvPr/>
+          </p:nvSpPr>
+          <p:spPr>
+            <a:xfrm>
+              <a:off x="2416885" y="1437515"/>
+              <a:ext cx="83783" cy="82942"/>
+            </a:xfrm>
+            <a:prstGeom prst="rect">
+              <a:avLst/>
+            </a:prstGeom>
+            <a:solidFill>
+              <a:schemeClr val="accent2">
+                <a:lumMod val="20000"/>
+                <a:lumOff val="80000"/>
+              </a:schemeClr>
+            </a:solidFill>
+            <a:ln>
+              <a:noFill/>
+            </a:ln>
+          </p:spPr>
+          <p:style>
+            <a:lnRef idx="2">
+              <a:schemeClr val="accent2"/>
+            </a:lnRef>
+            <a:fillRef idx="1">
+              <a:schemeClr val="lt1"/>
+            </a:fillRef>
+            <a:effectRef idx="0">
+              <a:schemeClr val="accent2"/>
+            </a:effectRef>
+            <a:fontRef idx="minor">
+              <a:schemeClr val="dk1"/>
+            </a:fontRef>
+          </p:style>
+          <p:txBody>
+            <a:bodyPr rtlCol="0" anchor="ctr"/>
+            <a:lstStyle/>
+            <a:p>
+              <a:pPr algn="ctr"/>
+              <a:endParaRPr lang="en-US" sz="700" dirty="0"/>
+            </a:p>
+          </p:txBody>
+        </p:sp>
+        <p:sp>
+          <p:nvSpPr>
+            <p:cNvPr id="23" name="Rectangle 22">
+              <a:extLst>
+                <a:ext uri="{FF2B5EF4-FFF2-40B4-BE49-F238E27FC236}">
+                  <a16:creationId xmlns:a16="http://schemas.microsoft.com/office/drawing/2014/main" id="{B6134253-4BE7-4401-2312-AB880E9C5CDA}"/>
+                </a:ext>
+              </a:extLst>
+            </p:cNvPr>
+            <p:cNvSpPr/>
+            <p:nvPr/>
+          </p:nvSpPr>
+          <p:spPr>
+            <a:xfrm>
+              <a:off x="2668234" y="1259715"/>
+              <a:ext cx="83783" cy="82942"/>
+            </a:xfrm>
+            <a:prstGeom prst="rect">
+              <a:avLst/>
+            </a:prstGeom>
+            <a:solidFill>
+              <a:schemeClr val="accent2">
+                <a:lumMod val="20000"/>
+                <a:lumOff val="80000"/>
+              </a:schemeClr>
+            </a:solidFill>
+            <a:ln>
+              <a:noFill/>
+            </a:ln>
+          </p:spPr>
+          <p:style>
+            <a:lnRef idx="2">
+              <a:schemeClr val="accent2"/>
+            </a:lnRef>
+            <a:fillRef idx="1">
+              <a:schemeClr val="lt1"/>
+            </a:fillRef>
+            <a:effectRef idx="0">
+              <a:schemeClr val="accent2"/>
+            </a:effectRef>
+            <a:fontRef idx="minor">
+              <a:schemeClr val="dk1"/>
+            </a:fontRef>
+          </p:style>
+          <p:txBody>
+            <a:bodyPr rtlCol="0" anchor="ctr"/>
+            <a:lstStyle/>
+            <a:p>
+              <a:pPr algn="ctr"/>
+              <a:endParaRPr lang="en-US" sz="700" dirty="0"/>
+            </a:p>
+          </p:txBody>
+        </p:sp>
+        <p:sp>
+          <p:nvSpPr>
+            <p:cNvPr id="24" name="Rectangle 23">
+              <a:extLst>
+                <a:ext uri="{FF2B5EF4-FFF2-40B4-BE49-F238E27FC236}">
+                  <a16:creationId xmlns:a16="http://schemas.microsoft.com/office/drawing/2014/main" id="{B8A3386D-C0B4-E465-CAB0-C44E24C757D6}"/>
+                </a:ext>
+              </a:extLst>
+            </p:cNvPr>
+            <p:cNvSpPr/>
+            <p:nvPr/>
+          </p:nvSpPr>
+          <p:spPr>
+            <a:xfrm>
+              <a:off x="2668234" y="1424685"/>
+              <a:ext cx="83783" cy="82942"/>
+            </a:xfrm>
+            <a:prstGeom prst="rect">
+              <a:avLst/>
+            </a:prstGeom>
+            <a:solidFill>
+              <a:schemeClr val="accent2">
+                <a:lumMod val="20000"/>
+                <a:lumOff val="80000"/>
+              </a:schemeClr>
+            </a:solidFill>
+            <a:ln>
+              <a:noFill/>
+            </a:ln>
+          </p:spPr>
+          <p:style>
+            <a:lnRef idx="2">
+              <a:schemeClr val="accent2"/>
+            </a:lnRef>
+            <a:fillRef idx="1">
+              <a:schemeClr val="lt1"/>
+            </a:fillRef>
+            <a:effectRef idx="0">
+              <a:schemeClr val="accent2"/>
+            </a:effectRef>
+            <a:fontRef idx="minor">
+              <a:schemeClr val="dk1"/>
+            </a:fontRef>
+          </p:style>
+          <p:txBody>
+            <a:bodyPr rtlCol="0" anchor="ctr"/>
+            <a:lstStyle/>
+            <a:p>
+              <a:pPr algn="ctr"/>
+              <a:endParaRPr lang="en-US" sz="700" dirty="0"/>
+            </a:p>
+          </p:txBody>
+        </p:sp>
+        <p:sp>
+          <p:nvSpPr>
+            <p:cNvPr id="25" name="Rectangle 24">
+              <a:extLst>
+                <a:ext uri="{FF2B5EF4-FFF2-40B4-BE49-F238E27FC236}">
+                  <a16:creationId xmlns:a16="http://schemas.microsoft.com/office/drawing/2014/main" id="{365F257A-1CA2-648D-A572-0E63AA081AE6}"/>
+                </a:ext>
+              </a:extLst>
+            </p:cNvPr>
+            <p:cNvSpPr/>
+            <p:nvPr/>
+          </p:nvSpPr>
+          <p:spPr>
+            <a:xfrm>
+              <a:off x="2668234" y="1589655"/>
+              <a:ext cx="83783" cy="82942"/>
+            </a:xfrm>
+            <a:prstGeom prst="rect">
+              <a:avLst/>
+            </a:prstGeom>
+            <a:solidFill>
+              <a:schemeClr val="accent2">
+                <a:lumMod val="20000"/>
+                <a:lumOff val="80000"/>
+              </a:schemeClr>
+            </a:solidFill>
+            <a:ln>
+              <a:noFill/>
+            </a:ln>
+          </p:spPr>
+          <p:style>
+            <a:lnRef idx="2">
+              <a:schemeClr val="accent2"/>
+            </a:lnRef>
+            <a:fillRef idx="1">
+              <a:schemeClr val="lt1"/>
+            </a:fillRef>
+            <a:effectRef idx="0">
+              <a:schemeClr val="accent2"/>
+            </a:effectRef>
+            <a:fontRef idx="minor">
+              <a:schemeClr val="dk1"/>
+            </a:fontRef>
+          </p:style>
+          <p:txBody>
+            <a:bodyPr rtlCol="0" anchor="ctr"/>
+            <a:lstStyle/>
+            <a:p>
+              <a:pPr algn="ctr"/>
+              <a:endParaRPr lang="en-US" sz="700" dirty="0"/>
+            </a:p>
+          </p:txBody>
+        </p:sp>
+        <p:sp>
+          <p:nvSpPr>
+            <p:cNvPr id="26" name="Rectangle 25">
+              <a:extLst>
+                <a:ext uri="{FF2B5EF4-FFF2-40B4-BE49-F238E27FC236}">
+                  <a16:creationId xmlns:a16="http://schemas.microsoft.com/office/drawing/2014/main" id="{A9EFF6A8-0474-7297-E464-3BAFD748D695}"/>
+                </a:ext>
+              </a:extLst>
+            </p:cNvPr>
+            <p:cNvSpPr/>
+            <p:nvPr/>
+          </p:nvSpPr>
+          <p:spPr>
+            <a:xfrm>
+              <a:off x="2831300" y="1259715"/>
+              <a:ext cx="83783" cy="82942"/>
+            </a:xfrm>
+            <a:prstGeom prst="rect">
+              <a:avLst/>
+            </a:prstGeom>
+            <a:solidFill>
+              <a:schemeClr val="accent2">
+                <a:lumMod val="20000"/>
+                <a:lumOff val="80000"/>
+              </a:schemeClr>
+            </a:solidFill>
+            <a:ln>
+              <a:noFill/>
+            </a:ln>
+          </p:spPr>
+          <p:style>
+            <a:lnRef idx="2">
+              <a:schemeClr val="accent2"/>
+            </a:lnRef>
+            <a:fillRef idx="1">
+              <a:schemeClr val="lt1"/>
+            </a:fillRef>
+            <a:effectRef idx="0">
+              <a:schemeClr val="accent2"/>
+            </a:effectRef>
+            <a:fontRef idx="minor">
+              <a:schemeClr val="dk1"/>
+            </a:fontRef>
+          </p:style>
+          <p:txBody>
+            <a:bodyPr rtlCol="0" anchor="ctr"/>
+            <a:lstStyle/>
+            <a:p>
+              <a:pPr algn="ctr"/>
+              <a:endParaRPr lang="en-US" sz="700" dirty="0"/>
+            </a:p>
+          </p:txBody>
+        </p:sp>
+        <p:sp>
+          <p:nvSpPr>
+            <p:cNvPr id="27" name="Rectangle 26">
+              <a:extLst>
+                <a:ext uri="{FF2B5EF4-FFF2-40B4-BE49-F238E27FC236}">
+                  <a16:creationId xmlns:a16="http://schemas.microsoft.com/office/drawing/2014/main" id="{52FCD37F-8DDD-364F-DCCD-89529630502A}"/>
+                </a:ext>
+              </a:extLst>
+            </p:cNvPr>
+            <p:cNvSpPr/>
+            <p:nvPr/>
+          </p:nvSpPr>
+          <p:spPr>
+            <a:xfrm>
+              <a:off x="2831299" y="1081915"/>
+              <a:ext cx="83783" cy="82942"/>
+            </a:xfrm>
+            <a:prstGeom prst="rect">
+              <a:avLst/>
+            </a:prstGeom>
+            <a:solidFill>
+              <a:schemeClr val="accent2">
+                <a:lumMod val="20000"/>
+                <a:lumOff val="80000"/>
+              </a:schemeClr>
+            </a:solidFill>
+            <a:ln>
+              <a:noFill/>
+            </a:ln>
+          </p:spPr>
+          <p:style>
+            <a:lnRef idx="2">
+              <a:schemeClr val="accent2"/>
+            </a:lnRef>
+            <a:fillRef idx="1">
+              <a:schemeClr val="lt1"/>
+            </a:fillRef>
+            <a:effectRef idx="0">
+              <a:schemeClr val="accent2"/>
+            </a:effectRef>
+            <a:fontRef idx="minor">
+              <a:schemeClr val="dk1"/>
+            </a:fontRef>
+          </p:style>
+          <p:txBody>
+            <a:bodyPr rtlCol="0" anchor="ctr"/>
+            <a:lstStyle/>
+            <a:p>
+              <a:pPr algn="ctr"/>
+              <a:endParaRPr lang="en-US" sz="700" dirty="0"/>
+            </a:p>
+          </p:txBody>
+        </p:sp>
+        <p:sp>
+          <p:nvSpPr>
+            <p:cNvPr id="28" name="Rectangle 27">
+              <a:extLst>
+                <a:ext uri="{FF2B5EF4-FFF2-40B4-BE49-F238E27FC236}">
+                  <a16:creationId xmlns:a16="http://schemas.microsoft.com/office/drawing/2014/main" id="{103EFE96-4202-90C5-07E8-0D4D55226A0F}"/>
+                </a:ext>
+              </a:extLst>
+            </p:cNvPr>
+            <p:cNvSpPr/>
+            <p:nvPr/>
+          </p:nvSpPr>
+          <p:spPr>
+            <a:xfrm>
+              <a:off x="2988146" y="1259715"/>
+              <a:ext cx="83783" cy="82942"/>
+            </a:xfrm>
+            <a:prstGeom prst="rect">
+              <a:avLst/>
+            </a:prstGeom>
+            <a:solidFill>
+              <a:schemeClr val="accent2">
+                <a:lumMod val="20000"/>
+                <a:lumOff val="80000"/>
+              </a:schemeClr>
+            </a:solidFill>
+            <a:ln>
+              <a:noFill/>
+            </a:ln>
+          </p:spPr>
+          <p:style>
+            <a:lnRef idx="2">
+              <a:schemeClr val="accent2"/>
+            </a:lnRef>
+            <a:fillRef idx="1">
+              <a:schemeClr val="lt1"/>
+            </a:fillRef>
+            <a:effectRef idx="0">
+              <a:schemeClr val="accent2"/>
+            </a:effectRef>
+            <a:fontRef idx="minor">
+              <a:schemeClr val="dk1"/>
+            </a:fontRef>
+          </p:style>
+          <p:txBody>
+            <a:bodyPr rtlCol="0" anchor="ctr"/>
+            <a:lstStyle/>
+            <a:p>
+              <a:pPr algn="ctr"/>
+              <a:endParaRPr lang="en-US" sz="700" dirty="0"/>
+            </a:p>
+          </p:txBody>
+        </p:sp>
+        <p:cxnSp>
+          <p:nvCxnSpPr>
+            <p:cNvPr id="29" name="Straight Arrow Connector 28">
+              <a:extLst>
+                <a:ext uri="{FF2B5EF4-FFF2-40B4-BE49-F238E27FC236}">
+                  <a16:creationId xmlns:a16="http://schemas.microsoft.com/office/drawing/2014/main" id="{3ADC26E9-B3C9-7E12-B6A8-556F8075AC0C}"/>
+                </a:ext>
+              </a:extLst>
+            </p:cNvPr>
+            <p:cNvCxnSpPr>
+              <a:cxnSpLocks/>
+              <a:stCxn id="20" idx="2"/>
+              <a:endCxn id="21" idx="0"/>
+            </p:cNvCxnSpPr>
+            <p:nvPr/>
+          </p:nvCxnSpPr>
+          <p:spPr>
+            <a:xfrm flipH="1">
+              <a:off x="2542560" y="1164857"/>
+              <a:ext cx="83783" cy="94858"/>
+            </a:xfrm>
+            <a:prstGeom prst="straightConnector1">
+              <a:avLst/>
+            </a:prstGeom>
+            <a:ln w="3175">
+              <a:solidFill>
+                <a:schemeClr val="bg2"/>
+              </a:solidFill>
+              <a:tailEnd type="triangle" w="sm" len="sm"/>
+            </a:ln>
+          </p:spPr>
+          <p:style>
+            <a:lnRef idx="2">
+              <a:schemeClr val="accent1"/>
+            </a:lnRef>
+            <a:fillRef idx="0">
+              <a:schemeClr val="accent1"/>
+            </a:fillRef>
+            <a:effectRef idx="1">
+              <a:schemeClr val="accent1"/>
+            </a:effectRef>
+            <a:fontRef idx="minor">
+              <a:schemeClr val="tx1"/>
+            </a:fontRef>
+          </p:style>
+        </p:cxnSp>
+        <p:cxnSp>
+          <p:nvCxnSpPr>
+            <p:cNvPr id="30" name="Straight Arrow Connector 29">
+              <a:extLst>
+                <a:ext uri="{FF2B5EF4-FFF2-40B4-BE49-F238E27FC236}">
+                  <a16:creationId xmlns:a16="http://schemas.microsoft.com/office/drawing/2014/main" id="{3FD6415B-1043-A2AA-6C95-00CFCB597DB9}"/>
+                </a:ext>
+              </a:extLst>
+            </p:cNvPr>
+            <p:cNvCxnSpPr>
+              <a:cxnSpLocks/>
+              <a:stCxn id="21" idx="2"/>
+              <a:endCxn id="22" idx="0"/>
+            </p:cNvCxnSpPr>
+            <p:nvPr/>
+          </p:nvCxnSpPr>
+          <p:spPr>
+            <a:xfrm flipH="1">
+              <a:off x="2458777" y="1342657"/>
+              <a:ext cx="83783" cy="94858"/>
+            </a:xfrm>
+            <a:prstGeom prst="straightConnector1">
+              <a:avLst/>
+            </a:prstGeom>
+            <a:ln w="3175">
+              <a:solidFill>
+                <a:schemeClr val="bg2"/>
+              </a:solidFill>
+              <a:tailEnd type="triangle" w="sm" len="sm"/>
+            </a:ln>
+          </p:spPr>
+          <p:style>
+            <a:lnRef idx="2">
+              <a:schemeClr val="accent1"/>
+            </a:lnRef>
+            <a:fillRef idx="0">
+              <a:schemeClr val="accent1"/>
+            </a:fillRef>
+            <a:effectRef idx="1">
+              <a:schemeClr val="accent1"/>
+            </a:effectRef>
+            <a:fontRef idx="minor">
+              <a:schemeClr val="tx1"/>
+            </a:fontRef>
+          </p:style>
+        </p:cxnSp>
+        <p:cxnSp>
+          <p:nvCxnSpPr>
+            <p:cNvPr id="31" name="Straight Arrow Connector 30">
+              <a:extLst>
+                <a:ext uri="{FF2B5EF4-FFF2-40B4-BE49-F238E27FC236}">
+                  <a16:creationId xmlns:a16="http://schemas.microsoft.com/office/drawing/2014/main" id="{A8CBDBF0-EF60-2392-0978-01E6890E453A}"/>
+                </a:ext>
+              </a:extLst>
+            </p:cNvPr>
+            <p:cNvCxnSpPr>
+              <a:cxnSpLocks/>
+              <a:stCxn id="20" idx="2"/>
+              <a:endCxn id="23" idx="0"/>
+            </p:cNvCxnSpPr>
+            <p:nvPr/>
+          </p:nvCxnSpPr>
+          <p:spPr>
+            <a:xfrm>
+              <a:off x="2626343" y="1164857"/>
+              <a:ext cx="83783" cy="94858"/>
+            </a:xfrm>
+            <a:prstGeom prst="straightConnector1">
+              <a:avLst/>
+            </a:prstGeom>
+            <a:ln w="3175">
+              <a:solidFill>
+                <a:schemeClr val="bg2"/>
+              </a:solidFill>
+              <a:tailEnd type="triangle" w="sm" len="sm"/>
+            </a:ln>
+          </p:spPr>
+          <p:style>
+            <a:lnRef idx="2">
+              <a:schemeClr val="accent1"/>
+            </a:lnRef>
+            <a:fillRef idx="0">
+              <a:schemeClr val="accent1"/>
+            </a:fillRef>
+            <a:effectRef idx="1">
+              <a:schemeClr val="accent1"/>
+            </a:effectRef>
+            <a:fontRef idx="minor">
+              <a:schemeClr val="tx1"/>
+            </a:fontRef>
+          </p:style>
+        </p:cxnSp>
+        <p:cxnSp>
+          <p:nvCxnSpPr>
+            <p:cNvPr id="32" name="Straight Arrow Connector 31">
+              <a:extLst>
+                <a:ext uri="{FF2B5EF4-FFF2-40B4-BE49-F238E27FC236}">
+                  <a16:creationId xmlns:a16="http://schemas.microsoft.com/office/drawing/2014/main" id="{74EE3EF0-16F4-79F4-C5CE-D0A82200054C}"/>
+                </a:ext>
+              </a:extLst>
+            </p:cNvPr>
+            <p:cNvCxnSpPr>
+              <a:cxnSpLocks/>
+              <a:stCxn id="23" idx="2"/>
+              <a:endCxn id="24" idx="0"/>
+            </p:cNvCxnSpPr>
+            <p:nvPr/>
+          </p:nvCxnSpPr>
+          <p:spPr>
+            <a:xfrm>
+              <a:off x="2710126" y="1342657"/>
+              <a:ext cx="0" cy="82028"/>
+            </a:xfrm>
+            <a:prstGeom prst="straightConnector1">
+              <a:avLst/>
+            </a:prstGeom>
+            <a:ln w="3175">
+              <a:solidFill>
+                <a:schemeClr val="bg2"/>
+              </a:solidFill>
+              <a:tailEnd type="triangle" w="sm" len="sm"/>
+            </a:ln>
+          </p:spPr>
+          <p:style>
+            <a:lnRef idx="2">
+              <a:schemeClr val="accent1"/>
+            </a:lnRef>
+            <a:fillRef idx="0">
+              <a:schemeClr val="accent1"/>
+            </a:fillRef>
+            <a:effectRef idx="1">
+              <a:schemeClr val="accent1"/>
+            </a:effectRef>
+            <a:fontRef idx="minor">
+              <a:schemeClr val="tx1"/>
+            </a:fontRef>
+          </p:style>
+        </p:cxnSp>
+        <p:cxnSp>
+          <p:nvCxnSpPr>
+            <p:cNvPr id="33" name="Straight Arrow Connector 32">
+              <a:extLst>
+                <a:ext uri="{FF2B5EF4-FFF2-40B4-BE49-F238E27FC236}">
+                  <a16:creationId xmlns:a16="http://schemas.microsoft.com/office/drawing/2014/main" id="{194269A4-41BC-A0F3-75E3-37B6D80184F4}"/>
+                </a:ext>
+              </a:extLst>
+            </p:cNvPr>
+            <p:cNvCxnSpPr>
+              <a:cxnSpLocks/>
+              <a:stCxn id="24" idx="2"/>
+              <a:endCxn id="25" idx="0"/>
+            </p:cNvCxnSpPr>
+            <p:nvPr/>
+          </p:nvCxnSpPr>
+          <p:spPr>
+            <a:xfrm>
+              <a:off x="2710126" y="1507627"/>
+              <a:ext cx="0" cy="82028"/>
+            </a:xfrm>
+            <a:prstGeom prst="straightConnector1">
+              <a:avLst/>
+            </a:prstGeom>
+            <a:ln w="3175">
+              <a:solidFill>
+                <a:schemeClr val="bg2"/>
+              </a:solidFill>
+              <a:tailEnd type="triangle" w="sm" len="sm"/>
+            </a:ln>
+          </p:spPr>
+          <p:style>
+            <a:lnRef idx="2">
+              <a:schemeClr val="accent1"/>
+            </a:lnRef>
+            <a:fillRef idx="0">
+              <a:schemeClr val="accent1"/>
+            </a:fillRef>
+            <a:effectRef idx="1">
+              <a:schemeClr val="accent1"/>
+            </a:effectRef>
+            <a:fontRef idx="minor">
+              <a:schemeClr val="tx1"/>
+            </a:fontRef>
+          </p:style>
+        </p:cxnSp>
+        <p:cxnSp>
+          <p:nvCxnSpPr>
+            <p:cNvPr id="34" name="Straight Arrow Connector 33">
+              <a:extLst>
+                <a:ext uri="{FF2B5EF4-FFF2-40B4-BE49-F238E27FC236}">
+                  <a16:creationId xmlns:a16="http://schemas.microsoft.com/office/drawing/2014/main" id="{BB834FC2-938E-7002-AE7A-24584D993840}"/>
+                </a:ext>
+              </a:extLst>
+            </p:cNvPr>
+            <p:cNvCxnSpPr>
+              <a:cxnSpLocks/>
+              <a:stCxn id="27" idx="2"/>
+              <a:endCxn id="28" idx="0"/>
+            </p:cNvCxnSpPr>
+            <p:nvPr/>
+          </p:nvCxnSpPr>
+          <p:spPr>
+            <a:xfrm>
+              <a:off x="2873191" y="1164857"/>
+              <a:ext cx="156847" cy="94858"/>
+            </a:xfrm>
+            <a:prstGeom prst="straightConnector1">
+              <a:avLst/>
+            </a:prstGeom>
+            <a:ln w="3175">
+              <a:solidFill>
+                <a:schemeClr val="bg2"/>
+              </a:solidFill>
+              <a:tailEnd type="triangle" w="sm" len="sm"/>
+            </a:ln>
+          </p:spPr>
+          <p:style>
+            <a:lnRef idx="2">
+              <a:schemeClr val="accent1"/>
+            </a:lnRef>
+            <a:fillRef idx="0">
+              <a:schemeClr val="accent1"/>
+            </a:fillRef>
+            <a:effectRef idx="1">
+              <a:schemeClr val="accent1"/>
+            </a:effectRef>
+            <a:fontRef idx="minor">
+              <a:schemeClr val="tx1"/>
+            </a:fontRef>
+          </p:style>
+        </p:cxnSp>
+        <p:cxnSp>
+          <p:nvCxnSpPr>
+            <p:cNvPr id="35" name="Straight Arrow Connector 34">
+              <a:extLst>
+                <a:ext uri="{FF2B5EF4-FFF2-40B4-BE49-F238E27FC236}">
+                  <a16:creationId xmlns:a16="http://schemas.microsoft.com/office/drawing/2014/main" id="{E68DA93C-B8C6-C9A1-11B8-C14069F3D1CA}"/>
+                </a:ext>
+              </a:extLst>
+            </p:cNvPr>
+            <p:cNvCxnSpPr>
+              <a:cxnSpLocks/>
+              <a:stCxn id="20" idx="2"/>
+              <a:endCxn id="26" idx="0"/>
+            </p:cNvCxnSpPr>
+            <p:nvPr/>
+          </p:nvCxnSpPr>
+          <p:spPr>
+            <a:xfrm>
+              <a:off x="2626343" y="1164857"/>
+              <a:ext cx="246849" cy="94858"/>
+            </a:xfrm>
+            <a:prstGeom prst="straightConnector1">
+              <a:avLst/>
+            </a:prstGeom>
+            <a:ln w="3175">
+              <a:solidFill>
+                <a:schemeClr val="bg2"/>
+              </a:solidFill>
+              <a:tailEnd type="triangle" w="sm" len="sm"/>
+            </a:ln>
+          </p:spPr>
+          <p:style>
+            <a:lnRef idx="2">
+              <a:schemeClr val="accent1"/>
+            </a:lnRef>
+            <a:fillRef idx="0">
+              <a:schemeClr val="accent1"/>
+            </a:fillRef>
+            <a:effectRef idx="1">
+              <a:schemeClr val="accent1"/>
+            </a:effectRef>
+            <a:fontRef idx="minor">
+              <a:schemeClr val="tx1"/>
+            </a:fontRef>
+          </p:style>
+        </p:cxnSp>
+        <p:cxnSp>
+          <p:nvCxnSpPr>
+            <p:cNvPr id="36" name="Straight Arrow Connector 35">
+              <a:extLst>
+                <a:ext uri="{FF2B5EF4-FFF2-40B4-BE49-F238E27FC236}">
+                  <a16:creationId xmlns:a16="http://schemas.microsoft.com/office/drawing/2014/main" id="{29D71D6D-F863-8C1E-E1CD-BF6DFA282074}"/>
+                </a:ext>
+              </a:extLst>
+            </p:cNvPr>
+            <p:cNvCxnSpPr>
+              <a:cxnSpLocks/>
+              <a:stCxn id="26" idx="2"/>
+              <a:endCxn id="24" idx="3"/>
+            </p:cNvCxnSpPr>
+            <p:nvPr/>
+          </p:nvCxnSpPr>
+          <p:spPr>
+            <a:xfrm flipH="1">
+              <a:off x="2752017" y="1342657"/>
+              <a:ext cx="121175" cy="123499"/>
+            </a:xfrm>
+            <a:prstGeom prst="straightConnector1">
+              <a:avLst/>
+            </a:prstGeom>
+            <a:ln w="3175">
+              <a:solidFill>
+                <a:schemeClr val="bg2"/>
+              </a:solidFill>
+              <a:tailEnd type="triangle" w="sm" len="sm"/>
+            </a:ln>
+          </p:spPr>
+          <p:style>
+            <a:lnRef idx="2">
+              <a:schemeClr val="accent1"/>
+            </a:lnRef>
+            <a:fillRef idx="0">
+              <a:schemeClr val="accent1"/>
+            </a:fillRef>
+            <a:effectRef idx="1">
+              <a:schemeClr val="accent1"/>
+            </a:effectRef>
+            <a:fontRef idx="minor">
+              <a:schemeClr val="tx1"/>
+            </a:fontRef>
+          </p:style>
+        </p:cxnSp>
+      </p:grpSp>
+      <p:sp>
+        <p:nvSpPr>
+          <p:cNvPr id="37" name="TextBox 36">
+            <a:extLst>
+              <a:ext uri="{FF2B5EF4-FFF2-40B4-BE49-F238E27FC236}">
+                <a16:creationId xmlns:a16="http://schemas.microsoft.com/office/drawing/2014/main" id="{275C8B5E-45CC-079C-B976-12E62EC1A448}"/>
+              </a:ext>
+            </a:extLst>
+          </p:cNvPr>
+          <p:cNvSpPr txBox="1"/>
+          <p:nvPr/>
+        </p:nvSpPr>
+        <p:spPr>
+          <a:xfrm>
+            <a:off x="1587729" y="671086"/>
+            <a:ext cx="970137" cy="200055"/>
+          </a:xfrm>
+          <a:prstGeom prst="rect">
+            <a:avLst/>
+          </a:prstGeom>
+          <a:noFill/>
+        </p:spPr>
+        <p:txBody>
+          <a:bodyPr wrap="none" rtlCol="0">
+            <a:spAutoFit/>
+          </a:bodyPr>
+          <a:lstStyle/>
+          <a:p>
+            <a:r>
+              <a:rPr lang="en-US" sz="700" b="1" dirty="0"/>
+              <a:t>Dependency Graph</a:t>
+            </a:r>
+          </a:p>
+        </p:txBody>
+      </p:sp>
+      <p:sp>
+        <p:nvSpPr>
+          <p:cNvPr id="38" name="Rectangle 37">
+            <a:extLst>
+              <a:ext uri="{FF2B5EF4-FFF2-40B4-BE49-F238E27FC236}">
+                <a16:creationId xmlns:a16="http://schemas.microsoft.com/office/drawing/2014/main" id="{BB7FBBF3-3768-9344-62DD-842B57A0778F}"/>
+              </a:ext>
+            </a:extLst>
+          </p:cNvPr>
+          <p:cNvSpPr/>
+          <p:nvPr/>
+        </p:nvSpPr>
+        <p:spPr>
+          <a:xfrm>
+            <a:off x="2506931" y="122338"/>
+            <a:ext cx="648644" cy="214744"/>
+          </a:xfrm>
+          <a:prstGeom prst="rect">
+            <a:avLst/>
+          </a:prstGeom>
+          <a:solidFill>
+            <a:schemeClr val="accent2">
+              <a:lumMod val="20000"/>
+              <a:lumOff val="80000"/>
+            </a:schemeClr>
+          </a:solidFill>
+          <a:ln>
+            <a:solidFill>
+              <a:schemeClr val="accent2"/>
+            </a:solidFill>
+          </a:ln>
+        </p:spPr>
+        <p:style>
+          <a:lnRef idx="2">
+            <a:schemeClr val="accent2"/>
+          </a:lnRef>
+          <a:fillRef idx="1">
+            <a:schemeClr val="lt1"/>
+          </a:fillRef>
+          <a:effectRef idx="0">
+            <a:schemeClr val="accent2"/>
+          </a:effectRef>
+          <a:fontRef idx="minor">
+            <a:schemeClr val="dk1"/>
+          </a:fontRef>
+        </p:style>
+        <p:txBody>
+          <a:bodyPr rtlCol="0" anchor="ctr"/>
+          <a:lstStyle/>
+          <a:p>
+            <a:pPr algn="ctr"/>
+            <a:r>
+              <a:rPr lang="en-US" sz="1200" dirty="0"/>
+              <a:t>C fn</a:t>
+            </a:r>
+          </a:p>
+        </p:txBody>
+      </p:sp>
+      <p:cxnSp>
+        <p:nvCxnSpPr>
+          <p:cNvPr id="39" name="Straight Arrow Connector 71">
+            <a:extLst>
+              <a:ext uri="{FF2B5EF4-FFF2-40B4-BE49-F238E27FC236}">
+                <a16:creationId xmlns:a16="http://schemas.microsoft.com/office/drawing/2014/main" id="{8FD80678-3C3B-A5A9-9676-3DE9A1491A09}"/>
+              </a:ext>
+            </a:extLst>
+          </p:cNvPr>
+          <p:cNvCxnSpPr>
+            <a:cxnSpLocks/>
+            <a:stCxn id="11" idx="3"/>
+            <a:endCxn id="37" idx="2"/>
+          </p:cNvCxnSpPr>
+          <p:nvPr/>
+        </p:nvCxnSpPr>
+        <p:spPr>
+          <a:xfrm flipV="1">
+            <a:off x="1446543" y="871140"/>
+            <a:ext cx="626255" cy="217026"/>
+          </a:xfrm>
+          <a:prstGeom prst="bentConnector2">
+            <a:avLst/>
+          </a:prstGeom>
+          <a:ln>
+            <a:tailEnd type="triangle"/>
+          </a:ln>
+        </p:spPr>
+        <p:style>
+          <a:lnRef idx="2">
+            <a:schemeClr val="dk1"/>
+          </a:lnRef>
+          <a:fillRef idx="0">
+            <a:schemeClr val="dk1"/>
+          </a:fillRef>
+          <a:effectRef idx="1">
+            <a:schemeClr val="dk1"/>
+          </a:effectRef>
+          <a:fontRef idx="minor">
+            <a:schemeClr val="tx1"/>
+          </a:fontRef>
+        </p:style>
+      </p:cxnSp>
+      <p:cxnSp>
+        <p:nvCxnSpPr>
+          <p:cNvPr id="40" name="Straight Arrow Connector 74">
+            <a:extLst>
+              <a:ext uri="{FF2B5EF4-FFF2-40B4-BE49-F238E27FC236}">
+                <a16:creationId xmlns:a16="http://schemas.microsoft.com/office/drawing/2014/main" id="{08B593FC-5E22-55C5-851D-4996C77B4533}"/>
+              </a:ext>
+            </a:extLst>
+          </p:cNvPr>
+          <p:cNvCxnSpPr>
+            <a:cxnSpLocks/>
+            <a:stCxn id="37" idx="0"/>
+            <a:endCxn id="38" idx="1"/>
+          </p:cNvCxnSpPr>
+          <p:nvPr/>
+        </p:nvCxnSpPr>
+        <p:spPr>
+          <a:xfrm rot="5400000" flipH="1" flipV="1">
+            <a:off x="2069176" y="233332"/>
+            <a:ext cx="441376" cy="434133"/>
+          </a:xfrm>
+          <a:prstGeom prst="bentConnector2">
+            <a:avLst/>
+          </a:prstGeom>
+          <a:ln>
+            <a:tailEnd type="triangle"/>
+          </a:ln>
+        </p:spPr>
+        <p:style>
+          <a:lnRef idx="2">
+            <a:schemeClr val="dk1"/>
+          </a:lnRef>
+          <a:fillRef idx="0">
+            <a:schemeClr val="dk1"/>
+          </a:fillRef>
+          <a:effectRef idx="1">
+            <a:schemeClr val="dk1"/>
+          </a:effectRef>
+          <a:fontRef idx="minor">
+            <a:schemeClr val="tx1"/>
+          </a:fontRef>
+        </p:style>
+      </p:cxnSp>
+      <p:cxnSp>
+        <p:nvCxnSpPr>
+          <p:cNvPr id="41" name="Straight Arrow Connector 88">
+            <a:extLst>
+              <a:ext uri="{FF2B5EF4-FFF2-40B4-BE49-F238E27FC236}">
+                <a16:creationId xmlns:a16="http://schemas.microsoft.com/office/drawing/2014/main" id="{B7A755A1-A64E-D1A4-CA8A-3FBCA94CAA0A}"/>
+              </a:ext>
+            </a:extLst>
+          </p:cNvPr>
+          <p:cNvCxnSpPr>
+            <a:cxnSpLocks/>
+            <a:stCxn id="38" idx="3"/>
+            <a:endCxn id="7" idx="1"/>
+          </p:cNvCxnSpPr>
+          <p:nvPr/>
+        </p:nvCxnSpPr>
+        <p:spPr>
+          <a:xfrm>
+            <a:off x="3155575" y="229710"/>
+            <a:ext cx="435258" cy="542024"/>
+          </a:xfrm>
+          <a:prstGeom prst="bentConnector3">
+            <a:avLst>
+              <a:gd name="adj1" fmla="val 50000"/>
+            </a:avLst>
+          </a:prstGeom>
+          <a:ln w="19050">
+            <a:tailEnd type="triangle"/>
+          </a:ln>
+        </p:spPr>
+        <p:style>
+          <a:lnRef idx="2">
+            <a:schemeClr val="dk1"/>
+          </a:lnRef>
+          <a:fillRef idx="0">
+            <a:schemeClr val="dk1"/>
+          </a:fillRef>
+          <a:effectRef idx="1">
+            <a:schemeClr val="dk1"/>
+          </a:effectRef>
+          <a:fontRef idx="minor">
+            <a:schemeClr val="tx1"/>
+          </a:fontRef>
+        </p:style>
+      </p:cxnSp>
+      <p:sp>
+        <p:nvSpPr>
+          <p:cNvPr id="42" name="Double Brace 41">
+            <a:extLst>
+              <a:ext uri="{FF2B5EF4-FFF2-40B4-BE49-F238E27FC236}">
+                <a16:creationId xmlns:a16="http://schemas.microsoft.com/office/drawing/2014/main" id="{45092750-BCEB-4142-ACC5-9E4A338B1576}"/>
+              </a:ext>
+            </a:extLst>
+          </p:cNvPr>
+          <p:cNvSpPr/>
+          <p:nvPr/>
+        </p:nvSpPr>
+        <p:spPr>
+          <a:xfrm>
+            <a:off x="5213550" y="812625"/>
+            <a:ext cx="700927" cy="259828"/>
+          </a:xfrm>
+          <a:prstGeom prst="bracePair">
+            <a:avLst/>
+          </a:prstGeom>
+          <a:solidFill>
+            <a:schemeClr val="accent2">
+              <a:lumMod val="20000"/>
+              <a:lumOff val="80000"/>
+            </a:schemeClr>
+          </a:solidFill>
+        </p:spPr>
+        <p:style>
+          <a:lnRef idx="2">
+            <a:schemeClr val="accent2"/>
+          </a:lnRef>
+          <a:fillRef idx="0">
+            <a:schemeClr val="accent2"/>
+          </a:fillRef>
+          <a:effectRef idx="1">
+            <a:schemeClr val="accent2"/>
+          </a:effectRef>
+          <a:fontRef idx="minor">
+            <a:schemeClr val="tx1"/>
+          </a:fontRef>
+        </p:style>
+        <p:txBody>
+          <a:bodyPr rtlCol="0" anchor="ctr"/>
+          <a:lstStyle/>
+          <a:p>
+            <a:pPr algn="ctr"/>
+            <a:r>
+              <a:rPr lang="en-US" sz="900" dirty="0"/>
+              <a:t>C I/O</a:t>
+            </a:r>
+          </a:p>
+        </p:txBody>
+      </p:sp>
+      <p:sp>
+        <p:nvSpPr>
+          <p:cNvPr id="43" name="Rectangle 42">
+            <a:extLst>
+              <a:ext uri="{FF2B5EF4-FFF2-40B4-BE49-F238E27FC236}">
+                <a16:creationId xmlns:a16="http://schemas.microsoft.com/office/drawing/2014/main" id="{70941E66-7F51-524A-4DA7-8F72F727F724}"/>
+              </a:ext>
+            </a:extLst>
+          </p:cNvPr>
+          <p:cNvSpPr/>
+          <p:nvPr/>
+        </p:nvSpPr>
+        <p:spPr>
+          <a:xfrm>
+            <a:off x="5730147" y="1871077"/>
+            <a:ext cx="880932" cy="181145"/>
+          </a:xfrm>
+          <a:prstGeom prst="rect">
+            <a:avLst/>
+          </a:prstGeom>
+          <a:solidFill>
+            <a:schemeClr val="accent5">
+              <a:lumMod val="20000"/>
+              <a:lumOff val="80000"/>
+            </a:schemeClr>
+          </a:solidFill>
+          <a:ln>
+            <a:noFill/>
+          </a:ln>
+        </p:spPr>
+        <p:style>
+          <a:lnRef idx="2">
+            <a:schemeClr val="accent2"/>
+          </a:lnRef>
+          <a:fillRef idx="1">
+            <a:schemeClr val="lt1"/>
+          </a:fillRef>
+          <a:effectRef idx="0">
+            <a:schemeClr val="accent2"/>
+          </a:effectRef>
+          <a:fontRef idx="minor">
+            <a:schemeClr val="dk1"/>
+          </a:fontRef>
+        </p:style>
+        <p:txBody>
+          <a:bodyPr rtlCol="0" anchor="ctr"/>
+          <a:lstStyle/>
+          <a:p>
+            <a:pPr algn="ctr"/>
+            <a:r>
+              <a:rPr lang="en-US" sz="900" dirty="0"/>
+              <a:t>type signature</a:t>
+            </a:r>
+          </a:p>
+        </p:txBody>
+      </p:sp>
+      <p:sp>
+        <p:nvSpPr>
+          <p:cNvPr id="44" name="Rectangle 43">
+            <a:extLst>
+              <a:ext uri="{FF2B5EF4-FFF2-40B4-BE49-F238E27FC236}">
+                <a16:creationId xmlns:a16="http://schemas.microsoft.com/office/drawing/2014/main" id="{27DB5810-D6A8-C39F-5780-1AF69BCCA42A}"/>
+              </a:ext>
+            </a:extLst>
+          </p:cNvPr>
+          <p:cNvSpPr/>
+          <p:nvPr/>
+        </p:nvSpPr>
+        <p:spPr>
+          <a:xfrm>
+            <a:off x="4005939" y="1822634"/>
+            <a:ext cx="1233313" cy="173572"/>
+          </a:xfrm>
+          <a:prstGeom prst="rect">
+            <a:avLst/>
+          </a:prstGeom>
+          <a:solidFill>
+            <a:schemeClr val="tx1">
+              <a:lumMod val="65000"/>
+              <a:lumOff val="35000"/>
+            </a:schemeClr>
+          </a:solidFill>
+          <a:ln>
+            <a:solidFill>
+              <a:schemeClr val="tx1"/>
+            </a:solidFill>
+          </a:ln>
+        </p:spPr>
+        <p:style>
+          <a:lnRef idx="2">
+            <a:schemeClr val="accent2"/>
+          </a:lnRef>
+          <a:fillRef idx="1">
+            <a:schemeClr val="lt1"/>
+          </a:fillRef>
+          <a:effectRef idx="0">
+            <a:schemeClr val="accent2"/>
+          </a:effectRef>
+          <a:fontRef idx="minor">
+            <a:schemeClr val="dk1"/>
+          </a:fontRef>
+        </p:style>
+        <p:txBody>
+          <a:bodyPr rtlCol="0" anchor="ctr"/>
+          <a:lstStyle/>
+          <a:p>
+            <a:pPr algn="ctr"/>
+            <a:r>
+              <a:rPr lang="en-US" sz="1000" dirty="0">
+                <a:solidFill>
+                  <a:schemeClr val="bg1"/>
+                </a:solidFill>
+              </a:rPr>
+              <a:t>LLM</a:t>
+            </a:r>
+          </a:p>
+        </p:txBody>
+      </p:sp>
+      <p:sp>
+        <p:nvSpPr>
+          <p:cNvPr id="45" name="Double Brace 44">
+            <a:extLst>
+              <a:ext uri="{FF2B5EF4-FFF2-40B4-BE49-F238E27FC236}">
+                <a16:creationId xmlns:a16="http://schemas.microsoft.com/office/drawing/2014/main" id="{1FEF14CE-6D88-141E-CE8F-F662B20D86D5}"/>
+              </a:ext>
+            </a:extLst>
+          </p:cNvPr>
+          <p:cNvSpPr/>
+          <p:nvPr/>
+        </p:nvSpPr>
+        <p:spPr>
+          <a:xfrm>
+            <a:off x="2863625" y="1894820"/>
+            <a:ext cx="727897" cy="315107"/>
+          </a:xfrm>
+          <a:prstGeom prst="bracePair">
+            <a:avLst/>
+          </a:prstGeom>
+          <a:solidFill>
+            <a:schemeClr val="accent5">
+              <a:lumMod val="20000"/>
+              <a:lumOff val="80000"/>
+            </a:schemeClr>
+          </a:solidFill>
+          <a:ln>
+            <a:solidFill>
+              <a:schemeClr val="accent5"/>
+            </a:solidFill>
+          </a:ln>
+        </p:spPr>
+        <p:style>
+          <a:lnRef idx="2">
+            <a:schemeClr val="accent2"/>
+          </a:lnRef>
+          <a:fillRef idx="0">
+            <a:schemeClr val="accent2"/>
+          </a:fillRef>
+          <a:effectRef idx="1">
+            <a:schemeClr val="accent2"/>
+          </a:effectRef>
+          <a:fontRef idx="minor">
+            <a:schemeClr val="tx1"/>
+          </a:fontRef>
+        </p:style>
+        <p:txBody>
+          <a:bodyPr rtlCol="0" anchor="ctr"/>
+          <a:lstStyle/>
+          <a:p>
+            <a:pPr algn="ctr"/>
+            <a:r>
+              <a:rPr lang="en-US" sz="900" dirty="0"/>
+              <a:t>Expected Rust I/O</a:t>
+            </a:r>
+          </a:p>
+        </p:txBody>
+      </p:sp>
+      <p:cxnSp>
+        <p:nvCxnSpPr>
+          <p:cNvPr id="46" name="Straight Arrow Connector 88">
+            <a:extLst>
+              <a:ext uri="{FF2B5EF4-FFF2-40B4-BE49-F238E27FC236}">
+                <a16:creationId xmlns:a16="http://schemas.microsoft.com/office/drawing/2014/main" id="{7B7EB07D-3787-DA1D-0323-12DE4BA67E50}"/>
+              </a:ext>
+            </a:extLst>
+          </p:cNvPr>
+          <p:cNvCxnSpPr>
+            <a:cxnSpLocks/>
+            <a:stCxn id="38" idx="3"/>
+            <a:endCxn id="13" idx="0"/>
+          </p:cNvCxnSpPr>
+          <p:nvPr/>
+        </p:nvCxnSpPr>
+        <p:spPr>
+          <a:xfrm>
+            <a:off x="3155575" y="229710"/>
+            <a:ext cx="3720262" cy="231233"/>
+          </a:xfrm>
+          <a:prstGeom prst="bentConnector2">
+            <a:avLst/>
+          </a:prstGeom>
+          <a:ln>
+            <a:tailEnd type="triangle"/>
+          </a:ln>
+        </p:spPr>
+        <p:style>
+          <a:lnRef idx="2">
+            <a:schemeClr val="dk1"/>
+          </a:lnRef>
+          <a:fillRef idx="0">
+            <a:schemeClr val="dk1"/>
+          </a:fillRef>
+          <a:effectRef idx="1">
+            <a:schemeClr val="dk1"/>
+          </a:effectRef>
+          <a:fontRef idx="minor">
+            <a:schemeClr val="tx1"/>
+          </a:fontRef>
+        </p:style>
+      </p:cxnSp>
+      <p:cxnSp>
+        <p:nvCxnSpPr>
+          <p:cNvPr id="47" name="Straight Arrow Connector 259">
+            <a:extLst>
+              <a:ext uri="{FF2B5EF4-FFF2-40B4-BE49-F238E27FC236}">
+                <a16:creationId xmlns:a16="http://schemas.microsoft.com/office/drawing/2014/main" id="{7CBAF501-4E33-E053-27D7-AF30243E394B}"/>
+              </a:ext>
+            </a:extLst>
+          </p:cNvPr>
+          <p:cNvCxnSpPr>
+            <a:cxnSpLocks/>
+            <a:stCxn id="15" idx="1"/>
+            <a:endCxn id="45" idx="3"/>
+          </p:cNvCxnSpPr>
+          <p:nvPr/>
+        </p:nvCxnSpPr>
+        <p:spPr>
+          <a:xfrm rot="10800000" flipV="1">
+            <a:off x="3591520" y="1818676"/>
+            <a:ext cx="336050" cy="233697"/>
+          </a:xfrm>
+          <a:prstGeom prst="bentConnector3">
+            <a:avLst>
+              <a:gd name="adj1" fmla="val 50000"/>
+            </a:avLst>
+          </a:prstGeom>
+          <a:ln>
+            <a:tailEnd type="triangle"/>
+          </a:ln>
+        </p:spPr>
+        <p:style>
+          <a:lnRef idx="2">
+            <a:schemeClr val="dk1"/>
+          </a:lnRef>
+          <a:fillRef idx="0">
+            <a:schemeClr val="dk1"/>
+          </a:fillRef>
+          <a:effectRef idx="1">
+            <a:schemeClr val="dk1"/>
+          </a:effectRef>
+          <a:fontRef idx="minor">
+            <a:schemeClr val="tx1"/>
+          </a:fontRef>
+        </p:style>
+      </p:cxnSp>
+      <p:cxnSp>
+        <p:nvCxnSpPr>
+          <p:cNvPr id="48" name="Straight Arrow Connector 132">
+            <a:extLst>
+              <a:ext uri="{FF2B5EF4-FFF2-40B4-BE49-F238E27FC236}">
+                <a16:creationId xmlns:a16="http://schemas.microsoft.com/office/drawing/2014/main" id="{D2B1B36E-C815-05D4-E086-81FBF754486E}"/>
+              </a:ext>
+            </a:extLst>
+          </p:cNvPr>
+          <p:cNvCxnSpPr>
+            <a:cxnSpLocks/>
+            <a:stCxn id="17" idx="3"/>
+            <a:endCxn id="4" idx="2"/>
+          </p:cNvCxnSpPr>
+          <p:nvPr/>
+        </p:nvCxnSpPr>
+        <p:spPr>
+          <a:xfrm flipH="1">
+            <a:off x="2935262" y="1439913"/>
+            <a:ext cx="4254454" cy="827825"/>
+          </a:xfrm>
+          <a:prstGeom prst="bentConnector4">
+            <a:avLst>
+              <a:gd name="adj1" fmla="val -3940"/>
+              <a:gd name="adj2" fmla="val 121478"/>
+            </a:avLst>
+          </a:prstGeom>
+          <a:ln>
+            <a:tailEnd type="triangle"/>
+          </a:ln>
+        </p:spPr>
+        <p:style>
+          <a:lnRef idx="2">
+            <a:schemeClr val="dk1"/>
+          </a:lnRef>
+          <a:fillRef idx="0">
+            <a:schemeClr val="dk1"/>
+          </a:fillRef>
+          <a:effectRef idx="1">
+            <a:schemeClr val="dk1"/>
+          </a:effectRef>
+          <a:fontRef idx="minor">
+            <a:schemeClr val="tx1"/>
+          </a:fontRef>
+        </p:style>
+      </p:cxnSp>
+      <p:sp>
+        <p:nvSpPr>
+          <p:cNvPr id="49" name="Double Brace 48">
+            <a:extLst>
+              <a:ext uri="{FF2B5EF4-FFF2-40B4-BE49-F238E27FC236}">
+                <a16:creationId xmlns:a16="http://schemas.microsoft.com/office/drawing/2014/main" id="{C338F303-4B53-638A-BA59-31C526004F0B}"/>
+              </a:ext>
+            </a:extLst>
+          </p:cNvPr>
+          <p:cNvSpPr/>
+          <p:nvPr/>
+        </p:nvSpPr>
+        <p:spPr>
+          <a:xfrm>
+            <a:off x="5207244" y="479243"/>
+            <a:ext cx="700927" cy="259828"/>
+          </a:xfrm>
+          <a:prstGeom prst="bracePair">
+            <a:avLst/>
+          </a:prstGeom>
+          <a:solidFill>
+            <a:schemeClr val="accent2">
+              <a:lumMod val="20000"/>
+              <a:lumOff val="80000"/>
+            </a:schemeClr>
+          </a:solidFill>
+        </p:spPr>
+        <p:style>
+          <a:lnRef idx="2">
+            <a:schemeClr val="accent2"/>
+          </a:lnRef>
+          <a:fillRef idx="0">
+            <a:schemeClr val="accent2"/>
+          </a:fillRef>
+          <a:effectRef idx="1">
+            <a:schemeClr val="accent2"/>
+          </a:effectRef>
+          <a:fontRef idx="minor">
+            <a:schemeClr val="tx1"/>
+          </a:fontRef>
+        </p:style>
+        <p:txBody>
+          <a:bodyPr rtlCol="0" anchor="ctr"/>
+          <a:lstStyle/>
+          <a:p>
+            <a:pPr algn="ctr"/>
+            <a:r>
+              <a:rPr lang="en-US" sz="900" dirty="0"/>
+              <a:t>C props</a:t>
+            </a:r>
+          </a:p>
+        </p:txBody>
+      </p:sp>
+      <p:cxnSp>
+        <p:nvCxnSpPr>
+          <p:cNvPr id="50" name="Straight Arrow Connector 132">
+            <a:extLst>
+              <a:ext uri="{FF2B5EF4-FFF2-40B4-BE49-F238E27FC236}">
+                <a16:creationId xmlns:a16="http://schemas.microsoft.com/office/drawing/2014/main" id="{0EC807D5-C68C-C799-E5D0-1CD466431E1B}"/>
+              </a:ext>
+            </a:extLst>
+          </p:cNvPr>
+          <p:cNvCxnSpPr>
+            <a:cxnSpLocks/>
+            <a:stCxn id="4" idx="1"/>
+            <a:endCxn id="9" idx="3"/>
+          </p:cNvCxnSpPr>
+          <p:nvPr/>
+        </p:nvCxnSpPr>
+        <p:spPr>
+          <a:xfrm flipH="1" flipV="1">
+            <a:off x="1446543" y="1827383"/>
+            <a:ext cx="791580" cy="1418"/>
+          </a:xfrm>
+          <a:prstGeom prst="straightConnector1">
+            <a:avLst/>
+          </a:prstGeom>
+          <a:ln w="12700">
+            <a:tailEnd type="triangle"/>
+          </a:ln>
+        </p:spPr>
+        <p:style>
+          <a:lnRef idx="2">
+            <a:schemeClr val="dk1"/>
+          </a:lnRef>
+          <a:fillRef idx="0">
+            <a:schemeClr val="dk1"/>
+          </a:fillRef>
+          <a:effectRef idx="1">
+            <a:schemeClr val="dk1"/>
+          </a:effectRef>
+          <a:fontRef idx="minor">
+            <a:schemeClr val="tx1"/>
+          </a:fontRef>
+        </p:style>
+      </p:cxnSp>
+      <p:sp>
+        <p:nvSpPr>
+          <p:cNvPr id="51" name="Rectangle 50">
+            <a:extLst>
+              <a:ext uri="{FF2B5EF4-FFF2-40B4-BE49-F238E27FC236}">
+                <a16:creationId xmlns:a16="http://schemas.microsoft.com/office/drawing/2014/main" id="{ADB18590-E391-88B3-FC90-86AA88CBA75A}"/>
+              </a:ext>
+            </a:extLst>
+          </p:cNvPr>
+          <p:cNvSpPr/>
+          <p:nvPr/>
+        </p:nvSpPr>
+        <p:spPr>
+          <a:xfrm>
+            <a:off x="2316493" y="1890254"/>
+            <a:ext cx="506251" cy="315107"/>
+          </a:xfrm>
+          <a:prstGeom prst="rect">
+            <a:avLst/>
+          </a:prstGeom>
+          <a:solidFill>
+            <a:schemeClr val="tx1">
+              <a:lumMod val="65000"/>
+              <a:lumOff val="35000"/>
+            </a:schemeClr>
+          </a:solidFill>
+          <a:ln>
+            <a:solidFill>
+              <a:schemeClr val="tx1"/>
+            </a:solidFill>
+          </a:ln>
+        </p:spPr>
+        <p:style>
+          <a:lnRef idx="2">
+            <a:schemeClr val="accent2"/>
+          </a:lnRef>
+          <a:fillRef idx="1">
+            <a:schemeClr val="lt1"/>
+          </a:fillRef>
+          <a:effectRef idx="0">
+            <a:schemeClr val="accent2"/>
+          </a:effectRef>
+          <a:fontRef idx="minor">
+            <a:schemeClr val="dk1"/>
+          </a:fontRef>
+        </p:style>
+        <p:txBody>
+          <a:bodyPr rtlCol="0" anchor="ctr"/>
+          <a:lstStyle/>
+          <a:p>
+            <a:pPr algn="ctr"/>
+            <a:r>
+              <a:rPr lang="en-US" sz="1000" dirty="0">
+                <a:solidFill>
+                  <a:schemeClr val="bg1"/>
+                </a:solidFill>
+              </a:rPr>
+              <a:t>LLM</a:t>
+            </a:r>
+          </a:p>
+        </p:txBody>
+      </p:sp>
+      <p:sp>
+        <p:nvSpPr>
+          <p:cNvPr id="52" name="Rectangle 51">
+            <a:extLst>
+              <a:ext uri="{FF2B5EF4-FFF2-40B4-BE49-F238E27FC236}">
+                <a16:creationId xmlns:a16="http://schemas.microsoft.com/office/drawing/2014/main" id="{5CCE8773-25E4-D999-D2CD-235FCF6D04B0}"/>
+              </a:ext>
+            </a:extLst>
+          </p:cNvPr>
+          <p:cNvSpPr/>
+          <p:nvPr/>
+        </p:nvSpPr>
+        <p:spPr>
+          <a:xfrm>
+            <a:off x="1669271" y="1508151"/>
+            <a:ext cx="341728" cy="214744"/>
+          </a:xfrm>
+          <a:prstGeom prst="rect">
+            <a:avLst/>
+          </a:prstGeom>
+          <a:solidFill>
+            <a:schemeClr val="accent5">
+              <a:lumMod val="20000"/>
+              <a:lumOff val="80000"/>
+            </a:schemeClr>
+          </a:solidFill>
+          <a:ln>
+            <a:solidFill>
+              <a:schemeClr val="accent5"/>
+            </a:solidFill>
+          </a:ln>
+        </p:spPr>
+        <p:style>
+          <a:lnRef idx="2">
+            <a:schemeClr val="accent2"/>
+          </a:lnRef>
+          <a:fillRef idx="1">
+            <a:schemeClr val="lt1"/>
+          </a:fillRef>
+          <a:effectRef idx="0">
+            <a:schemeClr val="accent2"/>
+          </a:effectRef>
+          <a:fontRef idx="minor">
+            <a:schemeClr val="dk1"/>
+          </a:fontRef>
+        </p:style>
+        <p:txBody>
+          <a:bodyPr rtlCol="0" anchor="ctr"/>
+          <a:lstStyle/>
+          <a:p>
+            <a:pPr algn="ctr"/>
+            <a:r>
               <a:rPr lang="en-US" sz="1200" dirty="0"/>
               <a:t>fn</a:t>
             </a:r>
@@ -19404,7 +19244,7 @@
           <p:cNvPr id="53" name="TextBox 52">
             <a:extLst>
               <a:ext uri="{FF2B5EF4-FFF2-40B4-BE49-F238E27FC236}">
-                <a16:creationId xmlns:a16="http://schemas.microsoft.com/office/drawing/2014/main" id="{736E6EDB-7B64-6B17-6FB0-A6EA4AC97E66}"/>
+                <a16:creationId xmlns:a16="http://schemas.microsoft.com/office/drawing/2014/main" id="{9B94F691-9FE2-3D0E-07F0-EB668DCB64F4}"/>
               </a:ext>
             </a:extLst>
           </p:cNvPr>
@@ -19439,7 +19279,7 @@
           <p:cNvPr id="54" name="Straight Arrow Connector 88">
             <a:extLst>
               <a:ext uri="{FF2B5EF4-FFF2-40B4-BE49-F238E27FC236}">
-                <a16:creationId xmlns:a16="http://schemas.microsoft.com/office/drawing/2014/main" id="{0FC49634-0B24-F74D-490C-61DFB11168DD}"/>
+                <a16:creationId xmlns:a16="http://schemas.microsoft.com/office/drawing/2014/main" id="{FEA400FE-1BF9-F0BA-3CA8-A246B4D2E5C8}"/>
               </a:ext>
             </a:extLst>
           </p:cNvPr>
@@ -19481,7 +19321,7 @@
           <p:cNvPr id="55" name="Straight Arrow Connector 259">
             <a:extLst>
               <a:ext uri="{FF2B5EF4-FFF2-40B4-BE49-F238E27FC236}">
-                <a16:creationId xmlns:a16="http://schemas.microsoft.com/office/drawing/2014/main" id="{BAA1E293-D2E5-9685-6059-B94661B307A3}"/>
+                <a16:creationId xmlns:a16="http://schemas.microsoft.com/office/drawing/2014/main" id="{5E784613-E050-0A41-41CB-5597094FF9E1}"/>
               </a:ext>
             </a:extLst>
           </p:cNvPr>
@@ -19525,7 +19365,7 @@
           <p:cNvPr id="56" name="Straight Arrow Connector 259">
             <a:extLst>
               <a:ext uri="{FF2B5EF4-FFF2-40B4-BE49-F238E27FC236}">
-                <a16:creationId xmlns:a16="http://schemas.microsoft.com/office/drawing/2014/main" id="{5BB412C7-0D2E-81BC-7768-FCA09E8BA579}"/>
+                <a16:creationId xmlns:a16="http://schemas.microsoft.com/office/drawing/2014/main" id="{A6610D90-31AE-77F0-AF0E-8E32F52F6442}"/>
               </a:ext>
             </a:extLst>
           </p:cNvPr>
@@ -19569,7 +19409,7 @@
           <p:cNvPr id="57" name="Straight Arrow Connector 132">
             <a:extLst>
               <a:ext uri="{FF2B5EF4-FFF2-40B4-BE49-F238E27FC236}">
-                <a16:creationId xmlns:a16="http://schemas.microsoft.com/office/drawing/2014/main" id="{0B830741-C643-92B1-2BE9-2821EE7A01D5}"/>
+                <a16:creationId xmlns:a16="http://schemas.microsoft.com/office/drawing/2014/main" id="{CA08CAA6-AAFE-06FB-FD2F-079E35E98D61}"/>
               </a:ext>
             </a:extLst>
           </p:cNvPr>
@@ -19617,7 +19457,7 @@
           <p:cNvPr id="58" name="TextBox 57">
             <a:extLst>
               <a:ext uri="{FF2B5EF4-FFF2-40B4-BE49-F238E27FC236}">
-                <a16:creationId xmlns:a16="http://schemas.microsoft.com/office/drawing/2014/main" id="{021069C6-66F4-554D-E1C1-105A5192AC9A}"/>
+                <a16:creationId xmlns:a16="http://schemas.microsoft.com/office/drawing/2014/main" id="{11FD9367-D877-C079-A17A-81D5B208E2BB}"/>
               </a:ext>
             </a:extLst>
           </p:cNvPr>
@@ -19652,7 +19492,7 @@
           <p:cNvPr id="59" name="Plus 58">
             <a:extLst>
               <a:ext uri="{FF2B5EF4-FFF2-40B4-BE49-F238E27FC236}">
-                <a16:creationId xmlns:a16="http://schemas.microsoft.com/office/drawing/2014/main" id="{87FF15A6-5B10-96C9-6EDC-F87F61E7B859}"/>
+                <a16:creationId xmlns:a16="http://schemas.microsoft.com/office/drawing/2014/main" id="{5BA1C62B-8F6D-01A7-D302-68AE72583BF1}"/>
               </a:ext>
             </a:extLst>
           </p:cNvPr>
@@ -19699,7 +19539,7 @@
     </p:spTree>
     <p:extLst>
       <p:ext uri="{BB962C8B-B14F-4D97-AF65-F5344CB8AC3E}">
-        <p14:creationId xmlns:p14="http://schemas.microsoft.com/office/powerpoint/2010/main" val="602814161"/>
+        <p14:creationId xmlns:p14="http://schemas.microsoft.com/office/powerpoint/2010/main" val="998538551"/>
       </p:ext>
     </p:extLst>
   </p:cSld>
@@ -19999,13 +19839,13 @@
   <p:clrMapOvr>
     <a:masterClrMapping/>
   </p:clrMapOvr>
-  <mc:AlternateContent xmlns:mc="http://schemas.openxmlformats.org/markup-compatibility/2006">
-    <mc:Choice xmlns:p159="http://schemas.microsoft.com/office/powerpoint/2015/09/main" Requires="p159">
+  <mc:AlternateContent xmlns:mc="http://schemas.openxmlformats.org/markup-compatibility/2006" xmlns:p159="http://schemas.microsoft.com/office/powerpoint/2015/09/main">
+    <mc:Choice Requires="p159">
       <p:transition spd="slow">
         <p159:morph option="byObject"/>
       </p:transition>
     </mc:Choice>
-    <mc:Fallback>
+    <mc:Fallback xmlns="">
       <p:transition spd="slow">
         <p:fade/>
       </p:transition>
@@ -21337,13 +21177,13 @@
   <p:clrMapOvr>
     <a:masterClrMapping/>
   </p:clrMapOvr>
-  <mc:AlternateContent xmlns:mc="http://schemas.openxmlformats.org/markup-compatibility/2006">
-    <mc:Choice xmlns:p159="http://schemas.microsoft.com/office/powerpoint/2015/09/main" Requires="p159">
+  <mc:AlternateContent xmlns:mc="http://schemas.openxmlformats.org/markup-compatibility/2006" xmlns:p159="http://schemas.microsoft.com/office/powerpoint/2015/09/main">
+    <mc:Choice Requires="p159">
       <p:transition spd="slow">
         <p159:morph option="byObject"/>
       </p:transition>
     </mc:Choice>
-    <mc:Fallback>
+    <mc:Fallback xmlns="">
       <p:transition spd="slow">
         <p:fade/>
       </p:transition>
@@ -22990,13 +22830,13 @@
   <p:clrMapOvr>
     <a:masterClrMapping/>
   </p:clrMapOvr>
-  <mc:AlternateContent xmlns:mc="http://schemas.openxmlformats.org/markup-compatibility/2006">
-    <mc:Choice xmlns:p159="http://schemas.microsoft.com/office/powerpoint/2015/09/main" Requires="p159">
+  <mc:AlternateContent xmlns:mc="http://schemas.openxmlformats.org/markup-compatibility/2006" xmlns:p159="http://schemas.microsoft.com/office/powerpoint/2015/09/main">
+    <mc:Choice Requires="p159">
       <p:transition spd="slow">
         <p159:morph option="byObject"/>
       </p:transition>
     </mc:Choice>
-    <mc:Fallback>
+    <mc:Fallback xmlns="">
       <p:transition spd="slow">
         <p:fade/>
       </p:transition>
@@ -24909,13 +24749,13 @@
   <p:clrMapOvr>
     <a:masterClrMapping/>
   </p:clrMapOvr>
-  <mc:AlternateContent xmlns:mc="http://schemas.openxmlformats.org/markup-compatibility/2006">
-    <mc:Choice xmlns:p159="http://schemas.microsoft.com/office/powerpoint/2015/09/main" Requires="p159">
+  <mc:AlternateContent xmlns:mc="http://schemas.openxmlformats.org/markup-compatibility/2006" xmlns:p159="http://schemas.microsoft.com/office/powerpoint/2015/09/main">
+    <mc:Choice Requires="p159">
       <p:transition spd="slow">
         <p159:morph option="byObject"/>
       </p:transition>
     </mc:Choice>
-    <mc:Fallback>
+    <mc:Fallback xmlns="">
       <p:transition spd="slow">
         <p:fade/>
       </p:transition>
@@ -27159,13 +26999,13 @@
   <p:clrMapOvr>
     <a:masterClrMapping/>
   </p:clrMapOvr>
-  <mc:AlternateContent xmlns:mc="http://schemas.openxmlformats.org/markup-compatibility/2006">
-    <mc:Choice xmlns:p159="http://schemas.microsoft.com/office/powerpoint/2015/09/main" Requires="p159">
+  <mc:AlternateContent xmlns:mc="http://schemas.openxmlformats.org/markup-compatibility/2006" xmlns:p159="http://schemas.microsoft.com/office/powerpoint/2015/09/main">
+    <mc:Choice Requires="p159">
       <p:transition spd="slow">
         <p159:morph option="byObject"/>
       </p:transition>
     </mc:Choice>
-    <mc:Fallback>
+    <mc:Fallback xmlns="">
       <p:transition spd="slow">
         <p:fade/>
       </p:transition>
@@ -29683,13 +29523,13 @@
   <p:clrMapOvr>
     <a:masterClrMapping/>
   </p:clrMapOvr>
-  <mc:AlternateContent xmlns:mc="http://schemas.openxmlformats.org/markup-compatibility/2006">
-    <mc:Choice xmlns:p159="http://schemas.microsoft.com/office/powerpoint/2015/09/main" Requires="p159">
+  <mc:AlternateContent xmlns:mc="http://schemas.openxmlformats.org/markup-compatibility/2006" xmlns:p159="http://schemas.microsoft.com/office/powerpoint/2015/09/main">
+    <mc:Choice Requires="p159">
       <p:transition spd="slow">
         <p159:morph option="byObject"/>
       </p:transition>
     </mc:Choice>
-    <mc:Fallback>
+    <mc:Fallback xmlns="">
       <p:transition spd="slow">
         <p:fade/>
       </p:transition>
@@ -32400,13 +32240,13 @@
   <p:clrMapOvr>
     <a:masterClrMapping/>
   </p:clrMapOvr>
-  <mc:AlternateContent xmlns:mc="http://schemas.openxmlformats.org/markup-compatibility/2006">
-    <mc:Choice xmlns:p159="http://schemas.microsoft.com/office/powerpoint/2015/09/main" Requires="p159">
+  <mc:AlternateContent xmlns:mc="http://schemas.openxmlformats.org/markup-compatibility/2006" xmlns:p159="http://schemas.microsoft.com/office/powerpoint/2015/09/main">
+    <mc:Choice Requires="p159">
       <p:transition spd="slow">
         <p159:morph option="byObject"/>
       </p:transition>
     </mc:Choice>
-    <mc:Fallback>
+    <mc:Fallback xmlns="">
       <p:transition spd="slow">
         <p:fade/>
       </p:transition>
@@ -32501,13 +32341,13 @@
   <p:clrMapOvr>
     <a:masterClrMapping/>
   </p:clrMapOvr>
-  <mc:AlternateContent xmlns:mc="http://schemas.openxmlformats.org/markup-compatibility/2006">
-    <mc:Choice xmlns:p159="http://schemas.microsoft.com/office/powerpoint/2015/09/main" Requires="p159">
+  <mc:AlternateContent xmlns:mc="http://schemas.openxmlformats.org/markup-compatibility/2006" xmlns:p159="http://schemas.microsoft.com/office/powerpoint/2015/09/main">
+    <mc:Choice Requires="p159">
       <p:transition spd="slow">
         <p159:morph option="byObject"/>
       </p:transition>
     </mc:Choice>
-    <mc:Fallback>
+    <mc:Fallback xmlns="">
       <p:transition spd="slow">
         <p:fade/>
       </p:transition>
